--- a/Soutenance_ESEO.pptx
+++ b/Soutenance_ESEO.pptx
@@ -13,20 +13,20 @@
     <p:sldId id="276" r:id="rId4"/>
     <p:sldId id="277" r:id="rId5"/>
     <p:sldId id="278" r:id="rId6"/>
-    <p:sldId id="279" r:id="rId7"/>
-    <p:sldId id="280" r:id="rId8"/>
-    <p:sldId id="281" r:id="rId9"/>
-    <p:sldId id="282" r:id="rId10"/>
+    <p:sldId id="298" r:id="rId7"/>
+    <p:sldId id="279" r:id="rId8"/>
+    <p:sldId id="280" r:id="rId9"/>
+    <p:sldId id="281" r:id="rId10"/>
     <p:sldId id="293" r:id="rId11"/>
     <p:sldId id="283" r:id="rId12"/>
     <p:sldId id="287" r:id="rId13"/>
-    <p:sldId id="284" r:id="rId14"/>
-    <p:sldId id="285" r:id="rId15"/>
-    <p:sldId id="286" r:id="rId16"/>
-    <p:sldId id="294" r:id="rId17"/>
-    <p:sldId id="295" r:id="rId18"/>
-    <p:sldId id="288" r:id="rId19"/>
-    <p:sldId id="289" r:id="rId20"/>
+    <p:sldId id="286" r:id="rId14"/>
+    <p:sldId id="294" r:id="rId15"/>
+    <p:sldId id="295" r:id="rId16"/>
+    <p:sldId id="284" r:id="rId17"/>
+    <p:sldId id="288" r:id="rId18"/>
+    <p:sldId id="289" r:id="rId19"/>
+    <p:sldId id="285" r:id="rId20"/>
     <p:sldId id="290" r:id="rId21"/>
     <p:sldId id="296" r:id="rId22"/>
     <p:sldId id="291" r:id="rId23"/>
@@ -219,7 +219,7 @@
           <a:p>
             <a:fld id="{35092FF3-816A-4BDD-A9DC-F1115A8D6CC7}" type="datetimeFigureOut">
               <a:rPr lang="fr-FR" smtClean="0"/>
-              <a:t>31/08/2017</a:t>
+              <a:t>04/09/2017</a:t>
             </a:fld>
             <a:endParaRPr lang="fr-FR"/>
           </a:p>
@@ -897,7 +897,7 @@
     </p:spTree>
     <p:extLst>
       <p:ext uri="{BB962C8B-B14F-4D97-AF65-F5344CB8AC3E}">
-        <p14:creationId xmlns:p14="http://schemas.microsoft.com/office/powerpoint/2010/main" val="3248251901"/>
+        <p14:creationId xmlns:p14="http://schemas.microsoft.com/office/powerpoint/2010/main" val="146645287"/>
       </p:ext>
     </p:extLst>
   </p:cSld>
@@ -981,7 +981,7 @@
     </p:spTree>
     <p:extLst>
       <p:ext uri="{BB962C8B-B14F-4D97-AF65-F5344CB8AC3E}">
-        <p14:creationId xmlns:p14="http://schemas.microsoft.com/office/powerpoint/2010/main" val="2775269236"/>
+        <p14:creationId xmlns:p14="http://schemas.microsoft.com/office/powerpoint/2010/main" val="3037825860"/>
       </p:ext>
     </p:extLst>
   </p:cSld>
@@ -1065,7 +1065,7 @@
     </p:spTree>
     <p:extLst>
       <p:ext uri="{BB962C8B-B14F-4D97-AF65-F5344CB8AC3E}">
-        <p14:creationId xmlns:p14="http://schemas.microsoft.com/office/powerpoint/2010/main" val="146645287"/>
+        <p14:creationId xmlns:p14="http://schemas.microsoft.com/office/powerpoint/2010/main" val="1007708574"/>
       </p:ext>
     </p:extLst>
   </p:cSld>
@@ -1149,7 +1149,7 @@
     </p:spTree>
     <p:extLst>
       <p:ext uri="{BB962C8B-B14F-4D97-AF65-F5344CB8AC3E}">
-        <p14:creationId xmlns:p14="http://schemas.microsoft.com/office/powerpoint/2010/main" val="3037825860"/>
+        <p14:creationId xmlns:p14="http://schemas.microsoft.com/office/powerpoint/2010/main" val="3248251901"/>
       </p:ext>
     </p:extLst>
   </p:cSld>
@@ -1233,7 +1233,7 @@
     </p:spTree>
     <p:extLst>
       <p:ext uri="{BB962C8B-B14F-4D97-AF65-F5344CB8AC3E}">
-        <p14:creationId xmlns:p14="http://schemas.microsoft.com/office/powerpoint/2010/main" val="1007708574"/>
+        <p14:creationId xmlns:p14="http://schemas.microsoft.com/office/powerpoint/2010/main" val="3868244166"/>
       </p:ext>
     </p:extLst>
   </p:cSld>
@@ -1317,7 +1317,7 @@
     </p:spTree>
     <p:extLst>
       <p:ext uri="{BB962C8B-B14F-4D97-AF65-F5344CB8AC3E}">
-        <p14:creationId xmlns:p14="http://schemas.microsoft.com/office/powerpoint/2010/main" val="3868244166"/>
+        <p14:creationId xmlns:p14="http://schemas.microsoft.com/office/powerpoint/2010/main" val="202364769"/>
       </p:ext>
     </p:extLst>
   </p:cSld>
@@ -1401,7 +1401,7 @@
     </p:spTree>
     <p:extLst>
       <p:ext uri="{BB962C8B-B14F-4D97-AF65-F5344CB8AC3E}">
-        <p14:creationId xmlns:p14="http://schemas.microsoft.com/office/powerpoint/2010/main" val="202364769"/>
+        <p14:creationId xmlns:p14="http://schemas.microsoft.com/office/powerpoint/2010/main" val="2775269236"/>
       </p:ext>
     </p:extLst>
   </p:cSld>
@@ -2157,7 +2157,7 @@
     </p:spTree>
     <p:extLst>
       <p:ext uri="{BB962C8B-B14F-4D97-AF65-F5344CB8AC3E}">
-        <p14:creationId xmlns:p14="http://schemas.microsoft.com/office/powerpoint/2010/main" val="1036663133"/>
+        <p14:creationId xmlns:p14="http://schemas.microsoft.com/office/powerpoint/2010/main" val="2191395653"/>
       </p:ext>
     </p:extLst>
   </p:cSld>
@@ -2241,7 +2241,7 @@
     </p:spTree>
     <p:extLst>
       <p:ext uri="{BB962C8B-B14F-4D97-AF65-F5344CB8AC3E}">
-        <p14:creationId xmlns:p14="http://schemas.microsoft.com/office/powerpoint/2010/main" val="1899131796"/>
+        <p14:creationId xmlns:p14="http://schemas.microsoft.com/office/powerpoint/2010/main" val="1036663133"/>
       </p:ext>
     </p:extLst>
   </p:cSld>
@@ -2325,7 +2325,7 @@
     </p:spTree>
     <p:extLst>
       <p:ext uri="{BB962C8B-B14F-4D97-AF65-F5344CB8AC3E}">
-        <p14:creationId xmlns:p14="http://schemas.microsoft.com/office/powerpoint/2010/main" val="952261596"/>
+        <p14:creationId xmlns:p14="http://schemas.microsoft.com/office/powerpoint/2010/main" val="1899131796"/>
       </p:ext>
     </p:extLst>
   </p:cSld>
@@ -2409,7 +2409,7 @@
     </p:spTree>
     <p:extLst>
       <p:ext uri="{BB962C8B-B14F-4D97-AF65-F5344CB8AC3E}">
-        <p14:creationId xmlns:p14="http://schemas.microsoft.com/office/powerpoint/2010/main" val="564090963"/>
+        <p14:creationId xmlns:p14="http://schemas.microsoft.com/office/powerpoint/2010/main" val="952261596"/>
       </p:ext>
     </p:extLst>
   </p:cSld>
@@ -2550,7 +2550,7 @@
           <a:p>
             <a:fld id="{DDAD1319-0F98-41DD-A2ED-E89E50328095}" type="datetimeFigureOut">
               <a:rPr lang="fr-FR" smtClean="0"/>
-              <a:t>31/08/2017</a:t>
+              <a:t>04/09/2017</a:t>
             </a:fld>
             <a:endParaRPr lang="fr-FR"/>
           </a:p>
@@ -2720,7 +2720,7 @@
           <a:p>
             <a:fld id="{DDAD1319-0F98-41DD-A2ED-E89E50328095}" type="datetimeFigureOut">
               <a:rPr lang="fr-FR" smtClean="0"/>
-              <a:t>31/08/2017</a:t>
+              <a:t>04/09/2017</a:t>
             </a:fld>
             <a:endParaRPr lang="fr-FR"/>
           </a:p>
@@ -2900,7 +2900,7 @@
           <a:p>
             <a:fld id="{DDAD1319-0F98-41DD-A2ED-E89E50328095}" type="datetimeFigureOut">
               <a:rPr lang="fr-FR" smtClean="0"/>
-              <a:t>31/08/2017</a:t>
+              <a:t>04/09/2017</a:t>
             </a:fld>
             <a:endParaRPr lang="fr-FR"/>
           </a:p>
@@ -3070,7 +3070,7 @@
           <a:p>
             <a:fld id="{DDAD1319-0F98-41DD-A2ED-E89E50328095}" type="datetimeFigureOut">
               <a:rPr lang="fr-FR" smtClean="0"/>
-              <a:t>31/08/2017</a:t>
+              <a:t>04/09/2017</a:t>
             </a:fld>
             <a:endParaRPr lang="fr-FR"/>
           </a:p>
@@ -3321,7 +3321,7 @@
           <a:p>
             <a:fld id="{DDAD1319-0F98-41DD-A2ED-E89E50328095}" type="datetimeFigureOut">
               <a:rPr lang="fr-FR" smtClean="0"/>
-              <a:t>31/08/2017</a:t>
+              <a:t>04/09/2017</a:t>
             </a:fld>
             <a:endParaRPr lang="fr-FR"/>
           </a:p>
@@ -3560,7 +3560,7 @@
           <a:p>
             <a:fld id="{DDAD1319-0F98-41DD-A2ED-E89E50328095}" type="datetimeFigureOut">
               <a:rPr lang="fr-FR" smtClean="0"/>
-              <a:t>31/08/2017</a:t>
+              <a:t>04/09/2017</a:t>
             </a:fld>
             <a:endParaRPr lang="fr-FR"/>
           </a:p>
@@ -3927,7 +3927,7 @@
           <a:p>
             <a:fld id="{DDAD1319-0F98-41DD-A2ED-E89E50328095}" type="datetimeFigureOut">
               <a:rPr lang="fr-FR" smtClean="0"/>
-              <a:t>31/08/2017</a:t>
+              <a:t>04/09/2017</a:t>
             </a:fld>
             <a:endParaRPr lang="fr-FR"/>
           </a:p>
@@ -4045,7 +4045,7 @@
           <a:p>
             <a:fld id="{DDAD1319-0F98-41DD-A2ED-E89E50328095}" type="datetimeFigureOut">
               <a:rPr lang="fr-FR" smtClean="0"/>
-              <a:t>31/08/2017</a:t>
+              <a:t>04/09/2017</a:t>
             </a:fld>
             <a:endParaRPr lang="fr-FR"/>
           </a:p>
@@ -4140,7 +4140,7 @@
           <a:p>
             <a:fld id="{DDAD1319-0F98-41DD-A2ED-E89E50328095}" type="datetimeFigureOut">
               <a:rPr lang="fr-FR" smtClean="0"/>
-              <a:t>31/08/2017</a:t>
+              <a:t>04/09/2017</a:t>
             </a:fld>
             <a:endParaRPr lang="fr-FR"/>
           </a:p>
@@ -4417,7 +4417,7 @@
           <a:p>
             <a:fld id="{DDAD1319-0F98-41DD-A2ED-E89E50328095}" type="datetimeFigureOut">
               <a:rPr lang="fr-FR" smtClean="0"/>
-              <a:t>31/08/2017</a:t>
+              <a:t>04/09/2017</a:t>
             </a:fld>
             <a:endParaRPr lang="fr-FR"/>
           </a:p>
@@ -4674,7 +4674,7 @@
           <a:p>
             <a:fld id="{DDAD1319-0F98-41DD-A2ED-E89E50328095}" type="datetimeFigureOut">
               <a:rPr lang="fr-FR" smtClean="0"/>
-              <a:t>31/08/2017</a:t>
+              <a:t>04/09/2017</a:t>
             </a:fld>
             <a:endParaRPr lang="fr-FR"/>
           </a:p>
@@ -4739,9 +4739,12 @@
 <p:sldMaster xmlns:a="http://schemas.openxmlformats.org/drawingml/2006/main" xmlns:r="http://schemas.openxmlformats.org/officeDocument/2006/relationships" xmlns:p="http://schemas.openxmlformats.org/presentationml/2006/main">
   <p:cSld>
     <p:bg>
-      <p:bgRef idx="1001">
-        <a:schemeClr val="bg1"/>
-      </p:bgRef>
+      <p:bgPr>
+        <a:solidFill>
+          <a:schemeClr val="bg1"/>
+        </a:solidFill>
+        <a:effectLst/>
+      </p:bgPr>
     </p:bg>
     <p:spTree>
       <p:nvGrpSpPr>
@@ -4887,7 +4890,7 @@
           <a:p>
             <a:fld id="{DDAD1319-0F98-41DD-A2ED-E89E50328095}" type="datetimeFigureOut">
               <a:rPr lang="fr-FR" smtClean="0"/>
-              <a:t>31/08/2017</a:t>
+              <a:t>04/09/2017</a:t>
             </a:fld>
             <a:endParaRPr lang="fr-FR"/>
           </a:p>
@@ -5285,27 +5288,6 @@
 <file path=ppt/slides/slide1.xml><?xml version="1.0" encoding="utf-8"?>
 <p:sld xmlns:a="http://schemas.openxmlformats.org/drawingml/2006/main" xmlns:r="http://schemas.openxmlformats.org/officeDocument/2006/relationships" xmlns:p="http://schemas.openxmlformats.org/presentationml/2006/main">
   <p:cSld>
-    <p:bg>
-      <p:bgPr>
-        <a:gradFill>
-          <a:gsLst>
-            <a:gs pos="100000">
-              <a:schemeClr val="bg2">
-                <a:lumMod val="90000"/>
-              </a:schemeClr>
-            </a:gs>
-            <a:gs pos="55500">
-              <a:srgbClr val="F0F0F0"/>
-            </a:gs>
-            <a:gs pos="11000">
-              <a:schemeClr val="bg1"/>
-            </a:gs>
-          </a:gsLst>
-          <a:lin ang="5400000" scaled="1"/>
-        </a:gradFill>
-        <a:effectLst/>
-      </p:bgPr>
-    </p:bg>
     <p:spTree>
       <p:nvGrpSpPr>
         <p:cNvPr id="1" name=""/>
@@ -5322,14 +5304,14 @@
       </p:grpSpPr>
       <p:sp>
         <p:nvSpPr>
-          <p:cNvPr id="4" name="Rectangle 3"/>
+          <p:cNvPr id="5" name="Rectangle 4"/>
           <p:cNvSpPr/>
           <p:nvPr/>
         </p:nvSpPr>
         <p:spPr>
           <a:xfrm>
-            <a:off x="0" y="1"/>
-            <a:ext cx="9144000" cy="1079157"/>
+            <a:off x="0" y="6483178"/>
+            <a:ext cx="9144000" cy="374822"/>
           </a:xfrm>
           <a:prstGeom prst="rect">
             <a:avLst/>
@@ -5367,51 +5349,6 @@
       </p:sp>
       <p:sp>
         <p:nvSpPr>
-          <p:cNvPr id="5" name="Rectangle 4"/>
-          <p:cNvSpPr/>
-          <p:nvPr/>
-        </p:nvSpPr>
-        <p:spPr>
-          <a:xfrm>
-            <a:off x="0" y="6483178"/>
-            <a:ext cx="9144000" cy="374822"/>
-          </a:xfrm>
-          <a:prstGeom prst="rect">
-            <a:avLst/>
-          </a:prstGeom>
-        </p:spPr>
-        <p:style>
-          <a:lnRef idx="2">
-            <a:schemeClr val="dk1">
-              <a:shade val="50000"/>
-            </a:schemeClr>
-          </a:lnRef>
-          <a:fillRef idx="1">
-            <a:schemeClr val="dk1"/>
-          </a:fillRef>
-          <a:effectRef idx="0">
-            <a:schemeClr val="dk1"/>
-          </a:effectRef>
-          <a:fontRef idx="minor">
-            <a:schemeClr val="lt1"/>
-          </a:fontRef>
-        </p:style>
-        <p:txBody>
-          <a:bodyPr rot="0" spcFirstLastPara="0" vertOverflow="overflow" horzOverflow="overflow" vert="horz" wrap="square" lIns="91440" tIns="45720" rIns="91440" bIns="45720" numCol="1" spcCol="0" rtlCol="0" fromWordArt="0" anchor="ctr" anchorCtr="0" forceAA="0" compatLnSpc="1">
-            <a:prstTxWarp prst="textNoShape">
-              <a:avLst/>
-            </a:prstTxWarp>
-            <a:noAutofit/>
-          </a:bodyPr>
-          <a:lstStyle/>
-          <a:p>
-            <a:pPr algn="ctr"/>
-            <a:endParaRPr lang="fr-FR"/>
-          </a:p>
-        </p:txBody>
-      </p:sp>
-      <p:sp>
-        <p:nvSpPr>
           <p:cNvPr id="6" name="TextBox 5"/>
           <p:cNvSpPr txBox="1"/>
           <p:nvPr/>
@@ -5533,16 +5470,96 @@
           </a:p>
         </p:txBody>
       </p:sp>
+      <p:sp>
+        <p:nvSpPr>
+          <p:cNvPr id="13" name="TextBox 12"/>
+          <p:cNvSpPr txBox="1"/>
+          <p:nvPr/>
+        </p:nvSpPr>
+        <p:spPr>
+          <a:xfrm>
+            <a:off x="25618" y="1369867"/>
+            <a:ext cx="9144000" cy="1200329"/>
+          </a:xfrm>
+          <a:prstGeom prst="rect">
+            <a:avLst/>
+          </a:prstGeom>
+          <a:noFill/>
+        </p:spPr>
+        <p:txBody>
+          <a:bodyPr wrap="square" rtlCol="0">
+            <a:spAutoFit/>
+          </a:bodyPr>
+          <a:lstStyle/>
+          <a:p>
+            <a:pPr algn="ctr"/>
+            <a:r>
+              <a:rPr lang="fr-FR" sz="2400" b="1" dirty="0"/>
+              <a:t>S</a:t>
+            </a:r>
+            <a:r>
+              <a:rPr lang="fr-FR" sz="2400" b="1" dirty="0" smtClean="0"/>
+              <a:t>ystème efficace de codage audio pour </a:t>
+            </a:r>
+            <a:r>
+              <a:rPr lang="fr-FR" sz="2400" b="1" dirty="0" smtClean="0"/>
+              <a:t>la surveillance </a:t>
+            </a:r>
+            <a:r>
+              <a:rPr lang="fr-FR" sz="2400" b="1" dirty="0" smtClean="0"/>
+              <a:t>acoustique quantitative et qualitative utilisant l’approche par grille de capteurs</a:t>
+            </a:r>
+          </a:p>
+        </p:txBody>
+      </p:sp>
+      <p:sp>
+        <p:nvSpPr>
+          <p:cNvPr id="14" name="TextBox 13"/>
+          <p:cNvSpPr txBox="1"/>
+          <p:nvPr/>
+        </p:nvSpPr>
+        <p:spPr>
+          <a:xfrm>
+            <a:off x="0" y="5655904"/>
+            <a:ext cx="9144000" cy="584775"/>
+          </a:xfrm>
+          <a:prstGeom prst="rect">
+            <a:avLst/>
+          </a:prstGeom>
+          <a:noFill/>
+        </p:spPr>
+        <p:txBody>
+          <a:bodyPr wrap="square" rtlCol="0">
+            <a:spAutoFit/>
+          </a:bodyPr>
+          <a:lstStyle/>
+          <a:p>
+            <a:pPr algn="ctr"/>
+            <a:r>
+              <a:rPr lang="fr-FR" sz="1600" b="1" dirty="0" smtClean="0"/>
+              <a:t>Félix GONTIER – Étudiant Master ESEO-LS2N</a:t>
+            </a:r>
+          </a:p>
+          <a:p>
+            <a:pPr algn="ctr"/>
+            <a:r>
+              <a:rPr lang="fr-FR" sz="1600" b="1" dirty="0" smtClean="0"/>
+              <a:t>felix.gontier@reseau.eseo.fr</a:t>
+            </a:r>
+            <a:endParaRPr lang="fr-FR" sz="1600" b="1" dirty="0"/>
+          </a:p>
+        </p:txBody>
+      </p:sp>
       <p:pic>
         <p:nvPicPr>
-          <p:cNvPr id="3" name="Picture 2"/>
+          <p:cNvPr id="12" name="Picture 11"/>
           <p:cNvPicPr>
             <a:picLocks noChangeAspect="1"/>
           </p:cNvPicPr>
           <p:nvPr/>
         </p:nvPicPr>
         <p:blipFill>
-          <a:blip r:embed="rId3" cstate="print">
+          <a:blip r:embed="rId3">
             <a:extLst>
               <a:ext uri="{28A0092B-C50C-407E-A947-70E740481C1C}">
                 <a14:useLocalDpi xmlns:a14="http://schemas.microsoft.com/office/drawing/2010/main" val="0"/>
@@ -5555,109 +5572,24 @@
         </p:blipFill>
         <p:spPr>
           <a:xfrm>
-            <a:off x="6914009" y="4054877"/>
-            <a:ext cx="1997077" cy="817554"/>
+            <a:off x="6157106" y="3777997"/>
+            <a:ext cx="2321859" cy="670106"/>
           </a:xfrm>
           <a:prstGeom prst="rect">
             <a:avLst/>
           </a:prstGeom>
         </p:spPr>
       </p:pic>
-      <p:sp>
-        <p:nvSpPr>
-          <p:cNvPr id="13" name="TextBox 12"/>
-          <p:cNvSpPr txBox="1"/>
-          <p:nvPr/>
-        </p:nvSpPr>
-        <p:spPr>
-          <a:xfrm>
-            <a:off x="0" y="2162175"/>
-            <a:ext cx="9144000" cy="1200329"/>
-          </a:xfrm>
-          <a:prstGeom prst="rect">
-            <a:avLst/>
-          </a:prstGeom>
-          <a:noFill/>
-        </p:spPr>
-        <p:txBody>
-          <a:bodyPr wrap="square" rtlCol="0">
-            <a:spAutoFit/>
-          </a:bodyPr>
-          <a:lstStyle/>
-          <a:p>
-            <a:pPr algn="ctr"/>
-            <a:r>
-              <a:rPr lang="fr-FR" sz="3200" b="1" dirty="0" smtClean="0"/>
-              <a:t>Projet CENSE</a:t>
-            </a:r>
-          </a:p>
-          <a:p>
-            <a:pPr algn="ctr"/>
-            <a:endParaRPr lang="fr-FR" sz="1200" b="1" dirty="0" smtClean="0"/>
-          </a:p>
-          <a:p>
-            <a:pPr algn="ctr"/>
-            <a:r>
-              <a:rPr lang="fr-FR" sz="2800" b="1" dirty="0" smtClean="0"/>
-              <a:t>Codeur - Résultats</a:t>
-            </a:r>
-            <a:endParaRPr lang="fr-FR" sz="2800" b="1" dirty="0"/>
-          </a:p>
-        </p:txBody>
-      </p:sp>
-      <p:sp>
-        <p:nvSpPr>
-          <p:cNvPr id="14" name="TextBox 13"/>
-          <p:cNvSpPr txBox="1"/>
-          <p:nvPr/>
-        </p:nvSpPr>
-        <p:spPr>
-          <a:xfrm>
-            <a:off x="0" y="5655904"/>
-            <a:ext cx="9144000" cy="584775"/>
-          </a:xfrm>
-          <a:prstGeom prst="rect">
-            <a:avLst/>
-          </a:prstGeom>
-          <a:noFill/>
-        </p:spPr>
-        <p:txBody>
-          <a:bodyPr wrap="square" rtlCol="0">
-            <a:spAutoFit/>
-          </a:bodyPr>
-          <a:lstStyle/>
-          <a:p>
-            <a:pPr algn="ctr"/>
-            <a:r>
-              <a:rPr lang="fr-FR" sz="1600" b="1" dirty="0" smtClean="0"/>
-              <a:t>Félix GONTIER – Étudiant Master </a:t>
-            </a:r>
-            <a:r>
-              <a:rPr lang="fr-FR" sz="1600" b="1" dirty="0" smtClean="0"/>
-              <a:t>ESEO-LS2N</a:t>
-            </a:r>
-            <a:endParaRPr lang="fr-FR" sz="1600" b="1" dirty="0" smtClean="0"/>
-          </a:p>
-          <a:p>
-            <a:pPr algn="ctr"/>
-            <a:r>
-              <a:rPr lang="fr-FR" sz="1600" b="1" dirty="0" smtClean="0"/>
-              <a:t>felix.gontier@reseau.eseo.fr</a:t>
-            </a:r>
-            <a:endParaRPr lang="fr-FR" sz="1600" b="1" dirty="0"/>
-          </a:p>
-        </p:txBody>
-      </p:sp>
       <p:pic>
         <p:nvPicPr>
-          <p:cNvPr id="12" name="Picture 11"/>
+          <p:cNvPr id="9" name="Picture 8"/>
           <p:cNvPicPr>
             <a:picLocks noChangeAspect="1"/>
           </p:cNvPicPr>
           <p:nvPr/>
         </p:nvPicPr>
         <p:blipFill>
-          <a:blip r:embed="rId4">
+          <a:blip r:embed="rId4" cstate="print">
             <a:extLst>
               <a:ext uri="{28A0092B-C50C-407E-A947-70E740481C1C}">
                 <a14:useLocalDpi xmlns:a14="http://schemas.microsoft.com/office/drawing/2010/main" val="0"/>
@@ -5670,8 +5602,8 @@
         </p:blipFill>
         <p:spPr>
           <a:xfrm>
-            <a:off x="251410" y="4172318"/>
-            <a:ext cx="2321859" cy="670106"/>
+            <a:off x="822775" y="3330046"/>
+            <a:ext cx="2164119" cy="1557272"/>
           </a:xfrm>
           <a:prstGeom prst="rect">
             <a:avLst/>
@@ -5680,7 +5612,7 @@
       </p:pic>
       <p:pic>
         <p:nvPicPr>
-          <p:cNvPr id="16" name="Picture 15"/>
+          <p:cNvPr id="10" name="Picture 9"/>
           <p:cNvPicPr>
             <a:picLocks noChangeAspect="1"/>
           </p:cNvPicPr>
@@ -5700,98 +5632,8 @@
         </p:blipFill>
         <p:spPr>
           <a:xfrm>
-            <a:off x="799125" y="2325474"/>
-            <a:ext cx="1226428" cy="873730"/>
-          </a:xfrm>
-          <a:prstGeom prst="rect">
-            <a:avLst/>
-          </a:prstGeom>
-        </p:spPr>
-      </p:pic>
-      <p:pic>
-        <p:nvPicPr>
-          <p:cNvPr id="19" name="Picture 18"/>
-          <p:cNvPicPr>
-            <a:picLocks noChangeAspect="1"/>
-          </p:cNvPicPr>
-          <p:nvPr/>
-        </p:nvPicPr>
-        <p:blipFill>
-          <a:blip r:embed="rId6" cstate="print">
-            <a:extLst>
-              <a:ext uri="{28A0092B-C50C-407E-A947-70E740481C1C}">
-                <a14:useLocalDpi xmlns:a14="http://schemas.microsoft.com/office/drawing/2010/main" val="0"/>
-              </a:ext>
-            </a:extLst>
-          </a:blip>
-          <a:stretch>
-            <a:fillRect/>
-          </a:stretch>
-        </p:blipFill>
-        <p:spPr>
-          <a:xfrm>
-            <a:off x="3204186" y="4048662"/>
-            <a:ext cx="3078905" cy="917417"/>
-          </a:xfrm>
-          <a:prstGeom prst="rect">
-            <a:avLst/>
-          </a:prstGeom>
-        </p:spPr>
-      </p:pic>
-      <p:pic>
-        <p:nvPicPr>
-          <p:cNvPr id="9" name="Picture 8"/>
-          <p:cNvPicPr>
-            <a:picLocks noChangeAspect="1"/>
-          </p:cNvPicPr>
-          <p:nvPr/>
-        </p:nvPicPr>
-        <p:blipFill>
-          <a:blip r:embed="rId7" cstate="print">
-            <a:extLst>
-              <a:ext uri="{28A0092B-C50C-407E-A947-70E740481C1C}">
-                <a14:useLocalDpi xmlns:a14="http://schemas.microsoft.com/office/drawing/2010/main" val="0"/>
-              </a:ext>
-            </a:extLst>
-          </a:blip>
-          <a:stretch>
-            <a:fillRect/>
-          </a:stretch>
-        </p:blipFill>
-        <p:spPr>
-          <a:xfrm>
-            <a:off x="127160" y="79873"/>
-            <a:ext cx="1285179" cy="924798"/>
-          </a:xfrm>
-          <a:prstGeom prst="rect">
-            <a:avLst/>
-          </a:prstGeom>
-        </p:spPr>
-      </p:pic>
-      <p:pic>
-        <p:nvPicPr>
-          <p:cNvPr id="10" name="Picture 9"/>
-          <p:cNvPicPr>
-            <a:picLocks noChangeAspect="1"/>
-          </p:cNvPicPr>
-          <p:nvPr/>
-        </p:nvPicPr>
-        <p:blipFill>
-          <a:blip r:embed="rId8" cstate="print">
-            <a:extLst>
-              <a:ext uri="{28A0092B-C50C-407E-A947-70E740481C1C}">
-                <a14:useLocalDpi xmlns:a14="http://schemas.microsoft.com/office/drawing/2010/main" val="0"/>
-              </a:ext>
-            </a:extLst>
-          </a:blip>
-          <a:stretch>
-            <a:fillRect/>
-          </a:stretch>
-        </p:blipFill>
-        <p:spPr>
-          <a:xfrm>
-            <a:off x="7837418" y="79872"/>
-            <a:ext cx="1183013" cy="929817"/>
+            <a:off x="2986894" y="2914587"/>
+            <a:ext cx="3170212" cy="2491703"/>
           </a:xfrm>
           <a:prstGeom prst="rect">
             <a:avLst/>
@@ -5821,27 +5663,6 @@
 <file path=ppt/slides/slide10.xml><?xml version="1.0" encoding="utf-8"?>
 <p:sld xmlns:a="http://schemas.openxmlformats.org/drawingml/2006/main" xmlns:r="http://schemas.openxmlformats.org/officeDocument/2006/relationships" xmlns:p="http://schemas.openxmlformats.org/presentationml/2006/main">
   <p:cSld>
-    <p:bg>
-      <p:bgPr>
-        <a:gradFill>
-          <a:gsLst>
-            <a:gs pos="100000">
-              <a:schemeClr val="bg2">
-                <a:lumMod val="90000"/>
-              </a:schemeClr>
-            </a:gs>
-            <a:gs pos="55500">
-              <a:srgbClr val="F0F0F0"/>
-            </a:gs>
-            <a:gs pos="11000">
-              <a:schemeClr val="bg1"/>
-            </a:gs>
-          </a:gsLst>
-          <a:lin ang="5400000" scaled="1"/>
-        </a:gradFill>
-        <a:effectLst/>
-      </p:bgPr>
-    </p:bg>
     <p:spTree>
       <p:nvGrpSpPr>
         <p:cNvPr id="1" name=""/>
@@ -5977,13 +5798,6 @@
               </a:rPr>
               <a:t>Stage de Fin d’Études ESEO - LS2N</a:t>
             </a:r>
-            <a:endParaRPr lang="fr-FR" dirty="0">
-              <a:solidFill>
-                <a:schemeClr val="bg2">
-                  <a:lumMod val="50000"/>
-                </a:schemeClr>
-              </a:solidFill>
-            </a:endParaRPr>
           </a:p>
         </p:txBody>
       </p:sp>
@@ -6069,66 +5883,6 @@
           </a:p>
         </p:txBody>
       </p:sp>
-      <p:pic>
-        <p:nvPicPr>
-          <p:cNvPr id="9" name="Picture 8"/>
-          <p:cNvPicPr>
-            <a:picLocks noChangeAspect="1"/>
-          </p:cNvPicPr>
-          <p:nvPr/>
-        </p:nvPicPr>
-        <p:blipFill>
-          <a:blip r:embed="rId4" cstate="print">
-            <a:extLst>
-              <a:ext uri="{28A0092B-C50C-407E-A947-70E740481C1C}">
-                <a14:useLocalDpi xmlns:a14="http://schemas.microsoft.com/office/drawing/2010/main" val="0"/>
-              </a:ext>
-            </a:extLst>
-          </a:blip>
-          <a:stretch>
-            <a:fillRect/>
-          </a:stretch>
-        </p:blipFill>
-        <p:spPr>
-          <a:xfrm>
-            <a:off x="127160" y="79873"/>
-            <a:ext cx="1285179" cy="924798"/>
-          </a:xfrm>
-          <a:prstGeom prst="rect">
-            <a:avLst/>
-          </a:prstGeom>
-        </p:spPr>
-      </p:pic>
-      <p:pic>
-        <p:nvPicPr>
-          <p:cNvPr id="10" name="Picture 9"/>
-          <p:cNvPicPr>
-            <a:picLocks noChangeAspect="1"/>
-          </p:cNvPicPr>
-          <p:nvPr/>
-        </p:nvPicPr>
-        <p:blipFill>
-          <a:blip r:embed="rId5" cstate="print">
-            <a:extLst>
-              <a:ext uri="{28A0092B-C50C-407E-A947-70E740481C1C}">
-                <a14:useLocalDpi xmlns:a14="http://schemas.microsoft.com/office/drawing/2010/main" val="0"/>
-              </a:ext>
-            </a:extLst>
-          </a:blip>
-          <a:stretch>
-            <a:fillRect/>
-          </a:stretch>
-        </p:blipFill>
-        <p:spPr>
-          <a:xfrm>
-            <a:off x="7837418" y="79872"/>
-            <a:ext cx="1183013" cy="929817"/>
-          </a:xfrm>
-          <a:prstGeom prst="rect">
-            <a:avLst/>
-          </a:prstGeom>
-        </p:spPr>
-      </p:pic>
       <p:sp>
         <p:nvSpPr>
           <p:cNvPr id="2" name="TextBox 1"/>
@@ -6137,7 +5891,7 @@
         </p:nvSpPr>
         <p:spPr>
           <a:xfrm>
-            <a:off x="1539499" y="247191"/>
+            <a:off x="329711" y="247191"/>
             <a:ext cx="4459857" cy="584775"/>
           </a:xfrm>
           <a:prstGeom prst="rect">
@@ -6263,63 +6017,6 @@
           </a:p>
         </p:txBody>
       </p:sp>
-      <p:graphicFrame>
-        <p:nvGraphicFramePr>
-          <p:cNvPr id="3" name="Object 2"/>
-          <p:cNvGraphicFramePr>
-            <a:graphicFrameLocks noChangeAspect="1"/>
-          </p:cNvGraphicFramePr>
-          <p:nvPr>
-            <p:extLst>
-              <p:ext uri="{D42A27DB-BD31-4B8C-83A1-F6EECF244321}">
-                <p14:modId xmlns:p14="http://schemas.microsoft.com/office/powerpoint/2010/main" val="579491505"/>
-              </p:ext>
-            </p:extLst>
-          </p:nvPr>
-        </p:nvGraphicFramePr>
-        <p:xfrm>
-          <a:off x="28575" y="1663190"/>
-          <a:ext cx="9115425" cy="1638300"/>
-        </p:xfrm>
-        <a:graphic>
-          <a:graphicData uri="http://schemas.openxmlformats.org/presentationml/2006/ole">
-            <mc:AlternateContent xmlns:mc="http://schemas.openxmlformats.org/markup-compatibility/2006">
-              <mc:Choice xmlns:v="urn:schemas-microsoft-com:vml" Requires="v">
-                <p:oleObj spid="_x0000_s9379" name="Acrobat Document" r:id="rId6" imgW="9115275" imgH="1638265" progId="AcroExch.Document.DC">
-                  <p:embed/>
-                </p:oleObj>
-              </mc:Choice>
-              <mc:Fallback>
-                <p:oleObj name="Acrobat Document" r:id="rId6" imgW="9115275" imgH="1638265" progId="AcroExch.Document.DC">
-                  <p:embed/>
-                  <p:pic>
-                    <p:nvPicPr>
-                      <p:cNvPr id="0" name=""/>
-                      <p:cNvPicPr/>
-                      <p:nvPr/>
-                    </p:nvPicPr>
-                    <p:blipFill>
-                      <a:blip r:embed="rId7"/>
-                      <a:stretch>
-                        <a:fillRect/>
-                      </a:stretch>
-                    </p:blipFill>
-                    <p:spPr>
-                      <a:xfrm>
-                        <a:off x="28575" y="1663190"/>
-                        <a:ext cx="9115425" cy="1638300"/>
-                      </a:xfrm>
-                      <a:prstGeom prst="rect">
-                        <a:avLst/>
-                      </a:prstGeom>
-                    </p:spPr>
-                  </p:pic>
-                </p:oleObj>
-              </mc:Fallback>
-            </mc:AlternateContent>
-          </a:graphicData>
-        </a:graphic>
-      </p:graphicFrame>
       <p:sp>
         <p:nvSpPr>
           <p:cNvPr id="14" name="TextBox 13"/>
@@ -6424,6 +6121,36 @@
           </a:p>
         </p:txBody>
       </p:sp>
+      <p:pic>
+        <p:nvPicPr>
+          <p:cNvPr id="15" name="Picture 14"/>
+          <p:cNvPicPr>
+            <a:picLocks noChangeAspect="1"/>
+          </p:cNvPicPr>
+          <p:nvPr/>
+        </p:nvPicPr>
+        <p:blipFill>
+          <a:blip r:embed="rId3" cstate="print">
+            <a:extLst>
+              <a:ext uri="{28A0092B-C50C-407E-A947-70E740481C1C}">
+                <a14:useLocalDpi xmlns:a14="http://schemas.microsoft.com/office/drawing/2010/main" val="0"/>
+              </a:ext>
+            </a:extLst>
+          </a:blip>
+          <a:stretch>
+            <a:fillRect/>
+          </a:stretch>
+        </p:blipFill>
+        <p:spPr>
+          <a:xfrm>
+            <a:off x="115525" y="1752224"/>
+            <a:ext cx="8814289" cy="1351706"/>
+          </a:xfrm>
+          <a:prstGeom prst="rect">
+            <a:avLst/>
+          </a:prstGeom>
+        </p:spPr>
+      </p:pic>
     </p:spTree>
     <p:extLst>
       <p:ext uri="{BB962C8B-B14F-4D97-AF65-F5344CB8AC3E}">
@@ -6447,27 +6174,6 @@
 <file path=ppt/slides/slide11.xml><?xml version="1.0" encoding="utf-8"?>
 <p:sld xmlns:a="http://schemas.openxmlformats.org/drawingml/2006/main" xmlns:r="http://schemas.openxmlformats.org/officeDocument/2006/relationships" xmlns:p="http://schemas.openxmlformats.org/presentationml/2006/main">
   <p:cSld>
-    <p:bg>
-      <p:bgPr>
-        <a:gradFill>
-          <a:gsLst>
-            <a:gs pos="100000">
-              <a:schemeClr val="bg2">
-                <a:lumMod val="90000"/>
-              </a:schemeClr>
-            </a:gs>
-            <a:gs pos="55500">
-              <a:srgbClr val="F0F0F0"/>
-            </a:gs>
-            <a:gs pos="11000">
-              <a:schemeClr val="bg1"/>
-            </a:gs>
-          </a:gsLst>
-          <a:lin ang="5400000" scaled="1"/>
-        </a:gradFill>
-        <a:effectLst/>
-      </p:bgPr>
-    </p:bg>
     <p:spTree>
       <p:nvGrpSpPr>
         <p:cNvPr id="1" name=""/>
@@ -6603,13 +6309,6 @@
               </a:rPr>
               <a:t>Stage de Fin d’Études ESEO - LS2N</a:t>
             </a:r>
-            <a:endParaRPr lang="fr-FR" dirty="0">
-              <a:solidFill>
-                <a:schemeClr val="bg2">
-                  <a:lumMod val="50000"/>
-                </a:schemeClr>
-              </a:solidFill>
-            </a:endParaRPr>
           </a:p>
         </p:txBody>
       </p:sp>
@@ -6695,66 +6394,6 @@
           </a:p>
         </p:txBody>
       </p:sp>
-      <p:pic>
-        <p:nvPicPr>
-          <p:cNvPr id="9" name="Picture 8"/>
-          <p:cNvPicPr>
-            <a:picLocks noChangeAspect="1"/>
-          </p:cNvPicPr>
-          <p:nvPr/>
-        </p:nvPicPr>
-        <p:blipFill>
-          <a:blip r:embed="rId3" cstate="print">
-            <a:extLst>
-              <a:ext uri="{28A0092B-C50C-407E-A947-70E740481C1C}">
-                <a14:useLocalDpi xmlns:a14="http://schemas.microsoft.com/office/drawing/2010/main" val="0"/>
-              </a:ext>
-            </a:extLst>
-          </a:blip>
-          <a:stretch>
-            <a:fillRect/>
-          </a:stretch>
-        </p:blipFill>
-        <p:spPr>
-          <a:xfrm>
-            <a:off x="127160" y="79873"/>
-            <a:ext cx="1285179" cy="924798"/>
-          </a:xfrm>
-          <a:prstGeom prst="rect">
-            <a:avLst/>
-          </a:prstGeom>
-        </p:spPr>
-      </p:pic>
-      <p:pic>
-        <p:nvPicPr>
-          <p:cNvPr id="10" name="Picture 9"/>
-          <p:cNvPicPr>
-            <a:picLocks noChangeAspect="1"/>
-          </p:cNvPicPr>
-          <p:nvPr/>
-        </p:nvPicPr>
-        <p:blipFill>
-          <a:blip r:embed="rId4" cstate="print">
-            <a:extLst>
-              <a:ext uri="{28A0092B-C50C-407E-A947-70E740481C1C}">
-                <a14:useLocalDpi xmlns:a14="http://schemas.microsoft.com/office/drawing/2010/main" val="0"/>
-              </a:ext>
-            </a:extLst>
-          </a:blip>
-          <a:stretch>
-            <a:fillRect/>
-          </a:stretch>
-        </p:blipFill>
-        <p:spPr>
-          <a:xfrm>
-            <a:off x="7837418" y="79872"/>
-            <a:ext cx="1183013" cy="929817"/>
-          </a:xfrm>
-          <a:prstGeom prst="rect">
-            <a:avLst/>
-          </a:prstGeom>
-        </p:spPr>
-      </p:pic>
       <p:sp>
         <p:nvSpPr>
           <p:cNvPr id="2" name="TextBox 1"/>
@@ -6763,7 +6402,7 @@
         </p:nvSpPr>
         <p:spPr>
           <a:xfrm>
-            <a:off x="1539499" y="247191"/>
+            <a:off x="364220" y="247191"/>
             <a:ext cx="4459857" cy="584775"/>
           </a:xfrm>
           <a:prstGeom prst="rect">
@@ -6807,8 +6446,8 @@
         </p:nvSpPr>
         <p:spPr>
           <a:xfrm>
-            <a:off x="659422" y="2207092"/>
-            <a:ext cx="8484578" cy="3231654"/>
+            <a:off x="659422" y="2707424"/>
+            <a:ext cx="8484578" cy="2554545"/>
           </a:xfrm>
           <a:prstGeom prst="rect">
             <a:avLst/>
@@ -6827,47 +6466,14 @@
             </a:pPr>
             <a:r>
               <a:rPr lang="fr-FR" sz="2000" b="1" dirty="0" smtClean="0"/>
-              <a:t>Métriques</a:t>
-            </a:r>
-          </a:p>
-          <a:p>
-            <a:r>
-              <a:rPr lang="fr-FR" dirty="0" smtClean="0"/>
+              <a:t>Surveillance acoustique</a:t>
+            </a:r>
+          </a:p>
+          <a:p>
+            <a:r>
+              <a:rPr lang="fr-FR" sz="2000" dirty="0" smtClean="0"/>
               <a:t>	→ Erreur de mesure des niveaux sonores par tiers d’octave</a:t>
             </a:r>
-          </a:p>
-          <a:p>
-            <a:r>
-              <a:rPr lang="fr-FR" sz="2000" b="1" dirty="0" smtClean="0"/>
-              <a:t>	</a:t>
-            </a:r>
-            <a:r>
-              <a:rPr lang="fr-FR" dirty="0" smtClean="0"/>
-              <a:t>→ Performance de classification</a:t>
-            </a:r>
-          </a:p>
-          <a:p>
-            <a:r>
-              <a:rPr lang="fr-FR" b="1" dirty="0"/>
-              <a:t>	</a:t>
-            </a:r>
-            <a:r>
-              <a:rPr lang="fr-FR" dirty="0" smtClean="0"/>
-              <a:t>→ Débit de données en sortie du codeur</a:t>
-            </a:r>
-          </a:p>
-          <a:p>
-            <a:r>
-              <a:rPr lang="fr-FR" b="1" dirty="0"/>
-              <a:t>	</a:t>
-            </a:r>
-            <a:r>
-              <a:rPr lang="fr-FR" dirty="0" smtClean="0"/>
-              <a:t>→ Évaluation de l’intelligibilité</a:t>
-            </a:r>
-          </a:p>
-          <a:p>
-            <a:endParaRPr lang="fr-FR" dirty="0" smtClean="0"/>
           </a:p>
           <a:p>
             <a:pPr marL="285750" indent="-285750">
@@ -6876,87 +6482,63 @@
             </a:pPr>
             <a:r>
               <a:rPr lang="fr-FR" sz="2000" b="1" dirty="0" smtClean="0"/>
-              <a:t>Données de test</a:t>
-            </a:r>
-            <a:endParaRPr lang="fr-FR" sz="2000" b="1" dirty="0"/>
-          </a:p>
-          <a:p>
-            <a:r>
-              <a:rPr lang="fr-FR" b="1" dirty="0" smtClean="0"/>
+              <a:t>Reconnaissance d’évènements</a:t>
+            </a:r>
+          </a:p>
+          <a:p>
+            <a:r>
+              <a:rPr lang="fr-FR" sz="2000" b="1" dirty="0" smtClean="0"/>
               <a:t>	</a:t>
             </a:r>
             <a:r>
-              <a:rPr lang="fr-FR" dirty="0" smtClean="0"/>
-              <a:t>→ </a:t>
-            </a:r>
-            <a:r>
-              <a:rPr lang="fr-FR" dirty="0" err="1" smtClean="0"/>
-              <a:t>Dataset</a:t>
-            </a:r>
-            <a:r>
-              <a:rPr lang="fr-FR" dirty="0" smtClean="0"/>
-              <a:t> d’enregistrements sonores urbains: UrbanSound8k</a:t>
-            </a:r>
-          </a:p>
-          <a:p>
-            <a:r>
-              <a:rPr lang="fr-FR" b="1" dirty="0"/>
+              <a:rPr lang="fr-FR" sz="2000" dirty="0" smtClean="0"/>
+              <a:t>→ Performance de classification</a:t>
+            </a:r>
+          </a:p>
+          <a:p>
+            <a:pPr marL="285750" indent="-285750">
+              <a:buFont typeface="Arial" panose="020B0604020202020204" pitchFamily="34" charset="0"/>
+              <a:buChar char="•"/>
+            </a:pPr>
+            <a:r>
+              <a:rPr lang="fr-FR" sz="2000" b="1" dirty="0" smtClean="0"/>
+              <a:t>Contraintes de transmission des données</a:t>
+            </a:r>
+          </a:p>
+          <a:p>
+            <a:r>
+              <a:rPr lang="fr-FR" sz="2000" b="1" dirty="0"/>
               <a:t>	</a:t>
             </a:r>
             <a:r>
-              <a:rPr lang="fr-FR" b="1" dirty="0" smtClean="0"/>
+              <a:rPr lang="fr-FR" sz="2000" dirty="0" smtClean="0"/>
+              <a:t>→ Débit en sortie du codeur</a:t>
+            </a:r>
+          </a:p>
+          <a:p>
+            <a:pPr marL="285750" indent="-285750">
+              <a:buFont typeface="Arial" panose="020B0604020202020204" pitchFamily="34" charset="0"/>
+              <a:buChar char="•"/>
+            </a:pPr>
+            <a:r>
+              <a:rPr lang="fr-FR" sz="2000" b="1" dirty="0" smtClean="0"/>
+              <a:t>Respect de la vie privée</a:t>
+            </a:r>
+          </a:p>
+          <a:p>
+            <a:r>
+              <a:rPr lang="fr-FR" sz="2000" b="1" dirty="0"/>
               <a:t>	</a:t>
             </a:r>
             <a:r>
-              <a:rPr lang="fr-FR" dirty="0" smtClean="0"/>
-              <a:t>8732 fichiers (9h), 10 classes, 10 </a:t>
-            </a:r>
-            <a:r>
-              <a:rPr lang="fr-FR" dirty="0" err="1" smtClean="0"/>
-              <a:t>folds</a:t>
-            </a:r>
-            <a:r>
-              <a:rPr lang="fr-FR" dirty="0" smtClean="0"/>
-              <a:t>, résultats </a:t>
-            </a:r>
-            <a:r>
-              <a:rPr lang="fr-FR" dirty="0" err="1" smtClean="0"/>
-              <a:t>baseline</a:t>
-            </a:r>
-            <a:endParaRPr lang="fr-FR" dirty="0" smtClean="0"/>
-          </a:p>
-          <a:p>
-            <a:r>
-              <a:rPr lang="fr-FR" b="1" dirty="0"/>
-              <a:t>	</a:t>
-            </a:r>
-            <a:r>
-              <a:rPr lang="fr-FR" dirty="0" smtClean="0"/>
-              <a:t>→ </a:t>
-            </a:r>
-            <a:r>
-              <a:rPr lang="fr-FR" dirty="0" err="1" smtClean="0"/>
-              <a:t>Dataset</a:t>
-            </a:r>
-            <a:r>
-              <a:rPr lang="fr-FR" dirty="0" smtClean="0"/>
-              <a:t> de voix</a:t>
-            </a:r>
-          </a:p>
-          <a:p>
-            <a:r>
-              <a:rPr lang="fr-FR" b="1" dirty="0"/>
-              <a:t>	</a:t>
-            </a:r>
-            <a:r>
-              <a:rPr lang="fr-FR" b="1" dirty="0" smtClean="0"/>
-              <a:t>	</a:t>
-            </a:r>
-            <a:r>
-              <a:rPr lang="fr-FR" dirty="0" smtClean="0"/>
-              <a:t>9 phrases, 6 locuteurs, conditions d’enregistrements de studio</a:t>
-            </a:r>
-            <a:endParaRPr lang="fr-FR" b="1" dirty="0" smtClean="0"/>
+              <a:rPr lang="fr-FR" sz="2000" dirty="0" smtClean="0"/>
+              <a:t>→ Indicateurs objectifs, </a:t>
+            </a:r>
+            <a:r>
+              <a:rPr lang="fr-FR" sz="2000" smtClean="0"/>
+              <a:t>test perceptif</a:t>
+            </a:r>
+            <a:endParaRPr lang="fr-FR" sz="2000" dirty="0" smtClean="0"/>
           </a:p>
         </p:txBody>
       </p:sp>
@@ -6969,7 +6551,7 @@
         <p:spPr>
           <a:xfrm>
             <a:off x="329711" y="1388387"/>
-            <a:ext cx="8484578" cy="646331"/>
+            <a:ext cx="8484578" cy="707886"/>
           </a:xfrm>
           <a:prstGeom prst="rect">
             <a:avLst/>
@@ -6987,10 +6569,10 @@
               <a:buChar char="Ø"/>
             </a:pPr>
             <a:r>
-              <a:rPr lang="fr-FR" b="1" dirty="0" smtClean="0"/>
+              <a:rPr lang="fr-FR" sz="2000" b="1" dirty="0" smtClean="0"/>
               <a:t>Objectif: Valider la capacité de l’algorithme proposé à répondre à la problématique et ses contraintes</a:t>
             </a:r>
-            <a:endParaRPr lang="fr-FR" b="1" dirty="0"/>
+            <a:endParaRPr lang="fr-FR" sz="2000" b="1" dirty="0"/>
           </a:p>
         </p:txBody>
       </p:sp>
@@ -7017,27 +6599,6 @@
 <file path=ppt/slides/slide12.xml><?xml version="1.0" encoding="utf-8"?>
 <p:sld xmlns:a="http://schemas.openxmlformats.org/drawingml/2006/main" xmlns:r="http://schemas.openxmlformats.org/officeDocument/2006/relationships" xmlns:p="http://schemas.openxmlformats.org/presentationml/2006/main">
   <p:cSld>
-    <p:bg>
-      <p:bgPr>
-        <a:gradFill>
-          <a:gsLst>
-            <a:gs pos="100000">
-              <a:schemeClr val="bg2">
-                <a:lumMod val="90000"/>
-              </a:schemeClr>
-            </a:gs>
-            <a:gs pos="55500">
-              <a:srgbClr val="F0F0F0"/>
-            </a:gs>
-            <a:gs pos="11000">
-              <a:schemeClr val="bg1"/>
-            </a:gs>
-          </a:gsLst>
-          <a:lin ang="5400000" scaled="1"/>
-        </a:gradFill>
-        <a:effectLst/>
-      </p:bgPr>
-    </p:bg>
     <p:spTree>
       <p:nvGrpSpPr>
         <p:cNvPr id="1" name=""/>
@@ -7173,13 +6734,6 @@
               </a:rPr>
               <a:t>Stage de Fin d’Études ESEO - LS2N</a:t>
             </a:r>
-            <a:endParaRPr lang="fr-FR" dirty="0">
-              <a:solidFill>
-                <a:schemeClr val="bg2">
-                  <a:lumMod val="50000"/>
-                </a:schemeClr>
-              </a:solidFill>
-            </a:endParaRPr>
           </a:p>
         </p:txBody>
       </p:sp>
@@ -7265,66 +6819,6 @@
           </a:p>
         </p:txBody>
       </p:sp>
-      <p:pic>
-        <p:nvPicPr>
-          <p:cNvPr id="9" name="Picture 8"/>
-          <p:cNvPicPr>
-            <a:picLocks noChangeAspect="1"/>
-          </p:cNvPicPr>
-          <p:nvPr/>
-        </p:nvPicPr>
-        <p:blipFill>
-          <a:blip r:embed="rId3" cstate="print">
-            <a:extLst>
-              <a:ext uri="{28A0092B-C50C-407E-A947-70E740481C1C}">
-                <a14:useLocalDpi xmlns:a14="http://schemas.microsoft.com/office/drawing/2010/main" val="0"/>
-              </a:ext>
-            </a:extLst>
-          </a:blip>
-          <a:stretch>
-            <a:fillRect/>
-          </a:stretch>
-        </p:blipFill>
-        <p:spPr>
-          <a:xfrm>
-            <a:off x="127160" y="79873"/>
-            <a:ext cx="1285179" cy="924798"/>
-          </a:xfrm>
-          <a:prstGeom prst="rect">
-            <a:avLst/>
-          </a:prstGeom>
-        </p:spPr>
-      </p:pic>
-      <p:pic>
-        <p:nvPicPr>
-          <p:cNvPr id="10" name="Picture 9"/>
-          <p:cNvPicPr>
-            <a:picLocks noChangeAspect="1"/>
-          </p:cNvPicPr>
-          <p:nvPr/>
-        </p:nvPicPr>
-        <p:blipFill>
-          <a:blip r:embed="rId4" cstate="print">
-            <a:extLst>
-              <a:ext uri="{28A0092B-C50C-407E-A947-70E740481C1C}">
-                <a14:useLocalDpi xmlns:a14="http://schemas.microsoft.com/office/drawing/2010/main" val="0"/>
-              </a:ext>
-            </a:extLst>
-          </a:blip>
-          <a:stretch>
-            <a:fillRect/>
-          </a:stretch>
-        </p:blipFill>
-        <p:spPr>
-          <a:xfrm>
-            <a:off x="7837418" y="79872"/>
-            <a:ext cx="1183013" cy="929817"/>
-          </a:xfrm>
-          <a:prstGeom prst="rect">
-            <a:avLst/>
-          </a:prstGeom>
-        </p:spPr>
-      </p:pic>
       <p:sp>
         <p:nvSpPr>
           <p:cNvPr id="2" name="TextBox 1"/>
@@ -7333,7 +6827,7 @@
         </p:nvSpPr>
         <p:spPr>
           <a:xfrm>
-            <a:off x="1539499" y="247191"/>
+            <a:off x="361418" y="247191"/>
             <a:ext cx="4459857" cy="584775"/>
           </a:xfrm>
           <a:prstGeom prst="rect">
@@ -7575,7 +7069,7 @@
             </a:r>
             <a:r>
               <a:rPr lang="fr-FR" dirty="0" smtClean="0"/>
-              <a:t>→ Seule opération à pertes: processus de quantification</a:t>
+              <a:t>→ Seule opération avec pertes: processus de quantification</a:t>
             </a:r>
           </a:p>
         </p:txBody>
@@ -7603,27 +7097,6 @@
 <file path=ppt/slides/slide13.xml><?xml version="1.0" encoding="utf-8"?>
 <p:sld xmlns:a="http://schemas.openxmlformats.org/drawingml/2006/main" xmlns:r="http://schemas.openxmlformats.org/officeDocument/2006/relationships" xmlns:p="http://schemas.openxmlformats.org/presentationml/2006/main">
   <p:cSld>
-    <p:bg>
-      <p:bgPr>
-        <a:gradFill>
-          <a:gsLst>
-            <a:gs pos="100000">
-              <a:schemeClr val="bg2">
-                <a:lumMod val="90000"/>
-              </a:schemeClr>
-            </a:gs>
-            <a:gs pos="55500">
-              <a:srgbClr val="F0F0F0"/>
-            </a:gs>
-            <a:gs pos="11000">
-              <a:schemeClr val="bg1"/>
-            </a:gs>
-          </a:gsLst>
-          <a:lin ang="5400000" scaled="1"/>
-        </a:gradFill>
-        <a:effectLst/>
-      </p:bgPr>
-    </p:bg>
     <p:spTree>
       <p:nvGrpSpPr>
         <p:cNvPr id="1" name=""/>
@@ -7759,13 +7232,6 @@
               </a:rPr>
               <a:t>Stage de Fin d’Études ESEO - LS2N</a:t>
             </a:r>
-            <a:endParaRPr lang="fr-FR" dirty="0">
-              <a:solidFill>
-                <a:schemeClr val="bg2">
-                  <a:lumMod val="50000"/>
-                </a:schemeClr>
-              </a:solidFill>
-            </a:endParaRPr>
           </a:p>
         </p:txBody>
       </p:sp>
@@ -7847,1368 +7313,6 @@
               <a:solidFill>
                 <a:schemeClr val="bg1"/>
               </a:solidFill>
-            </a:endParaRPr>
-          </a:p>
-        </p:txBody>
-      </p:sp>
-      <p:pic>
-        <p:nvPicPr>
-          <p:cNvPr id="9" name="Picture 8"/>
-          <p:cNvPicPr>
-            <a:picLocks noChangeAspect="1"/>
-          </p:cNvPicPr>
-          <p:nvPr/>
-        </p:nvPicPr>
-        <p:blipFill>
-          <a:blip r:embed="rId3" cstate="print">
-            <a:extLst>
-              <a:ext uri="{28A0092B-C50C-407E-A947-70E740481C1C}">
-                <a14:useLocalDpi xmlns:a14="http://schemas.microsoft.com/office/drawing/2010/main" val="0"/>
-              </a:ext>
-            </a:extLst>
-          </a:blip>
-          <a:stretch>
-            <a:fillRect/>
-          </a:stretch>
-        </p:blipFill>
-        <p:spPr>
-          <a:xfrm>
-            <a:off x="127160" y="79873"/>
-            <a:ext cx="1285179" cy="924798"/>
-          </a:xfrm>
-          <a:prstGeom prst="rect">
-            <a:avLst/>
-          </a:prstGeom>
-        </p:spPr>
-      </p:pic>
-      <p:pic>
-        <p:nvPicPr>
-          <p:cNvPr id="10" name="Picture 9"/>
-          <p:cNvPicPr>
-            <a:picLocks noChangeAspect="1"/>
-          </p:cNvPicPr>
-          <p:nvPr/>
-        </p:nvPicPr>
-        <p:blipFill>
-          <a:blip r:embed="rId4" cstate="print">
-            <a:extLst>
-              <a:ext uri="{28A0092B-C50C-407E-A947-70E740481C1C}">
-                <a14:useLocalDpi xmlns:a14="http://schemas.microsoft.com/office/drawing/2010/main" val="0"/>
-              </a:ext>
-            </a:extLst>
-          </a:blip>
-          <a:stretch>
-            <a:fillRect/>
-          </a:stretch>
-        </p:blipFill>
-        <p:spPr>
-          <a:xfrm>
-            <a:off x="7837418" y="79872"/>
-            <a:ext cx="1183013" cy="929817"/>
-          </a:xfrm>
-          <a:prstGeom prst="rect">
-            <a:avLst/>
-          </a:prstGeom>
-        </p:spPr>
-      </p:pic>
-      <p:sp>
-        <p:nvSpPr>
-          <p:cNvPr id="2" name="TextBox 1"/>
-          <p:cNvSpPr txBox="1"/>
-          <p:nvPr/>
-        </p:nvSpPr>
-        <p:spPr>
-          <a:xfrm>
-            <a:off x="1539499" y="247191"/>
-            <a:ext cx="4459857" cy="584775"/>
-          </a:xfrm>
-          <a:prstGeom prst="rect">
-            <a:avLst/>
-          </a:prstGeom>
-          <a:noFill/>
-        </p:spPr>
-        <p:txBody>
-          <a:bodyPr wrap="square" rtlCol="0">
-            <a:spAutoFit/>
-          </a:bodyPr>
-          <a:lstStyle/>
-          <a:p>
-            <a:r>
-              <a:rPr lang="fr-FR" sz="3200" dirty="0" smtClean="0">
-                <a:solidFill>
-                  <a:schemeClr val="bg1"/>
-                </a:solidFill>
-                <a:latin typeface="+mj-lt"/>
-                <a:ea typeface="CMU Serif" panose="02000603000000000000" pitchFamily="2" charset="0"/>
-                <a:cs typeface="CMU Serif" panose="02000603000000000000" pitchFamily="2" charset="0"/>
-              </a:rPr>
-              <a:t>Validation</a:t>
-            </a:r>
-            <a:endParaRPr lang="fr-FR" sz="3200" dirty="0">
-              <a:solidFill>
-                <a:schemeClr val="bg1"/>
-              </a:solidFill>
-              <a:latin typeface="+mj-lt"/>
-              <a:ea typeface="CMU Serif" panose="02000603000000000000" pitchFamily="2" charset="0"/>
-              <a:cs typeface="CMU Serif" panose="02000603000000000000" pitchFamily="2" charset="0"/>
-            </a:endParaRPr>
-          </a:p>
-        </p:txBody>
-      </p:sp>
-      <p:sp>
-        <p:nvSpPr>
-          <p:cNvPr id="11" name="Rectangle 10"/>
-          <p:cNvSpPr/>
-          <p:nvPr/>
-        </p:nvSpPr>
-        <p:spPr>
-          <a:xfrm>
-            <a:off x="1632" y="1089561"/>
-            <a:ext cx="4717017" cy="454568"/>
-          </a:xfrm>
-          <a:prstGeom prst="rect">
-            <a:avLst/>
-          </a:prstGeom>
-        </p:spPr>
-        <p:style>
-          <a:lnRef idx="2">
-            <a:schemeClr val="dk1">
-              <a:shade val="50000"/>
-            </a:schemeClr>
-          </a:lnRef>
-          <a:fillRef idx="1">
-            <a:schemeClr val="dk1"/>
-          </a:fillRef>
-          <a:effectRef idx="0">
-            <a:schemeClr val="dk1"/>
-          </a:effectRef>
-          <a:fontRef idx="minor">
-            <a:schemeClr val="lt1"/>
-          </a:fontRef>
-        </p:style>
-        <p:txBody>
-          <a:bodyPr rot="0" spcFirstLastPara="0" vertOverflow="overflow" horzOverflow="overflow" vert="horz" wrap="square" lIns="91440" tIns="45720" rIns="91440" bIns="45720" numCol="1" spcCol="0" rtlCol="0" fromWordArt="0" anchor="ctr" anchorCtr="0" forceAA="0" compatLnSpc="1">
-            <a:prstTxWarp prst="textNoShape">
-              <a:avLst/>
-            </a:prstTxWarp>
-            <a:noAutofit/>
-          </a:bodyPr>
-          <a:lstStyle/>
-          <a:p>
-            <a:pPr algn="ctr"/>
-            <a:endParaRPr lang="fr-FR"/>
-          </a:p>
-        </p:txBody>
-      </p:sp>
-      <p:sp>
-        <p:nvSpPr>
-          <p:cNvPr id="12" name="TextBox 11"/>
-          <p:cNvSpPr txBox="1"/>
-          <p:nvPr/>
-        </p:nvSpPr>
-        <p:spPr>
-          <a:xfrm>
-            <a:off x="115523" y="1089561"/>
-            <a:ext cx="4499609" cy="430887"/>
-          </a:xfrm>
-          <a:prstGeom prst="rect">
-            <a:avLst/>
-          </a:prstGeom>
-          <a:noFill/>
-        </p:spPr>
-        <p:txBody>
-          <a:bodyPr wrap="square" rtlCol="0">
-            <a:spAutoFit/>
-          </a:bodyPr>
-          <a:lstStyle/>
-          <a:p>
-            <a:pPr algn="ctr"/>
-            <a:r>
-              <a:rPr lang="fr-FR" sz="2200" dirty="0" smtClean="0">
-                <a:solidFill>
-                  <a:schemeClr val="bg1"/>
-                </a:solidFill>
-                <a:latin typeface="+mj-lt"/>
-                <a:ea typeface="CMU Serif" panose="02000603000000000000" pitchFamily="2" charset="0"/>
-                <a:cs typeface="CMU Serif" panose="02000603000000000000" pitchFamily="2" charset="0"/>
-              </a:rPr>
-              <a:t>Reconnaissance d’évènements</a:t>
-            </a:r>
-            <a:endParaRPr lang="fr-FR" sz="2200" dirty="0">
-              <a:solidFill>
-                <a:schemeClr val="bg1"/>
-              </a:solidFill>
-              <a:latin typeface="+mj-lt"/>
-              <a:ea typeface="CMU Serif" panose="02000603000000000000" pitchFamily="2" charset="0"/>
-              <a:cs typeface="CMU Serif" panose="02000603000000000000" pitchFamily="2" charset="0"/>
-            </a:endParaRPr>
-          </a:p>
-        </p:txBody>
-      </p:sp>
-      <p:sp>
-        <p:nvSpPr>
-          <p:cNvPr id="13" name="TextBox 12"/>
-          <p:cNvSpPr txBox="1"/>
-          <p:nvPr/>
-        </p:nvSpPr>
-        <p:spPr>
-          <a:xfrm>
-            <a:off x="535853" y="2120827"/>
-            <a:ext cx="8484578" cy="3539430"/>
-          </a:xfrm>
-          <a:prstGeom prst="rect">
-            <a:avLst/>
-          </a:prstGeom>
-          <a:noFill/>
-        </p:spPr>
-        <p:txBody>
-          <a:bodyPr wrap="square" rtlCol="0">
-            <a:spAutoFit/>
-          </a:bodyPr>
-          <a:lstStyle/>
-          <a:p>
-            <a:pPr marL="285750" indent="-285750">
-              <a:buFont typeface="Arial" panose="020B0604020202020204" pitchFamily="34" charset="0"/>
-              <a:buChar char="•"/>
-            </a:pPr>
-            <a:r>
-              <a:rPr lang="fr-FR" sz="2000" b="1" dirty="0" smtClean="0"/>
-              <a:t>Descripteurs</a:t>
-            </a:r>
-          </a:p>
-          <a:p>
-            <a:r>
-              <a:rPr lang="fr-FR" dirty="0"/>
-              <a:t>	</a:t>
-            </a:r>
-            <a:r>
-              <a:rPr lang="fr-FR" dirty="0" smtClean="0"/>
-              <a:t>→ Comparaison bandes </a:t>
-            </a:r>
-            <a:r>
-              <a:rPr lang="fr-FR" dirty="0" err="1" smtClean="0"/>
-              <a:t>tiers-d’octave</a:t>
-            </a:r>
-            <a:r>
-              <a:rPr lang="fr-FR" dirty="0"/>
-              <a:t> </a:t>
-            </a:r>
-            <a:r>
-              <a:rPr lang="fr-FR" dirty="0" smtClean="0"/>
-              <a:t>– bandes Mel</a:t>
-            </a:r>
-          </a:p>
-          <a:p>
-            <a:r>
-              <a:rPr lang="fr-FR" dirty="0"/>
-              <a:t>	</a:t>
-            </a:r>
-            <a:r>
-              <a:rPr lang="fr-FR" dirty="0" smtClean="0"/>
-              <a:t>→ </a:t>
-            </a:r>
-            <a:r>
-              <a:rPr lang="fr-FR" dirty="0" err="1" smtClean="0"/>
-              <a:t>Cepstrogrammes</a:t>
-            </a:r>
-            <a:r>
-              <a:rPr lang="fr-FR" dirty="0" smtClean="0"/>
-              <a:t> (25 coefficients DCT)</a:t>
-            </a:r>
-          </a:p>
-          <a:p>
-            <a:r>
-              <a:rPr lang="fr-FR" dirty="0"/>
-              <a:t>	</a:t>
-            </a:r>
-            <a:r>
-              <a:rPr lang="fr-FR" dirty="0" smtClean="0"/>
-              <a:t>→ Statistiques sur le temps (11 opérateurs)</a:t>
-            </a:r>
-          </a:p>
-          <a:p>
-            <a:endParaRPr lang="fr-FR" dirty="0" smtClean="0"/>
-          </a:p>
-          <a:p>
-            <a:pPr marL="285750" indent="-285750">
-              <a:buFont typeface="Arial" panose="020B0604020202020204" pitchFamily="34" charset="0"/>
-              <a:buChar char="•"/>
-            </a:pPr>
-            <a:r>
-              <a:rPr lang="fr-FR" sz="2000" b="1" dirty="0" err="1" smtClean="0"/>
-              <a:t>Classifieurs</a:t>
-            </a:r>
-            <a:endParaRPr lang="fr-FR" sz="2000" b="1" dirty="0" smtClean="0"/>
-          </a:p>
-          <a:p>
-            <a:r>
-              <a:rPr lang="fr-FR" sz="2000" b="1" dirty="0" smtClean="0"/>
-              <a:t>	</a:t>
-            </a:r>
-            <a:r>
-              <a:rPr lang="fr-FR" dirty="0"/>
-              <a:t>→ Support </a:t>
-            </a:r>
-            <a:r>
-              <a:rPr lang="fr-FR" dirty="0" err="1"/>
-              <a:t>Vector</a:t>
-            </a:r>
-            <a:r>
-              <a:rPr lang="fr-FR" dirty="0"/>
-              <a:t> Machine (C-SVM, noyau RBF)</a:t>
-            </a:r>
-          </a:p>
-          <a:p>
-            <a:r>
-              <a:rPr lang="fr-FR" dirty="0"/>
-              <a:t>	→ </a:t>
-            </a:r>
-            <a:r>
-              <a:rPr lang="fr-FR" dirty="0" err="1"/>
-              <a:t>Decision</a:t>
-            </a:r>
-            <a:r>
-              <a:rPr lang="fr-FR" dirty="0"/>
-              <a:t> </a:t>
-            </a:r>
-            <a:r>
-              <a:rPr lang="fr-FR" dirty="0" err="1"/>
-              <a:t>Tree</a:t>
-            </a:r>
-            <a:endParaRPr lang="fr-FR" dirty="0"/>
-          </a:p>
-          <a:p>
-            <a:r>
-              <a:rPr lang="fr-FR" dirty="0"/>
-              <a:t>	→ </a:t>
-            </a:r>
-            <a:r>
-              <a:rPr lang="fr-FR" dirty="0" err="1"/>
-              <a:t>Random</a:t>
-            </a:r>
-            <a:r>
-              <a:rPr lang="fr-FR" dirty="0"/>
-              <a:t> </a:t>
-            </a:r>
-            <a:r>
-              <a:rPr lang="fr-FR" dirty="0" err="1"/>
-              <a:t>Forests</a:t>
-            </a:r>
-            <a:r>
-              <a:rPr lang="fr-FR" dirty="0"/>
-              <a:t> (500 arbres)</a:t>
-            </a:r>
-          </a:p>
-          <a:p>
-            <a:r>
-              <a:rPr lang="fr-FR" dirty="0"/>
-              <a:t>	→ K-</a:t>
-            </a:r>
-            <a:r>
-              <a:rPr lang="fr-FR" dirty="0" err="1"/>
-              <a:t>Nearest</a:t>
-            </a:r>
-            <a:r>
-              <a:rPr lang="fr-FR" dirty="0"/>
-              <a:t> Neighbors (k = 5)</a:t>
-            </a:r>
-          </a:p>
-          <a:p>
-            <a:endParaRPr lang="fr-FR" dirty="0" smtClean="0"/>
-          </a:p>
-          <a:p>
-            <a:pPr marL="285750" indent="-285750">
-              <a:buFont typeface="Arial" panose="020B0604020202020204" pitchFamily="34" charset="0"/>
-              <a:buChar char="•"/>
-            </a:pPr>
-            <a:r>
-              <a:rPr lang="fr-FR" sz="2000" b="1" dirty="0" smtClean="0"/>
-              <a:t>Validation croisée</a:t>
-            </a:r>
-          </a:p>
-        </p:txBody>
-      </p:sp>
-    </p:spTree>
-    <p:extLst>
-      <p:ext uri="{BB962C8B-B14F-4D97-AF65-F5344CB8AC3E}">
-        <p14:creationId xmlns:p14="http://schemas.microsoft.com/office/powerpoint/2010/main" val="310661730"/>
-      </p:ext>
-    </p:extLst>
-  </p:cSld>
-  <p:clrMapOvr>
-    <a:masterClrMapping/>
-  </p:clrMapOvr>
-  <p:timing>
-    <p:tnLst>
-      <p:par>
-        <p:cTn id="1" dur="indefinite" restart="never" nodeType="tmRoot"/>
-      </p:par>
-    </p:tnLst>
-  </p:timing>
-</p:sld>
-</file>
-
-<file path=ppt/slides/slide14.xml><?xml version="1.0" encoding="utf-8"?>
-<p:sld xmlns:a="http://schemas.openxmlformats.org/drawingml/2006/main" xmlns:r="http://schemas.openxmlformats.org/officeDocument/2006/relationships" xmlns:p="http://schemas.openxmlformats.org/presentationml/2006/main">
-  <p:cSld>
-    <p:bg>
-      <p:bgPr>
-        <a:gradFill>
-          <a:gsLst>
-            <a:gs pos="100000">
-              <a:schemeClr val="bg2">
-                <a:lumMod val="90000"/>
-              </a:schemeClr>
-            </a:gs>
-            <a:gs pos="55500">
-              <a:srgbClr val="F0F0F0"/>
-            </a:gs>
-            <a:gs pos="11000">
-              <a:schemeClr val="bg1"/>
-            </a:gs>
-          </a:gsLst>
-          <a:lin ang="5400000" scaled="1"/>
-        </a:gradFill>
-        <a:effectLst/>
-      </p:bgPr>
-    </p:bg>
-    <p:spTree>
-      <p:nvGrpSpPr>
-        <p:cNvPr id="1" name=""/>
-        <p:cNvGrpSpPr/>
-        <p:nvPr/>
-      </p:nvGrpSpPr>
-      <p:grpSpPr>
-        <a:xfrm>
-          <a:off x="0" y="0"/>
-          <a:ext cx="0" cy="0"/>
-          <a:chOff x="0" y="0"/>
-          <a:chExt cx="0" cy="0"/>
-        </a:xfrm>
-      </p:grpSpPr>
-      <p:sp>
-        <p:nvSpPr>
-          <p:cNvPr id="4" name="Rectangle 3"/>
-          <p:cNvSpPr/>
-          <p:nvPr/>
-        </p:nvSpPr>
-        <p:spPr>
-          <a:xfrm>
-            <a:off x="0" y="1"/>
-            <a:ext cx="9144000" cy="1079157"/>
-          </a:xfrm>
-          <a:prstGeom prst="rect">
-            <a:avLst/>
-          </a:prstGeom>
-        </p:spPr>
-        <p:style>
-          <a:lnRef idx="2">
-            <a:schemeClr val="dk1">
-              <a:shade val="50000"/>
-            </a:schemeClr>
-          </a:lnRef>
-          <a:fillRef idx="1">
-            <a:schemeClr val="dk1"/>
-          </a:fillRef>
-          <a:effectRef idx="0">
-            <a:schemeClr val="dk1"/>
-          </a:effectRef>
-          <a:fontRef idx="minor">
-            <a:schemeClr val="lt1"/>
-          </a:fontRef>
-        </p:style>
-        <p:txBody>
-          <a:bodyPr rot="0" spcFirstLastPara="0" vertOverflow="overflow" horzOverflow="overflow" vert="horz" wrap="square" lIns="91440" tIns="45720" rIns="91440" bIns="45720" numCol="1" spcCol="0" rtlCol="0" fromWordArt="0" anchor="ctr" anchorCtr="0" forceAA="0" compatLnSpc="1">
-            <a:prstTxWarp prst="textNoShape">
-              <a:avLst/>
-            </a:prstTxWarp>
-            <a:noAutofit/>
-          </a:bodyPr>
-          <a:lstStyle/>
-          <a:p>
-            <a:pPr algn="ctr"/>
-            <a:endParaRPr lang="fr-FR"/>
-          </a:p>
-        </p:txBody>
-      </p:sp>
-      <p:sp>
-        <p:nvSpPr>
-          <p:cNvPr id="5" name="Rectangle 4"/>
-          <p:cNvSpPr/>
-          <p:nvPr/>
-        </p:nvSpPr>
-        <p:spPr>
-          <a:xfrm>
-            <a:off x="0" y="6483178"/>
-            <a:ext cx="9144000" cy="374822"/>
-          </a:xfrm>
-          <a:prstGeom prst="rect">
-            <a:avLst/>
-          </a:prstGeom>
-        </p:spPr>
-        <p:style>
-          <a:lnRef idx="2">
-            <a:schemeClr val="dk1">
-              <a:shade val="50000"/>
-            </a:schemeClr>
-          </a:lnRef>
-          <a:fillRef idx="1">
-            <a:schemeClr val="dk1"/>
-          </a:fillRef>
-          <a:effectRef idx="0">
-            <a:schemeClr val="dk1"/>
-          </a:effectRef>
-          <a:fontRef idx="minor">
-            <a:schemeClr val="lt1"/>
-          </a:fontRef>
-        </p:style>
-        <p:txBody>
-          <a:bodyPr rot="0" spcFirstLastPara="0" vertOverflow="overflow" horzOverflow="overflow" vert="horz" wrap="square" lIns="91440" tIns="45720" rIns="91440" bIns="45720" numCol="1" spcCol="0" rtlCol="0" fromWordArt="0" anchor="ctr" anchorCtr="0" forceAA="0" compatLnSpc="1">
-            <a:prstTxWarp prst="textNoShape">
-              <a:avLst/>
-            </a:prstTxWarp>
-            <a:noAutofit/>
-          </a:bodyPr>
-          <a:lstStyle/>
-          <a:p>
-            <a:pPr algn="ctr"/>
-            <a:endParaRPr lang="fr-FR"/>
-          </a:p>
-        </p:txBody>
-      </p:sp>
-      <p:sp>
-        <p:nvSpPr>
-          <p:cNvPr id="6" name="TextBox 5"/>
-          <p:cNvSpPr txBox="1"/>
-          <p:nvPr/>
-        </p:nvSpPr>
-        <p:spPr>
-          <a:xfrm>
-            <a:off x="0" y="6483178"/>
-            <a:ext cx="4152900" cy="369332"/>
-          </a:xfrm>
-          <a:prstGeom prst="rect">
-            <a:avLst/>
-          </a:prstGeom>
-        </p:spPr>
-        <p:txBody>
-          <a:bodyPr wrap="square" rtlCol="0">
-            <a:spAutoFit/>
-          </a:bodyPr>
-          <a:lstStyle/>
-          <a:p>
-            <a:r>
-              <a:rPr lang="fr-FR" dirty="0">
-                <a:solidFill>
-                  <a:schemeClr val="bg2">
-                    <a:lumMod val="50000"/>
-                  </a:schemeClr>
-                </a:solidFill>
-              </a:rPr>
-              <a:t>Stage de Fin d’Études ESEO - LS2N</a:t>
-            </a:r>
-            <a:endParaRPr lang="fr-FR" dirty="0">
-              <a:solidFill>
-                <a:schemeClr val="bg2">
-                  <a:lumMod val="50000"/>
-                </a:schemeClr>
-              </a:solidFill>
-            </a:endParaRPr>
-          </a:p>
-        </p:txBody>
-      </p:sp>
-      <p:sp>
-        <p:nvSpPr>
-          <p:cNvPr id="7" name="TextBox 6"/>
-          <p:cNvSpPr txBox="1"/>
-          <p:nvPr/>
-        </p:nvSpPr>
-        <p:spPr>
-          <a:xfrm>
-            <a:off x="6914009" y="6483178"/>
-            <a:ext cx="2229991" cy="369332"/>
-          </a:xfrm>
-          <a:prstGeom prst="rect">
-            <a:avLst/>
-          </a:prstGeom>
-          <a:noFill/>
-        </p:spPr>
-        <p:txBody>
-          <a:bodyPr wrap="square" rtlCol="0">
-            <a:spAutoFit/>
-          </a:bodyPr>
-          <a:lstStyle/>
-          <a:p>
-            <a:pPr algn="r"/>
-            <a:r>
-              <a:rPr lang="fr-FR" dirty="0" smtClean="0">
-                <a:solidFill>
-                  <a:schemeClr val="bg2">
-                    <a:lumMod val="50000"/>
-                  </a:schemeClr>
-                </a:solidFill>
-              </a:rPr>
-              <a:t>15 septembre 2017</a:t>
-            </a:r>
-            <a:endParaRPr lang="fr-FR" dirty="0">
-              <a:solidFill>
-                <a:schemeClr val="bg2">
-                  <a:lumMod val="50000"/>
-                </a:schemeClr>
-              </a:solidFill>
-            </a:endParaRPr>
-          </a:p>
-        </p:txBody>
-      </p:sp>
-      <p:sp>
-        <p:nvSpPr>
-          <p:cNvPr id="8" name="TextBox 7"/>
-          <p:cNvSpPr txBox="1"/>
-          <p:nvPr/>
-        </p:nvSpPr>
-        <p:spPr>
-          <a:xfrm>
-            <a:off x="3805881" y="6483178"/>
-            <a:ext cx="1532238" cy="369332"/>
-          </a:xfrm>
-          <a:prstGeom prst="rect">
-            <a:avLst/>
-          </a:prstGeom>
-          <a:noFill/>
-        </p:spPr>
-        <p:txBody>
-          <a:bodyPr wrap="square" rtlCol="0">
-            <a:spAutoFit/>
-          </a:bodyPr>
-          <a:lstStyle/>
-          <a:p>
-            <a:pPr algn="ctr"/>
-            <a:r>
-              <a:rPr lang="fr-FR" dirty="0" smtClean="0">
-                <a:solidFill>
-                  <a:schemeClr val="bg1"/>
-                </a:solidFill>
-              </a:rPr>
-              <a:t>14</a:t>
-            </a:r>
-            <a:endParaRPr lang="fr-FR" dirty="0">
-              <a:solidFill>
-                <a:schemeClr val="bg1"/>
-              </a:solidFill>
-            </a:endParaRPr>
-          </a:p>
-        </p:txBody>
-      </p:sp>
-      <p:pic>
-        <p:nvPicPr>
-          <p:cNvPr id="9" name="Picture 8"/>
-          <p:cNvPicPr>
-            <a:picLocks noChangeAspect="1"/>
-          </p:cNvPicPr>
-          <p:nvPr/>
-        </p:nvPicPr>
-        <p:blipFill>
-          <a:blip r:embed="rId3" cstate="print">
-            <a:extLst>
-              <a:ext uri="{28A0092B-C50C-407E-A947-70E740481C1C}">
-                <a14:useLocalDpi xmlns:a14="http://schemas.microsoft.com/office/drawing/2010/main" val="0"/>
-              </a:ext>
-            </a:extLst>
-          </a:blip>
-          <a:stretch>
-            <a:fillRect/>
-          </a:stretch>
-        </p:blipFill>
-        <p:spPr>
-          <a:xfrm>
-            <a:off x="127160" y="79873"/>
-            <a:ext cx="1285179" cy="924798"/>
-          </a:xfrm>
-          <a:prstGeom prst="rect">
-            <a:avLst/>
-          </a:prstGeom>
-        </p:spPr>
-      </p:pic>
-      <p:pic>
-        <p:nvPicPr>
-          <p:cNvPr id="10" name="Picture 9"/>
-          <p:cNvPicPr>
-            <a:picLocks noChangeAspect="1"/>
-          </p:cNvPicPr>
-          <p:nvPr/>
-        </p:nvPicPr>
-        <p:blipFill>
-          <a:blip r:embed="rId4" cstate="print">
-            <a:extLst>
-              <a:ext uri="{28A0092B-C50C-407E-A947-70E740481C1C}">
-                <a14:useLocalDpi xmlns:a14="http://schemas.microsoft.com/office/drawing/2010/main" val="0"/>
-              </a:ext>
-            </a:extLst>
-          </a:blip>
-          <a:stretch>
-            <a:fillRect/>
-          </a:stretch>
-        </p:blipFill>
-        <p:spPr>
-          <a:xfrm>
-            <a:off x="7837418" y="79872"/>
-            <a:ext cx="1183013" cy="929817"/>
-          </a:xfrm>
-          <a:prstGeom prst="rect">
-            <a:avLst/>
-          </a:prstGeom>
-        </p:spPr>
-      </p:pic>
-      <p:sp>
-        <p:nvSpPr>
-          <p:cNvPr id="2" name="TextBox 1"/>
-          <p:cNvSpPr txBox="1"/>
-          <p:nvPr/>
-        </p:nvSpPr>
-        <p:spPr>
-          <a:xfrm>
-            <a:off x="1539499" y="247191"/>
-            <a:ext cx="4459857" cy="584775"/>
-          </a:xfrm>
-          <a:prstGeom prst="rect">
-            <a:avLst/>
-          </a:prstGeom>
-          <a:noFill/>
-        </p:spPr>
-        <p:txBody>
-          <a:bodyPr wrap="square" rtlCol="0">
-            <a:spAutoFit/>
-          </a:bodyPr>
-          <a:lstStyle/>
-          <a:p>
-            <a:r>
-              <a:rPr lang="fr-FR" sz="3200" dirty="0" smtClean="0">
-                <a:solidFill>
-                  <a:schemeClr val="bg1"/>
-                </a:solidFill>
-                <a:latin typeface="+mj-lt"/>
-                <a:ea typeface="CMU Serif" panose="02000603000000000000" pitchFamily="2" charset="0"/>
-                <a:cs typeface="CMU Serif" panose="02000603000000000000" pitchFamily="2" charset="0"/>
-              </a:rPr>
-              <a:t>Validation</a:t>
-            </a:r>
-            <a:endParaRPr lang="fr-FR" sz="3200" dirty="0">
-              <a:solidFill>
-                <a:schemeClr val="bg1"/>
-              </a:solidFill>
-              <a:latin typeface="+mj-lt"/>
-              <a:ea typeface="CMU Serif" panose="02000603000000000000" pitchFamily="2" charset="0"/>
-              <a:cs typeface="CMU Serif" panose="02000603000000000000" pitchFamily="2" charset="0"/>
-            </a:endParaRPr>
-          </a:p>
-        </p:txBody>
-      </p:sp>
-      <p:sp>
-        <p:nvSpPr>
-          <p:cNvPr id="11" name="Rectangle 10"/>
-          <p:cNvSpPr/>
-          <p:nvPr/>
-        </p:nvSpPr>
-        <p:spPr>
-          <a:xfrm>
-            <a:off x="1632" y="1089561"/>
-            <a:ext cx="2284367" cy="454568"/>
-          </a:xfrm>
-          <a:prstGeom prst="rect">
-            <a:avLst/>
-          </a:prstGeom>
-        </p:spPr>
-        <p:style>
-          <a:lnRef idx="2">
-            <a:schemeClr val="dk1">
-              <a:shade val="50000"/>
-            </a:schemeClr>
-          </a:lnRef>
-          <a:fillRef idx="1">
-            <a:schemeClr val="dk1"/>
-          </a:fillRef>
-          <a:effectRef idx="0">
-            <a:schemeClr val="dk1"/>
-          </a:effectRef>
-          <a:fontRef idx="minor">
-            <a:schemeClr val="lt1"/>
-          </a:fontRef>
-        </p:style>
-        <p:txBody>
-          <a:bodyPr rot="0" spcFirstLastPara="0" vertOverflow="overflow" horzOverflow="overflow" vert="horz" wrap="square" lIns="91440" tIns="45720" rIns="91440" bIns="45720" numCol="1" spcCol="0" rtlCol="0" fromWordArt="0" anchor="ctr" anchorCtr="0" forceAA="0" compatLnSpc="1">
-            <a:prstTxWarp prst="textNoShape">
-              <a:avLst/>
-            </a:prstTxWarp>
-            <a:noAutofit/>
-          </a:bodyPr>
-          <a:lstStyle/>
-          <a:p>
-            <a:pPr algn="ctr"/>
-            <a:endParaRPr lang="fr-FR"/>
-          </a:p>
-        </p:txBody>
-      </p:sp>
-      <p:sp>
-        <p:nvSpPr>
-          <p:cNvPr id="12" name="TextBox 11"/>
-          <p:cNvSpPr txBox="1"/>
-          <p:nvPr/>
-        </p:nvSpPr>
-        <p:spPr>
-          <a:xfrm>
-            <a:off x="115524" y="1089561"/>
-            <a:ext cx="2066960" cy="430887"/>
-          </a:xfrm>
-          <a:prstGeom prst="rect">
-            <a:avLst/>
-          </a:prstGeom>
-          <a:noFill/>
-        </p:spPr>
-        <p:txBody>
-          <a:bodyPr wrap="square" rtlCol="0">
-            <a:spAutoFit/>
-          </a:bodyPr>
-          <a:lstStyle/>
-          <a:p>
-            <a:pPr algn="ctr"/>
-            <a:r>
-              <a:rPr lang="fr-FR" sz="2200" dirty="0" smtClean="0">
-                <a:solidFill>
-                  <a:schemeClr val="bg1"/>
-                </a:solidFill>
-                <a:latin typeface="+mj-lt"/>
-                <a:ea typeface="CMU Serif" panose="02000603000000000000" pitchFamily="2" charset="0"/>
-                <a:cs typeface="CMU Serif" panose="02000603000000000000" pitchFamily="2" charset="0"/>
-              </a:rPr>
-              <a:t>Intelligibilité</a:t>
-            </a:r>
-            <a:endParaRPr lang="fr-FR" sz="2200" dirty="0">
-              <a:solidFill>
-                <a:schemeClr val="bg1"/>
-              </a:solidFill>
-              <a:latin typeface="+mj-lt"/>
-              <a:ea typeface="CMU Serif" panose="02000603000000000000" pitchFamily="2" charset="0"/>
-              <a:cs typeface="CMU Serif" panose="02000603000000000000" pitchFamily="2" charset="0"/>
-            </a:endParaRPr>
-          </a:p>
-        </p:txBody>
-      </p:sp>
-      <p:sp>
-        <p:nvSpPr>
-          <p:cNvPr id="13" name="TextBox 12"/>
-          <p:cNvSpPr txBox="1"/>
-          <p:nvPr/>
-        </p:nvSpPr>
-        <p:spPr>
-          <a:xfrm>
-            <a:off x="535853" y="2120827"/>
-            <a:ext cx="8484578" cy="2954655"/>
-          </a:xfrm>
-          <a:prstGeom prst="rect">
-            <a:avLst/>
-          </a:prstGeom>
-          <a:noFill/>
-        </p:spPr>
-        <p:txBody>
-          <a:bodyPr wrap="square" rtlCol="0">
-            <a:spAutoFit/>
-          </a:bodyPr>
-          <a:lstStyle/>
-          <a:p>
-            <a:pPr marL="285750" indent="-285750">
-              <a:buFont typeface="Arial" panose="020B0604020202020204" pitchFamily="34" charset="0"/>
-              <a:buChar char="•"/>
-            </a:pPr>
-            <a:r>
-              <a:rPr lang="fr-FR" sz="2000" b="1" dirty="0" smtClean="0"/>
-              <a:t>Indicateurs objectifs: CSII et </a:t>
-            </a:r>
-            <a:r>
-              <a:rPr lang="fr-FR" sz="2000" b="1" dirty="0" err="1" smtClean="0"/>
-              <a:t>fwSNRseg</a:t>
-            </a:r>
-            <a:endParaRPr lang="fr-FR" sz="2000" b="1" dirty="0" smtClean="0"/>
-          </a:p>
-          <a:p>
-            <a:r>
-              <a:rPr lang="fr-FR" dirty="0"/>
-              <a:t>	</a:t>
-            </a:r>
-            <a:r>
-              <a:rPr lang="fr-FR" dirty="0" smtClean="0"/>
-              <a:t>→ Comparaison signal original – signal décodé</a:t>
-            </a:r>
-          </a:p>
-          <a:p>
-            <a:r>
-              <a:rPr lang="fr-FR" dirty="0"/>
-              <a:t>	</a:t>
-            </a:r>
-            <a:r>
-              <a:rPr lang="fr-FR" dirty="0" smtClean="0"/>
-              <a:t>→ Utilisation des spectrogrammes (Magnitude ou complet)</a:t>
-            </a:r>
-          </a:p>
-          <a:p>
-            <a:r>
-              <a:rPr lang="fr-FR" dirty="0"/>
-              <a:t>	</a:t>
-            </a:r>
-            <a:r>
-              <a:rPr lang="fr-FR" dirty="0" smtClean="0"/>
-              <a:t>→ Corrélation démontrée avec l’intelligibilité subjective</a:t>
-            </a:r>
-          </a:p>
-          <a:p>
-            <a:r>
-              <a:rPr lang="fr-FR" dirty="0"/>
-              <a:t>	</a:t>
-            </a:r>
-            <a:r>
-              <a:rPr lang="fr-FR" dirty="0" smtClean="0"/>
-              <a:t>→ Uniquement testé pour de faibles distorsions</a:t>
-            </a:r>
-          </a:p>
-          <a:p>
-            <a:endParaRPr lang="fr-FR" dirty="0" smtClean="0"/>
-          </a:p>
-          <a:p>
-            <a:pPr marL="285750" indent="-285750">
-              <a:buFont typeface="Arial" panose="020B0604020202020204" pitchFamily="34" charset="0"/>
-              <a:buChar char="•"/>
-            </a:pPr>
-            <a:r>
-              <a:rPr lang="fr-FR" sz="2000" b="1" dirty="0" smtClean="0"/>
-              <a:t>Test perceptif</a:t>
-            </a:r>
-          </a:p>
-          <a:p>
-            <a:r>
-              <a:rPr lang="fr-FR" sz="2000" b="1" dirty="0" smtClean="0"/>
-              <a:t>	</a:t>
-            </a:r>
-            <a:r>
-              <a:rPr lang="fr-FR" dirty="0" smtClean="0"/>
-              <a:t>→ 12 participants, 18 phrases avec différents paramètres d’encodage</a:t>
-            </a:r>
-          </a:p>
-          <a:p>
-            <a:r>
-              <a:rPr lang="fr-FR" dirty="0"/>
-              <a:t>	</a:t>
-            </a:r>
-            <a:r>
-              <a:rPr lang="fr-FR" dirty="0" smtClean="0"/>
-              <a:t>→ </a:t>
-            </a:r>
-            <a:r>
-              <a:rPr lang="fr-FR" dirty="0" err="1" smtClean="0"/>
-              <a:t>Intelligibility</a:t>
-            </a:r>
-            <a:r>
-              <a:rPr lang="fr-FR" dirty="0" smtClean="0"/>
-              <a:t> Ratio (IR): Ratio de bonne transcription des mots</a:t>
-            </a:r>
-          </a:p>
-          <a:p>
-            <a:r>
-              <a:rPr lang="fr-FR" dirty="0"/>
-              <a:t>	</a:t>
-            </a:r>
-            <a:r>
-              <a:rPr lang="fr-FR" dirty="0" smtClean="0"/>
-              <a:t>→ </a:t>
-            </a:r>
-            <a:r>
-              <a:rPr lang="fr-FR" dirty="0" err="1" smtClean="0"/>
-              <a:t>Average</a:t>
-            </a:r>
-            <a:r>
-              <a:rPr lang="fr-FR" dirty="0" smtClean="0"/>
-              <a:t> </a:t>
-            </a:r>
-            <a:r>
-              <a:rPr lang="fr-FR" dirty="0" err="1" smtClean="0"/>
-              <a:t>Intelligibility</a:t>
-            </a:r>
-            <a:r>
-              <a:rPr lang="fr-FR" dirty="0" smtClean="0"/>
-              <a:t> Score (AIS): Note globale subjective</a:t>
-            </a:r>
-          </a:p>
-        </p:txBody>
-      </p:sp>
-    </p:spTree>
-    <p:extLst>
-      <p:ext uri="{BB962C8B-B14F-4D97-AF65-F5344CB8AC3E}">
-        <p14:creationId xmlns:p14="http://schemas.microsoft.com/office/powerpoint/2010/main" val="1067981477"/>
-      </p:ext>
-    </p:extLst>
-  </p:cSld>
-  <p:clrMapOvr>
-    <a:masterClrMapping/>
-  </p:clrMapOvr>
-  <p:timing>
-    <p:tnLst>
-      <p:par>
-        <p:cTn id="1" dur="indefinite" restart="never" nodeType="tmRoot"/>
-      </p:par>
-    </p:tnLst>
-  </p:timing>
-</p:sld>
-</file>
-
-<file path=ppt/slides/slide15.xml><?xml version="1.0" encoding="utf-8"?>
-<p:sld xmlns:a="http://schemas.openxmlformats.org/drawingml/2006/main" xmlns:r="http://schemas.openxmlformats.org/officeDocument/2006/relationships" xmlns:p="http://schemas.openxmlformats.org/presentationml/2006/main">
-  <p:cSld>
-    <p:bg>
-      <p:bgPr>
-        <a:gradFill>
-          <a:gsLst>
-            <a:gs pos="100000">
-              <a:schemeClr val="bg2">
-                <a:lumMod val="90000"/>
-              </a:schemeClr>
-            </a:gs>
-            <a:gs pos="55500">
-              <a:srgbClr val="F0F0F0"/>
-            </a:gs>
-            <a:gs pos="11000">
-              <a:schemeClr val="bg1"/>
-            </a:gs>
-          </a:gsLst>
-          <a:lin ang="5400000" scaled="1"/>
-        </a:gradFill>
-        <a:effectLst/>
-      </p:bgPr>
-    </p:bg>
-    <p:spTree>
-      <p:nvGrpSpPr>
-        <p:cNvPr id="1" name=""/>
-        <p:cNvGrpSpPr/>
-        <p:nvPr/>
-      </p:nvGrpSpPr>
-      <p:grpSpPr>
-        <a:xfrm>
-          <a:off x="0" y="0"/>
-          <a:ext cx="0" cy="0"/>
-          <a:chOff x="0" y="0"/>
-          <a:chExt cx="0" cy="0"/>
-        </a:xfrm>
-      </p:grpSpPr>
-      <p:sp>
-        <p:nvSpPr>
-          <p:cNvPr id="4" name="Rectangle 3"/>
-          <p:cNvSpPr/>
-          <p:nvPr/>
-        </p:nvSpPr>
-        <p:spPr>
-          <a:xfrm>
-            <a:off x="0" y="1"/>
-            <a:ext cx="9144000" cy="1079157"/>
-          </a:xfrm>
-          <a:prstGeom prst="rect">
-            <a:avLst/>
-          </a:prstGeom>
-        </p:spPr>
-        <p:style>
-          <a:lnRef idx="2">
-            <a:schemeClr val="dk1">
-              <a:shade val="50000"/>
-            </a:schemeClr>
-          </a:lnRef>
-          <a:fillRef idx="1">
-            <a:schemeClr val="dk1"/>
-          </a:fillRef>
-          <a:effectRef idx="0">
-            <a:schemeClr val="dk1"/>
-          </a:effectRef>
-          <a:fontRef idx="minor">
-            <a:schemeClr val="lt1"/>
-          </a:fontRef>
-        </p:style>
-        <p:txBody>
-          <a:bodyPr rot="0" spcFirstLastPara="0" vertOverflow="overflow" horzOverflow="overflow" vert="horz" wrap="square" lIns="91440" tIns="45720" rIns="91440" bIns="45720" numCol="1" spcCol="0" rtlCol="0" fromWordArt="0" anchor="ctr" anchorCtr="0" forceAA="0" compatLnSpc="1">
-            <a:prstTxWarp prst="textNoShape">
-              <a:avLst/>
-            </a:prstTxWarp>
-            <a:noAutofit/>
-          </a:bodyPr>
-          <a:lstStyle/>
-          <a:p>
-            <a:pPr algn="ctr"/>
-            <a:endParaRPr lang="fr-FR"/>
-          </a:p>
-        </p:txBody>
-      </p:sp>
-      <p:sp>
-        <p:nvSpPr>
-          <p:cNvPr id="5" name="Rectangle 4"/>
-          <p:cNvSpPr/>
-          <p:nvPr/>
-        </p:nvSpPr>
-        <p:spPr>
-          <a:xfrm>
-            <a:off x="0" y="6483178"/>
-            <a:ext cx="9144000" cy="374822"/>
-          </a:xfrm>
-          <a:prstGeom prst="rect">
-            <a:avLst/>
-          </a:prstGeom>
-        </p:spPr>
-        <p:style>
-          <a:lnRef idx="2">
-            <a:schemeClr val="dk1">
-              <a:shade val="50000"/>
-            </a:schemeClr>
-          </a:lnRef>
-          <a:fillRef idx="1">
-            <a:schemeClr val="dk1"/>
-          </a:fillRef>
-          <a:effectRef idx="0">
-            <a:schemeClr val="dk1"/>
-          </a:effectRef>
-          <a:fontRef idx="minor">
-            <a:schemeClr val="lt1"/>
-          </a:fontRef>
-        </p:style>
-        <p:txBody>
-          <a:bodyPr rot="0" spcFirstLastPara="0" vertOverflow="overflow" horzOverflow="overflow" vert="horz" wrap="square" lIns="91440" tIns="45720" rIns="91440" bIns="45720" numCol="1" spcCol="0" rtlCol="0" fromWordArt="0" anchor="ctr" anchorCtr="0" forceAA="0" compatLnSpc="1">
-            <a:prstTxWarp prst="textNoShape">
-              <a:avLst/>
-            </a:prstTxWarp>
-            <a:noAutofit/>
-          </a:bodyPr>
-          <a:lstStyle/>
-          <a:p>
-            <a:pPr algn="ctr"/>
-            <a:endParaRPr lang="fr-FR"/>
-          </a:p>
-        </p:txBody>
-      </p:sp>
-      <p:sp>
-        <p:nvSpPr>
-          <p:cNvPr id="6" name="TextBox 5"/>
-          <p:cNvSpPr txBox="1"/>
-          <p:nvPr/>
-        </p:nvSpPr>
-        <p:spPr>
-          <a:xfrm>
-            <a:off x="0" y="6483178"/>
-            <a:ext cx="4152900" cy="369332"/>
-          </a:xfrm>
-          <a:prstGeom prst="rect">
-            <a:avLst/>
-          </a:prstGeom>
-        </p:spPr>
-        <p:txBody>
-          <a:bodyPr wrap="square" rtlCol="0">
-            <a:spAutoFit/>
-          </a:bodyPr>
-          <a:lstStyle/>
-          <a:p>
-            <a:r>
-              <a:rPr lang="fr-FR" dirty="0">
-                <a:solidFill>
-                  <a:schemeClr val="bg2">
-                    <a:lumMod val="50000"/>
-                  </a:schemeClr>
-                </a:solidFill>
-              </a:rPr>
-              <a:t>Stage de Fin d’Études ESEO - LS2N</a:t>
-            </a:r>
-            <a:endParaRPr lang="fr-FR" dirty="0">
-              <a:solidFill>
-                <a:schemeClr val="bg2">
-                  <a:lumMod val="50000"/>
-                </a:schemeClr>
-              </a:solidFill>
-            </a:endParaRPr>
-          </a:p>
-        </p:txBody>
-      </p:sp>
-      <p:sp>
-        <p:nvSpPr>
-          <p:cNvPr id="7" name="TextBox 6"/>
-          <p:cNvSpPr txBox="1"/>
-          <p:nvPr/>
-        </p:nvSpPr>
-        <p:spPr>
-          <a:xfrm>
-            <a:off x="6914009" y="6483178"/>
-            <a:ext cx="2229991" cy="369332"/>
-          </a:xfrm>
-          <a:prstGeom prst="rect">
-            <a:avLst/>
-          </a:prstGeom>
-          <a:noFill/>
-        </p:spPr>
-        <p:txBody>
-          <a:bodyPr wrap="square" rtlCol="0">
-            <a:spAutoFit/>
-          </a:bodyPr>
-          <a:lstStyle/>
-          <a:p>
-            <a:pPr algn="r"/>
-            <a:r>
-              <a:rPr lang="fr-FR" dirty="0" smtClean="0">
-                <a:solidFill>
-                  <a:schemeClr val="bg2">
-                    <a:lumMod val="50000"/>
-                  </a:schemeClr>
-                </a:solidFill>
-              </a:rPr>
-              <a:t>15 septembre 2017</a:t>
-            </a:r>
-            <a:endParaRPr lang="fr-FR" dirty="0">
-              <a:solidFill>
-                <a:schemeClr val="bg2">
-                  <a:lumMod val="50000"/>
-                </a:schemeClr>
-              </a:solidFill>
-            </a:endParaRPr>
-          </a:p>
-        </p:txBody>
-      </p:sp>
-      <p:sp>
-        <p:nvSpPr>
-          <p:cNvPr id="8" name="TextBox 7"/>
-          <p:cNvSpPr txBox="1"/>
-          <p:nvPr/>
-        </p:nvSpPr>
-        <p:spPr>
-          <a:xfrm>
-            <a:off x="3805881" y="6483178"/>
-            <a:ext cx="1532238" cy="369332"/>
-          </a:xfrm>
-          <a:prstGeom prst="rect">
-            <a:avLst/>
-          </a:prstGeom>
-          <a:noFill/>
-        </p:spPr>
-        <p:txBody>
-          <a:bodyPr wrap="square" rtlCol="0">
-            <a:spAutoFit/>
-          </a:bodyPr>
-          <a:lstStyle/>
-          <a:p>
-            <a:pPr algn="ctr"/>
-            <a:r>
-              <a:rPr lang="fr-FR" dirty="0" smtClean="0">
-                <a:solidFill>
-                  <a:schemeClr val="bg1"/>
-                </a:solidFill>
-              </a:rPr>
-              <a:t>15</a:t>
-            </a:r>
-            <a:endParaRPr lang="fr-FR" dirty="0">
-              <a:solidFill>
-                <a:schemeClr val="bg1"/>
-              </a:solidFill>
-            </a:endParaRPr>
-          </a:p>
-        </p:txBody>
-      </p:sp>
-      <p:pic>
-        <p:nvPicPr>
-          <p:cNvPr id="9" name="Picture 8"/>
-          <p:cNvPicPr>
-            <a:picLocks noChangeAspect="1"/>
-          </p:cNvPicPr>
-          <p:nvPr/>
-        </p:nvPicPr>
-        <p:blipFill>
-          <a:blip r:embed="rId4" cstate="print">
-            <a:extLst>
-              <a:ext uri="{28A0092B-C50C-407E-A947-70E740481C1C}">
-                <a14:useLocalDpi xmlns:a14="http://schemas.microsoft.com/office/drawing/2010/main" val="0"/>
-              </a:ext>
-            </a:extLst>
-          </a:blip>
-          <a:stretch>
-            <a:fillRect/>
-          </a:stretch>
-        </p:blipFill>
-        <p:spPr>
-          <a:xfrm>
-            <a:off x="127160" y="79873"/>
-            <a:ext cx="1285179" cy="924798"/>
-          </a:xfrm>
-          <a:prstGeom prst="rect">
-            <a:avLst/>
-          </a:prstGeom>
-        </p:spPr>
-      </p:pic>
-      <p:pic>
-        <p:nvPicPr>
-          <p:cNvPr id="10" name="Picture 9"/>
-          <p:cNvPicPr>
-            <a:picLocks noChangeAspect="1"/>
-          </p:cNvPicPr>
-          <p:nvPr/>
-        </p:nvPicPr>
-        <p:blipFill>
-          <a:blip r:embed="rId5" cstate="print">
-            <a:extLst>
-              <a:ext uri="{28A0092B-C50C-407E-A947-70E740481C1C}">
-                <a14:useLocalDpi xmlns:a14="http://schemas.microsoft.com/office/drawing/2010/main" val="0"/>
-              </a:ext>
-            </a:extLst>
-          </a:blip>
-          <a:stretch>
-            <a:fillRect/>
-          </a:stretch>
-        </p:blipFill>
-        <p:spPr>
-          <a:xfrm>
-            <a:off x="7837418" y="79872"/>
-            <a:ext cx="1183013" cy="929817"/>
-          </a:xfrm>
-          <a:prstGeom prst="rect">
-            <a:avLst/>
-          </a:prstGeom>
-        </p:spPr>
-      </p:pic>
-      <p:sp>
-        <p:nvSpPr>
-          <p:cNvPr id="2" name="TextBox 1"/>
-          <p:cNvSpPr txBox="1"/>
-          <p:nvPr/>
-        </p:nvSpPr>
-        <p:spPr>
-          <a:xfrm>
-            <a:off x="1539499" y="247191"/>
-            <a:ext cx="4459857" cy="584775"/>
-          </a:xfrm>
-          <a:prstGeom prst="rect">
-            <a:avLst/>
-          </a:prstGeom>
-          <a:noFill/>
-        </p:spPr>
-        <p:txBody>
-          <a:bodyPr wrap="square" rtlCol="0">
-            <a:spAutoFit/>
-          </a:bodyPr>
-          <a:lstStyle/>
-          <a:p>
-            <a:r>
-              <a:rPr lang="fr-FR" sz="3200" dirty="0" smtClean="0">
-                <a:solidFill>
-                  <a:schemeClr val="bg1"/>
-                </a:solidFill>
-                <a:latin typeface="+mj-lt"/>
-                <a:ea typeface="CMU Serif" panose="02000603000000000000" pitchFamily="2" charset="0"/>
-                <a:cs typeface="CMU Serif" panose="02000603000000000000" pitchFamily="2" charset="0"/>
-              </a:rPr>
-              <a:t>Résultats</a:t>
-            </a:r>
-            <a:endParaRPr lang="fr-FR" sz="3200" dirty="0">
-              <a:solidFill>
-                <a:schemeClr val="bg1"/>
-              </a:solidFill>
-              <a:latin typeface="+mj-lt"/>
-              <a:ea typeface="CMU Serif" panose="02000603000000000000" pitchFamily="2" charset="0"/>
-              <a:cs typeface="CMU Serif" panose="02000603000000000000" pitchFamily="2" charset="0"/>
             </a:endParaRPr>
           </a:p>
         </p:txBody>
@@ -9325,12 +7429,12 @@
           <a:graphicData uri="http://schemas.openxmlformats.org/presentationml/2006/ole">
             <mc:AlternateContent xmlns:mc="http://schemas.openxmlformats.org/markup-compatibility/2006">
               <mc:Choice xmlns:v="urn:schemas-microsoft-com:vml" Requires="v">
-                <p:oleObj spid="_x0000_s11390" name="Acrobat Document" r:id="rId6" imgW="4000380" imgH="2999976" progId="AcroExch.Document.DC">
+                <p:oleObj spid="_x0000_s11481" name="Acrobat Document" r:id="rId4" imgW="4000380" imgH="2999976" progId="AcroExch.Document.DC">
                   <p:embed/>
                 </p:oleObj>
               </mc:Choice>
               <mc:Fallback>
-                <p:oleObj name="Acrobat Document" r:id="rId6" imgW="4000380" imgH="2999976" progId="AcroExch.Document.DC">
+                <p:oleObj name="Acrobat Document" r:id="rId4" imgW="4000380" imgH="2999976" progId="AcroExch.Document.DC">
                   <p:embed/>
                   <p:pic>
                     <p:nvPicPr>
@@ -9339,7 +7443,7 @@
                       <p:nvPr/>
                     </p:nvPicPr>
                     <p:blipFill>
-                      <a:blip r:embed="rId7"/>
+                      <a:blip r:embed="rId5"/>
                       <a:stretch>
                         <a:fillRect/>
                       </a:stretch>
@@ -9527,6 +7631,50 @@
           </a:fontRef>
         </p:style>
       </p:cxnSp>
+      <p:sp>
+        <p:nvSpPr>
+          <p:cNvPr id="20" name="TextBox 19"/>
+          <p:cNvSpPr txBox="1"/>
+          <p:nvPr/>
+        </p:nvSpPr>
+        <p:spPr>
+          <a:xfrm>
+            <a:off x="361418" y="247191"/>
+            <a:ext cx="4459857" cy="584775"/>
+          </a:xfrm>
+          <a:prstGeom prst="rect">
+            <a:avLst/>
+          </a:prstGeom>
+          <a:noFill/>
+        </p:spPr>
+        <p:txBody>
+          <a:bodyPr wrap="square" rtlCol="0">
+            <a:spAutoFit/>
+          </a:bodyPr>
+          <a:lstStyle/>
+          <a:p>
+            <a:r>
+              <a:rPr lang="fr-FR" sz="3200" dirty="0" smtClean="0">
+                <a:solidFill>
+                  <a:schemeClr val="bg1"/>
+                </a:solidFill>
+                <a:latin typeface="+mj-lt"/>
+                <a:ea typeface="CMU Serif" panose="02000603000000000000" pitchFamily="2" charset="0"/>
+                <a:cs typeface="CMU Serif" panose="02000603000000000000" pitchFamily="2" charset="0"/>
+              </a:rPr>
+              <a:t>Validation</a:t>
+            </a:r>
+            <a:endParaRPr lang="fr-FR" sz="3200" dirty="0">
+              <a:solidFill>
+                <a:schemeClr val="bg1"/>
+              </a:solidFill>
+              <a:latin typeface="+mj-lt"/>
+              <a:ea typeface="CMU Serif" panose="02000603000000000000" pitchFamily="2" charset="0"/>
+              <a:cs typeface="CMU Serif" panose="02000603000000000000" pitchFamily="2" charset="0"/>
+            </a:endParaRPr>
+          </a:p>
+        </p:txBody>
+      </p:sp>
     </p:spTree>
     <p:extLst>
       <p:ext uri="{BB962C8B-B14F-4D97-AF65-F5344CB8AC3E}">
@@ -9547,30 +7695,9 @@
 </p:sld>
 </file>
 
-<file path=ppt/slides/slide16.xml><?xml version="1.0" encoding="utf-8"?>
+<file path=ppt/slides/slide14.xml><?xml version="1.0" encoding="utf-8"?>
 <p:sld xmlns:a="http://schemas.openxmlformats.org/drawingml/2006/main" xmlns:r="http://schemas.openxmlformats.org/officeDocument/2006/relationships" xmlns:p="http://schemas.openxmlformats.org/presentationml/2006/main">
   <p:cSld>
-    <p:bg>
-      <p:bgPr>
-        <a:gradFill>
-          <a:gsLst>
-            <a:gs pos="100000">
-              <a:schemeClr val="bg2">
-                <a:lumMod val="90000"/>
-              </a:schemeClr>
-            </a:gs>
-            <a:gs pos="55500">
-              <a:srgbClr val="F0F0F0"/>
-            </a:gs>
-            <a:gs pos="11000">
-              <a:schemeClr val="bg1"/>
-            </a:gs>
-          </a:gsLst>
-          <a:lin ang="5400000" scaled="1"/>
-        </a:gradFill>
-        <a:effectLst/>
-      </p:bgPr>
-    </p:bg>
     <p:spTree>
       <p:nvGrpSpPr>
         <p:cNvPr id="1" name=""/>
@@ -9706,13 +7833,6 @@
               </a:rPr>
               <a:t>Stage de Fin d’Études ESEO - LS2N</a:t>
             </a:r>
-            <a:endParaRPr lang="fr-FR" dirty="0">
-              <a:solidFill>
-                <a:schemeClr val="bg2">
-                  <a:lumMod val="50000"/>
-                </a:schemeClr>
-              </a:solidFill>
-            </a:endParaRPr>
           </a:p>
         </p:txBody>
       </p:sp>
@@ -9788,116 +7908,12 @@
                   <a:schemeClr val="bg1"/>
                 </a:solidFill>
               </a:rPr>
-              <a:t>16</a:t>
+              <a:t>14</a:t>
             </a:r>
             <a:endParaRPr lang="fr-FR" dirty="0">
               <a:solidFill>
                 <a:schemeClr val="bg1"/>
               </a:solidFill>
-            </a:endParaRPr>
-          </a:p>
-        </p:txBody>
-      </p:sp>
-      <p:pic>
-        <p:nvPicPr>
-          <p:cNvPr id="9" name="Picture 8"/>
-          <p:cNvPicPr>
-            <a:picLocks noChangeAspect="1"/>
-          </p:cNvPicPr>
-          <p:nvPr/>
-        </p:nvPicPr>
-        <p:blipFill>
-          <a:blip r:embed="rId4" cstate="print">
-            <a:extLst>
-              <a:ext uri="{28A0092B-C50C-407E-A947-70E740481C1C}">
-                <a14:useLocalDpi xmlns:a14="http://schemas.microsoft.com/office/drawing/2010/main" val="0"/>
-              </a:ext>
-            </a:extLst>
-          </a:blip>
-          <a:stretch>
-            <a:fillRect/>
-          </a:stretch>
-        </p:blipFill>
-        <p:spPr>
-          <a:xfrm>
-            <a:off x="127160" y="79873"/>
-            <a:ext cx="1285179" cy="924798"/>
-          </a:xfrm>
-          <a:prstGeom prst="rect">
-            <a:avLst/>
-          </a:prstGeom>
-        </p:spPr>
-      </p:pic>
-      <p:pic>
-        <p:nvPicPr>
-          <p:cNvPr id="10" name="Picture 9"/>
-          <p:cNvPicPr>
-            <a:picLocks noChangeAspect="1"/>
-          </p:cNvPicPr>
-          <p:nvPr/>
-        </p:nvPicPr>
-        <p:blipFill>
-          <a:blip r:embed="rId5" cstate="print">
-            <a:extLst>
-              <a:ext uri="{28A0092B-C50C-407E-A947-70E740481C1C}">
-                <a14:useLocalDpi xmlns:a14="http://schemas.microsoft.com/office/drawing/2010/main" val="0"/>
-              </a:ext>
-            </a:extLst>
-          </a:blip>
-          <a:stretch>
-            <a:fillRect/>
-          </a:stretch>
-        </p:blipFill>
-        <p:spPr>
-          <a:xfrm>
-            <a:off x="7837418" y="79872"/>
-            <a:ext cx="1183013" cy="929817"/>
-          </a:xfrm>
-          <a:prstGeom prst="rect">
-            <a:avLst/>
-          </a:prstGeom>
-        </p:spPr>
-      </p:pic>
-      <p:sp>
-        <p:nvSpPr>
-          <p:cNvPr id="2" name="TextBox 1"/>
-          <p:cNvSpPr txBox="1"/>
-          <p:nvPr/>
-        </p:nvSpPr>
-        <p:spPr>
-          <a:xfrm>
-            <a:off x="1539499" y="247191"/>
-            <a:ext cx="4459857" cy="584775"/>
-          </a:xfrm>
-          <a:prstGeom prst="rect">
-            <a:avLst/>
-          </a:prstGeom>
-          <a:noFill/>
-        </p:spPr>
-        <p:txBody>
-          <a:bodyPr wrap="square" rtlCol="0">
-            <a:spAutoFit/>
-          </a:bodyPr>
-          <a:lstStyle/>
-          <a:p>
-            <a:r>
-              <a:rPr lang="fr-FR" sz="3200" dirty="0" smtClean="0">
-                <a:solidFill>
-                  <a:schemeClr val="bg1"/>
-                </a:solidFill>
-                <a:latin typeface="+mj-lt"/>
-                <a:ea typeface="CMU Serif" panose="02000603000000000000" pitchFamily="2" charset="0"/>
-                <a:cs typeface="CMU Serif" panose="02000603000000000000" pitchFamily="2" charset="0"/>
-              </a:rPr>
-              <a:t>Résultats</a:t>
-            </a:r>
-            <a:endParaRPr lang="fr-FR" sz="3200" dirty="0">
-              <a:solidFill>
-                <a:schemeClr val="bg1"/>
-              </a:solidFill>
-              <a:latin typeface="+mj-lt"/>
-              <a:ea typeface="CMU Serif" panose="02000603000000000000" pitchFamily="2" charset="0"/>
-              <a:cs typeface="CMU Serif" panose="02000603000000000000" pitchFamily="2" charset="0"/>
             </a:endParaRPr>
           </a:p>
         </p:txBody>
@@ -10067,12 +8083,12 @@
           <a:graphicData uri="http://schemas.openxmlformats.org/presentationml/2006/ole">
             <mc:AlternateContent xmlns:mc="http://schemas.openxmlformats.org/markup-compatibility/2006">
               <mc:Choice xmlns:v="urn:schemas-microsoft-com:vml" Requires="v">
-                <p:oleObj spid="_x0000_s12526" name="Acrobat Document" r:id="rId6" imgW="4000380" imgH="2999976" progId="AcroExch.Document.DC">
+                <p:oleObj spid="_x0000_s12708" name="Acrobat Document" r:id="rId4" imgW="4000380" imgH="2999976" progId="AcroExch.Document.DC">
                   <p:embed/>
                 </p:oleObj>
               </mc:Choice>
               <mc:Fallback>
-                <p:oleObj name="Acrobat Document" r:id="rId6" imgW="4000380" imgH="2999976" progId="AcroExch.Document.DC">
+                <p:oleObj name="Acrobat Document" r:id="rId4" imgW="4000380" imgH="2999976" progId="AcroExch.Document.DC">
                   <p:embed/>
                   <p:pic>
                     <p:nvPicPr>
@@ -10081,7 +8097,7 @@
                       <p:nvPr/>
                     </p:nvPicPr>
                     <p:blipFill>
-                      <a:blip r:embed="rId7"/>
+                      <a:blip r:embed="rId5"/>
                       <a:stretch>
                         <a:fillRect/>
                       </a:stretch>
@@ -10124,12 +8140,12 @@
           <a:graphicData uri="http://schemas.openxmlformats.org/presentationml/2006/ole">
             <mc:AlternateContent xmlns:mc="http://schemas.openxmlformats.org/markup-compatibility/2006">
               <mc:Choice xmlns:v="urn:schemas-microsoft-com:vml" Requires="v">
-                <p:oleObj spid="_x0000_s12527" name="Acrobat Document" r:id="rId8" imgW="4000380" imgH="2999976" progId="AcroExch.Document.DC">
+                <p:oleObj spid="_x0000_s12709" name="Acrobat Document" r:id="rId6" imgW="4000380" imgH="2999976" progId="AcroExch.Document.DC">
                   <p:embed/>
                 </p:oleObj>
               </mc:Choice>
               <mc:Fallback>
-                <p:oleObj name="Acrobat Document" r:id="rId8" imgW="4000380" imgH="2999976" progId="AcroExch.Document.DC">
+                <p:oleObj name="Acrobat Document" r:id="rId6" imgW="4000380" imgH="2999976" progId="AcroExch.Document.DC">
                   <p:embed/>
                   <p:pic>
                     <p:nvPicPr>
@@ -10138,7 +8154,7 @@
                       <p:nvPr/>
                     </p:nvPicPr>
                     <p:blipFill>
-                      <a:blip r:embed="rId9"/>
+                      <a:blip r:embed="rId7"/>
                       <a:stretch>
                         <a:fillRect/>
                       </a:stretch>
@@ -10201,7 +8217,50 @@
               <a:rPr lang="fr-FR" sz="1200" dirty="0" smtClean="0"/>
               <a:t> de 1 s, recouvrement de 66%.</a:t>
             </a:r>
-            <a:endParaRPr lang="fr-FR" sz="1200" dirty="0" smtClean="0"/>
+          </a:p>
+        </p:txBody>
+      </p:sp>
+      <p:sp>
+        <p:nvSpPr>
+          <p:cNvPr id="19" name="TextBox 18"/>
+          <p:cNvSpPr txBox="1"/>
+          <p:nvPr/>
+        </p:nvSpPr>
+        <p:spPr>
+          <a:xfrm>
+            <a:off x="361418" y="247191"/>
+            <a:ext cx="4459857" cy="584775"/>
+          </a:xfrm>
+          <a:prstGeom prst="rect">
+            <a:avLst/>
+          </a:prstGeom>
+          <a:noFill/>
+        </p:spPr>
+        <p:txBody>
+          <a:bodyPr wrap="square" rtlCol="0">
+            <a:spAutoFit/>
+          </a:bodyPr>
+          <a:lstStyle/>
+          <a:p>
+            <a:r>
+              <a:rPr lang="fr-FR" sz="3200" dirty="0" smtClean="0">
+                <a:solidFill>
+                  <a:schemeClr val="bg1"/>
+                </a:solidFill>
+                <a:latin typeface="+mj-lt"/>
+                <a:ea typeface="CMU Serif" panose="02000603000000000000" pitchFamily="2" charset="0"/>
+                <a:cs typeface="CMU Serif" panose="02000603000000000000" pitchFamily="2" charset="0"/>
+              </a:rPr>
+              <a:t>Validation</a:t>
+            </a:r>
+            <a:endParaRPr lang="fr-FR" sz="3200" dirty="0">
+              <a:solidFill>
+                <a:schemeClr val="bg1"/>
+              </a:solidFill>
+              <a:latin typeface="+mj-lt"/>
+              <a:ea typeface="CMU Serif" panose="02000603000000000000" pitchFamily="2" charset="0"/>
+              <a:cs typeface="CMU Serif" panose="02000603000000000000" pitchFamily="2" charset="0"/>
+            </a:endParaRPr>
           </a:p>
         </p:txBody>
       </p:sp>
@@ -10225,30 +8284,9 @@
 </p:sld>
 </file>
 
-<file path=ppt/slides/slide17.xml><?xml version="1.0" encoding="utf-8"?>
+<file path=ppt/slides/slide15.xml><?xml version="1.0" encoding="utf-8"?>
 <p:sld xmlns:a="http://schemas.openxmlformats.org/drawingml/2006/main" xmlns:r="http://schemas.openxmlformats.org/officeDocument/2006/relationships" xmlns:p="http://schemas.openxmlformats.org/presentationml/2006/main">
   <p:cSld>
-    <p:bg>
-      <p:bgPr>
-        <a:gradFill>
-          <a:gsLst>
-            <a:gs pos="100000">
-              <a:schemeClr val="bg2">
-                <a:lumMod val="90000"/>
-              </a:schemeClr>
-            </a:gs>
-            <a:gs pos="55500">
-              <a:srgbClr val="F0F0F0"/>
-            </a:gs>
-            <a:gs pos="11000">
-              <a:schemeClr val="bg1"/>
-            </a:gs>
-          </a:gsLst>
-          <a:lin ang="5400000" scaled="1"/>
-        </a:gradFill>
-        <a:effectLst/>
-      </p:bgPr>
-    </p:bg>
     <p:spTree>
       <p:nvGrpSpPr>
         <p:cNvPr id="1" name=""/>
@@ -10384,13 +8422,6 @@
               </a:rPr>
               <a:t>Stage de Fin d’Études ESEO - LS2N</a:t>
             </a:r>
-            <a:endParaRPr lang="fr-FR" dirty="0">
-              <a:solidFill>
-                <a:schemeClr val="bg2">
-                  <a:lumMod val="50000"/>
-                </a:schemeClr>
-              </a:solidFill>
-            </a:endParaRPr>
           </a:p>
         </p:txBody>
       </p:sp>
@@ -10466,116 +8497,12 @@
                   <a:schemeClr val="bg1"/>
                 </a:solidFill>
               </a:rPr>
-              <a:t>17</a:t>
+              <a:t>15</a:t>
             </a:r>
             <a:endParaRPr lang="fr-FR" dirty="0">
               <a:solidFill>
                 <a:schemeClr val="bg1"/>
               </a:solidFill>
-            </a:endParaRPr>
-          </a:p>
-        </p:txBody>
-      </p:sp>
-      <p:pic>
-        <p:nvPicPr>
-          <p:cNvPr id="9" name="Picture 8"/>
-          <p:cNvPicPr>
-            <a:picLocks noChangeAspect="1"/>
-          </p:cNvPicPr>
-          <p:nvPr/>
-        </p:nvPicPr>
-        <p:blipFill>
-          <a:blip r:embed="rId4" cstate="print">
-            <a:extLst>
-              <a:ext uri="{28A0092B-C50C-407E-A947-70E740481C1C}">
-                <a14:useLocalDpi xmlns:a14="http://schemas.microsoft.com/office/drawing/2010/main" val="0"/>
-              </a:ext>
-            </a:extLst>
-          </a:blip>
-          <a:stretch>
-            <a:fillRect/>
-          </a:stretch>
-        </p:blipFill>
-        <p:spPr>
-          <a:xfrm>
-            <a:off x="127160" y="79873"/>
-            <a:ext cx="1285179" cy="924798"/>
-          </a:xfrm>
-          <a:prstGeom prst="rect">
-            <a:avLst/>
-          </a:prstGeom>
-        </p:spPr>
-      </p:pic>
-      <p:pic>
-        <p:nvPicPr>
-          <p:cNvPr id="10" name="Picture 9"/>
-          <p:cNvPicPr>
-            <a:picLocks noChangeAspect="1"/>
-          </p:cNvPicPr>
-          <p:nvPr/>
-        </p:nvPicPr>
-        <p:blipFill>
-          <a:blip r:embed="rId5" cstate="print">
-            <a:extLst>
-              <a:ext uri="{28A0092B-C50C-407E-A947-70E740481C1C}">
-                <a14:useLocalDpi xmlns:a14="http://schemas.microsoft.com/office/drawing/2010/main" val="0"/>
-              </a:ext>
-            </a:extLst>
-          </a:blip>
-          <a:stretch>
-            <a:fillRect/>
-          </a:stretch>
-        </p:blipFill>
-        <p:spPr>
-          <a:xfrm>
-            <a:off x="7837418" y="79872"/>
-            <a:ext cx="1183013" cy="929817"/>
-          </a:xfrm>
-          <a:prstGeom prst="rect">
-            <a:avLst/>
-          </a:prstGeom>
-        </p:spPr>
-      </p:pic>
-      <p:sp>
-        <p:nvSpPr>
-          <p:cNvPr id="2" name="TextBox 1"/>
-          <p:cNvSpPr txBox="1"/>
-          <p:nvPr/>
-        </p:nvSpPr>
-        <p:spPr>
-          <a:xfrm>
-            <a:off x="1539499" y="247191"/>
-            <a:ext cx="4459857" cy="584775"/>
-          </a:xfrm>
-          <a:prstGeom prst="rect">
-            <a:avLst/>
-          </a:prstGeom>
-          <a:noFill/>
-        </p:spPr>
-        <p:txBody>
-          <a:bodyPr wrap="square" rtlCol="0">
-            <a:spAutoFit/>
-          </a:bodyPr>
-          <a:lstStyle/>
-          <a:p>
-            <a:r>
-              <a:rPr lang="fr-FR" sz="3200" dirty="0" smtClean="0">
-                <a:solidFill>
-                  <a:schemeClr val="bg1"/>
-                </a:solidFill>
-                <a:latin typeface="+mj-lt"/>
-                <a:ea typeface="CMU Serif" panose="02000603000000000000" pitchFamily="2" charset="0"/>
-                <a:cs typeface="CMU Serif" panose="02000603000000000000" pitchFamily="2" charset="0"/>
-              </a:rPr>
-              <a:t>Résultats</a:t>
-            </a:r>
-            <a:endParaRPr lang="fr-FR" sz="3200" dirty="0">
-              <a:solidFill>
-                <a:schemeClr val="bg1"/>
-              </a:solidFill>
-              <a:latin typeface="+mj-lt"/>
-              <a:ea typeface="CMU Serif" panose="02000603000000000000" pitchFamily="2" charset="0"/>
-              <a:cs typeface="CMU Serif" panose="02000603000000000000" pitchFamily="2" charset="0"/>
             </a:endParaRPr>
           </a:p>
         </p:txBody>
@@ -10763,12 +8690,12 @@
           <a:graphicData uri="http://schemas.openxmlformats.org/presentationml/2006/ole">
             <mc:AlternateContent xmlns:mc="http://schemas.openxmlformats.org/markup-compatibility/2006">
               <mc:Choice xmlns:v="urn:schemas-microsoft-com:vml" Requires="v">
-                <p:oleObj spid="_x0000_s13430" name="Acrobat Document" r:id="rId6" imgW="4000380" imgH="2999976" progId="AcroExch.Document.DC">
+                <p:oleObj spid="_x0000_s13521" name="Acrobat Document" r:id="rId4" imgW="4000380" imgH="2999976" progId="AcroExch.Document.DC">
                   <p:embed/>
                 </p:oleObj>
               </mc:Choice>
               <mc:Fallback>
-                <p:oleObj name="Acrobat Document" r:id="rId6" imgW="4000380" imgH="2999976" progId="AcroExch.Document.DC">
+                <p:oleObj name="Acrobat Document" r:id="rId4" imgW="4000380" imgH="2999976" progId="AcroExch.Document.DC">
                   <p:embed/>
                   <p:pic>
                     <p:nvPicPr>
@@ -10777,7 +8704,7 @@
                       <p:nvPr/>
                     </p:nvPicPr>
                     <p:blipFill>
-                      <a:blip r:embed="rId7"/>
+                      <a:blip r:embed="rId5"/>
                       <a:stretch>
                         <a:fillRect/>
                       </a:stretch>
@@ -10828,6 +8755,50 @@
           </a:p>
         </p:txBody>
       </p:sp>
+      <p:sp>
+        <p:nvSpPr>
+          <p:cNvPr id="15" name="TextBox 14"/>
+          <p:cNvSpPr txBox="1"/>
+          <p:nvPr/>
+        </p:nvSpPr>
+        <p:spPr>
+          <a:xfrm>
+            <a:off x="361418" y="247191"/>
+            <a:ext cx="4459857" cy="584775"/>
+          </a:xfrm>
+          <a:prstGeom prst="rect">
+            <a:avLst/>
+          </a:prstGeom>
+          <a:noFill/>
+        </p:spPr>
+        <p:txBody>
+          <a:bodyPr wrap="square" rtlCol="0">
+            <a:spAutoFit/>
+          </a:bodyPr>
+          <a:lstStyle/>
+          <a:p>
+            <a:r>
+              <a:rPr lang="fr-FR" sz="3200" dirty="0" smtClean="0">
+                <a:solidFill>
+                  <a:schemeClr val="bg1"/>
+                </a:solidFill>
+                <a:latin typeface="+mj-lt"/>
+                <a:ea typeface="CMU Serif" panose="02000603000000000000" pitchFamily="2" charset="0"/>
+                <a:cs typeface="CMU Serif" panose="02000603000000000000" pitchFamily="2" charset="0"/>
+              </a:rPr>
+              <a:t>Validation</a:t>
+            </a:r>
+            <a:endParaRPr lang="fr-FR" sz="3200" dirty="0">
+              <a:solidFill>
+                <a:schemeClr val="bg1"/>
+              </a:solidFill>
+              <a:latin typeface="+mj-lt"/>
+              <a:ea typeface="CMU Serif" panose="02000603000000000000" pitchFamily="2" charset="0"/>
+              <a:cs typeface="CMU Serif" panose="02000603000000000000" pitchFamily="2" charset="0"/>
+            </a:endParaRPr>
+          </a:p>
+        </p:txBody>
+      </p:sp>
     </p:spTree>
     <p:extLst>
       <p:ext uri="{BB962C8B-B14F-4D97-AF65-F5344CB8AC3E}">
@@ -10848,30 +8819,9 @@
 </p:sld>
 </file>
 
-<file path=ppt/slides/slide18.xml><?xml version="1.0" encoding="utf-8"?>
+<file path=ppt/slides/slide16.xml><?xml version="1.0" encoding="utf-8"?>
 <p:sld xmlns:a="http://schemas.openxmlformats.org/drawingml/2006/main" xmlns:r="http://schemas.openxmlformats.org/officeDocument/2006/relationships" xmlns:p="http://schemas.openxmlformats.org/presentationml/2006/main">
   <p:cSld>
-    <p:bg>
-      <p:bgPr>
-        <a:gradFill>
-          <a:gsLst>
-            <a:gs pos="100000">
-              <a:schemeClr val="bg2">
-                <a:lumMod val="90000"/>
-              </a:schemeClr>
-            </a:gs>
-            <a:gs pos="55500">
-              <a:srgbClr val="F0F0F0"/>
-            </a:gs>
-            <a:gs pos="11000">
-              <a:schemeClr val="bg1"/>
-            </a:gs>
-          </a:gsLst>
-          <a:lin ang="5400000" scaled="1"/>
-        </a:gradFill>
-        <a:effectLst/>
-      </p:bgPr>
-    </p:bg>
     <p:spTree>
       <p:nvGrpSpPr>
         <p:cNvPr id="1" name=""/>
@@ -11007,13 +8957,6 @@
               </a:rPr>
               <a:t>Stage de Fin d’Études ESEO - LS2N</a:t>
             </a:r>
-            <a:endParaRPr lang="fr-FR" dirty="0">
-              <a:solidFill>
-                <a:schemeClr val="bg2">
-                  <a:lumMod val="50000"/>
-                </a:schemeClr>
-              </a:solidFill>
-            </a:endParaRPr>
           </a:p>
         </p:txBody>
       </p:sp>
@@ -11089,7 +9032,7 @@
                   <a:schemeClr val="bg1"/>
                 </a:solidFill>
               </a:rPr>
-              <a:t>18</a:t>
+              <a:t>16</a:t>
             </a:r>
             <a:endParaRPr lang="fr-FR" dirty="0">
               <a:solidFill>
@@ -11099,66 +9042,6 @@
           </a:p>
         </p:txBody>
       </p:sp>
-      <p:pic>
-        <p:nvPicPr>
-          <p:cNvPr id="9" name="Picture 8"/>
-          <p:cNvPicPr>
-            <a:picLocks noChangeAspect="1"/>
-          </p:cNvPicPr>
-          <p:nvPr/>
-        </p:nvPicPr>
-        <p:blipFill>
-          <a:blip r:embed="rId4" cstate="print">
-            <a:extLst>
-              <a:ext uri="{28A0092B-C50C-407E-A947-70E740481C1C}">
-                <a14:useLocalDpi xmlns:a14="http://schemas.microsoft.com/office/drawing/2010/main" val="0"/>
-              </a:ext>
-            </a:extLst>
-          </a:blip>
-          <a:stretch>
-            <a:fillRect/>
-          </a:stretch>
-        </p:blipFill>
-        <p:spPr>
-          <a:xfrm>
-            <a:off x="127160" y="79873"/>
-            <a:ext cx="1285179" cy="924798"/>
-          </a:xfrm>
-          <a:prstGeom prst="rect">
-            <a:avLst/>
-          </a:prstGeom>
-        </p:spPr>
-      </p:pic>
-      <p:pic>
-        <p:nvPicPr>
-          <p:cNvPr id="10" name="Picture 9"/>
-          <p:cNvPicPr>
-            <a:picLocks noChangeAspect="1"/>
-          </p:cNvPicPr>
-          <p:nvPr/>
-        </p:nvPicPr>
-        <p:blipFill>
-          <a:blip r:embed="rId5" cstate="print">
-            <a:extLst>
-              <a:ext uri="{28A0092B-C50C-407E-A947-70E740481C1C}">
-                <a14:useLocalDpi xmlns:a14="http://schemas.microsoft.com/office/drawing/2010/main" val="0"/>
-              </a:ext>
-            </a:extLst>
-          </a:blip>
-          <a:stretch>
-            <a:fillRect/>
-          </a:stretch>
-        </p:blipFill>
-        <p:spPr>
-          <a:xfrm>
-            <a:off x="7837418" y="79872"/>
-            <a:ext cx="1183013" cy="929817"/>
-          </a:xfrm>
-          <a:prstGeom prst="rect">
-            <a:avLst/>
-          </a:prstGeom>
-        </p:spPr>
-      </p:pic>
       <p:sp>
         <p:nvSpPr>
           <p:cNvPr id="2" name="TextBox 1"/>
@@ -11167,7 +9050,7 @@
         </p:nvSpPr>
         <p:spPr>
           <a:xfrm>
-            <a:off x="1539499" y="247191"/>
+            <a:off x="361418" y="247191"/>
             <a:ext cx="4459857" cy="584775"/>
           </a:xfrm>
           <a:prstGeom prst="rect">
@@ -11190,7 +9073,7 @@
                 <a:ea typeface="CMU Serif" panose="02000603000000000000" pitchFamily="2" charset="0"/>
                 <a:cs typeface="CMU Serif" panose="02000603000000000000" pitchFamily="2" charset="0"/>
               </a:rPr>
-              <a:t>Résultats</a:t>
+              <a:t>Validation</a:t>
             </a:r>
             <a:endParaRPr lang="fr-FR" sz="3200" dirty="0">
               <a:solidFill>
@@ -11205,7 +9088,7 @@
       </p:sp>
       <p:sp>
         <p:nvSpPr>
-          <p:cNvPr id="13" name="Rectangle 12"/>
+          <p:cNvPr id="11" name="Rectangle 10"/>
           <p:cNvSpPr/>
           <p:nvPr/>
         </p:nvSpPr>
@@ -11250,7 +9133,7 @@
       </p:sp>
       <p:sp>
         <p:nvSpPr>
-          <p:cNvPr id="14" name="TextBox 13"/>
+          <p:cNvPr id="12" name="TextBox 11"/>
           <p:cNvSpPr txBox="1"/>
           <p:nvPr/>
         </p:nvSpPr>
@@ -11295,6 +9178,606 @@
       </p:sp>
       <p:sp>
         <p:nvSpPr>
+          <p:cNvPr id="13" name="TextBox 12"/>
+          <p:cNvSpPr txBox="1"/>
+          <p:nvPr/>
+        </p:nvSpPr>
+        <p:spPr>
+          <a:xfrm>
+            <a:off x="535853" y="1715386"/>
+            <a:ext cx="8484578" cy="4154984"/>
+          </a:xfrm>
+          <a:prstGeom prst="rect">
+            <a:avLst/>
+          </a:prstGeom>
+          <a:noFill/>
+        </p:spPr>
+        <p:txBody>
+          <a:bodyPr wrap="square" rtlCol="0">
+            <a:spAutoFit/>
+          </a:bodyPr>
+          <a:lstStyle/>
+          <a:p>
+            <a:pPr marL="285750" indent="-285750">
+              <a:buFont typeface="Arial" panose="020B0604020202020204" pitchFamily="34" charset="0"/>
+              <a:buChar char="•"/>
+            </a:pPr>
+            <a:r>
+              <a:rPr lang="fr-FR" sz="2000" b="1" dirty="0" smtClean="0"/>
+              <a:t>Réplication d’un papier du projet SONYC*</a:t>
+            </a:r>
+          </a:p>
+          <a:p>
+            <a:pPr marL="285750" indent="-285750">
+              <a:buFont typeface="Arial" panose="020B0604020202020204" pitchFamily="34" charset="0"/>
+              <a:buChar char="•"/>
+            </a:pPr>
+            <a:endParaRPr lang="fr-FR" sz="2000" b="1" dirty="0" smtClean="0"/>
+          </a:p>
+          <a:p>
+            <a:pPr marL="285750" indent="-285750">
+              <a:buFont typeface="Arial" panose="020B0604020202020204" pitchFamily="34" charset="0"/>
+              <a:buChar char="•"/>
+            </a:pPr>
+            <a:r>
+              <a:rPr lang="fr-FR" sz="2000" b="1" dirty="0" smtClean="0"/>
+              <a:t>Descripteurs</a:t>
+            </a:r>
+          </a:p>
+          <a:p>
+            <a:r>
+              <a:rPr lang="fr-FR" dirty="0"/>
+              <a:t>	</a:t>
+            </a:r>
+            <a:r>
+              <a:rPr lang="fr-FR" dirty="0" smtClean="0"/>
+              <a:t>→ Comparaison bandes </a:t>
+            </a:r>
+            <a:r>
+              <a:rPr lang="fr-FR" dirty="0" err="1" smtClean="0"/>
+              <a:t>tiers-d’octave</a:t>
+            </a:r>
+            <a:r>
+              <a:rPr lang="fr-FR" dirty="0"/>
+              <a:t> </a:t>
+            </a:r>
+            <a:r>
+              <a:rPr lang="fr-FR" dirty="0" smtClean="0"/>
+              <a:t>– bandes Mel</a:t>
+            </a:r>
+          </a:p>
+          <a:p>
+            <a:r>
+              <a:rPr lang="fr-FR" dirty="0"/>
+              <a:t>	</a:t>
+            </a:r>
+            <a:r>
+              <a:rPr lang="fr-FR" dirty="0" smtClean="0"/>
+              <a:t>→ </a:t>
+            </a:r>
+            <a:r>
+              <a:rPr lang="fr-FR" dirty="0" err="1" smtClean="0"/>
+              <a:t>Cepstrogrammes</a:t>
+            </a:r>
+            <a:r>
+              <a:rPr lang="fr-FR" dirty="0" smtClean="0"/>
+              <a:t> (25 coefficients DCT)</a:t>
+            </a:r>
+          </a:p>
+          <a:p>
+            <a:r>
+              <a:rPr lang="fr-FR" dirty="0"/>
+              <a:t>	</a:t>
+            </a:r>
+            <a:r>
+              <a:rPr lang="fr-FR" dirty="0" smtClean="0"/>
+              <a:t>→ Statistiques sur le temps (11 opérateurs)</a:t>
+            </a:r>
+          </a:p>
+          <a:p>
+            <a:endParaRPr lang="fr-FR" dirty="0" smtClean="0"/>
+          </a:p>
+          <a:p>
+            <a:pPr marL="285750" indent="-285750">
+              <a:buFont typeface="Arial" panose="020B0604020202020204" pitchFamily="34" charset="0"/>
+              <a:buChar char="•"/>
+            </a:pPr>
+            <a:r>
+              <a:rPr lang="fr-FR" sz="2000" b="1" dirty="0" err="1" smtClean="0"/>
+              <a:t>Classifieurs</a:t>
+            </a:r>
+            <a:endParaRPr lang="fr-FR" sz="2000" b="1" dirty="0" smtClean="0"/>
+          </a:p>
+          <a:p>
+            <a:r>
+              <a:rPr lang="fr-FR" sz="2000" b="1" dirty="0" smtClean="0"/>
+              <a:t>	</a:t>
+            </a:r>
+            <a:r>
+              <a:rPr lang="fr-FR" dirty="0"/>
+              <a:t>→ Support </a:t>
+            </a:r>
+            <a:r>
+              <a:rPr lang="fr-FR" dirty="0" err="1"/>
+              <a:t>Vector</a:t>
+            </a:r>
+            <a:r>
+              <a:rPr lang="fr-FR" dirty="0"/>
+              <a:t> Machine (C-SVM, noyau RBF)</a:t>
+            </a:r>
+          </a:p>
+          <a:p>
+            <a:r>
+              <a:rPr lang="fr-FR" dirty="0"/>
+              <a:t>	→ </a:t>
+            </a:r>
+            <a:r>
+              <a:rPr lang="fr-FR" dirty="0" err="1"/>
+              <a:t>Decision</a:t>
+            </a:r>
+            <a:r>
+              <a:rPr lang="fr-FR" dirty="0"/>
+              <a:t> </a:t>
+            </a:r>
+            <a:r>
+              <a:rPr lang="fr-FR" dirty="0" err="1"/>
+              <a:t>Tree</a:t>
+            </a:r>
+            <a:endParaRPr lang="fr-FR" dirty="0"/>
+          </a:p>
+          <a:p>
+            <a:r>
+              <a:rPr lang="fr-FR" dirty="0"/>
+              <a:t>	→ </a:t>
+            </a:r>
+            <a:r>
+              <a:rPr lang="fr-FR" dirty="0" err="1"/>
+              <a:t>Random</a:t>
+            </a:r>
+            <a:r>
+              <a:rPr lang="fr-FR" dirty="0"/>
+              <a:t> </a:t>
+            </a:r>
+            <a:r>
+              <a:rPr lang="fr-FR" dirty="0" err="1"/>
+              <a:t>Forests</a:t>
+            </a:r>
+            <a:r>
+              <a:rPr lang="fr-FR" dirty="0"/>
+              <a:t> (500 arbres)</a:t>
+            </a:r>
+          </a:p>
+          <a:p>
+            <a:r>
+              <a:rPr lang="fr-FR" dirty="0"/>
+              <a:t>	→ K-</a:t>
+            </a:r>
+            <a:r>
+              <a:rPr lang="fr-FR" dirty="0" err="1"/>
+              <a:t>Nearest</a:t>
+            </a:r>
+            <a:r>
+              <a:rPr lang="fr-FR" dirty="0"/>
+              <a:t> Neighbors (k = 5)</a:t>
+            </a:r>
+          </a:p>
+          <a:p>
+            <a:endParaRPr lang="fr-FR" dirty="0" smtClean="0"/>
+          </a:p>
+          <a:p>
+            <a:pPr marL="285750" indent="-285750">
+              <a:buFont typeface="Arial" panose="020B0604020202020204" pitchFamily="34" charset="0"/>
+              <a:buChar char="•"/>
+            </a:pPr>
+            <a:r>
+              <a:rPr lang="fr-FR" sz="2000" b="1" dirty="0" smtClean="0"/>
+              <a:t>Base de données : UrbanSound8k</a:t>
+            </a:r>
+          </a:p>
+        </p:txBody>
+      </p:sp>
+      <p:sp>
+        <p:nvSpPr>
+          <p:cNvPr id="3" name="TextBox 2"/>
+          <p:cNvSpPr txBox="1"/>
+          <p:nvPr/>
+        </p:nvSpPr>
+        <p:spPr>
+          <a:xfrm>
+            <a:off x="2739683" y="5966589"/>
+            <a:ext cx="6404317" cy="461665"/>
+          </a:xfrm>
+          <a:prstGeom prst="rect">
+            <a:avLst/>
+          </a:prstGeom>
+          <a:noFill/>
+        </p:spPr>
+        <p:txBody>
+          <a:bodyPr wrap="none" rtlCol="0">
+            <a:spAutoFit/>
+          </a:bodyPr>
+          <a:lstStyle/>
+          <a:p>
+            <a:pPr algn="r"/>
+            <a:r>
+              <a:rPr lang="en-US" sz="1200" dirty="0"/>
+              <a:t>*</a:t>
+            </a:r>
+            <a:r>
+              <a:rPr lang="en-US" sz="1200" dirty="0" smtClean="0"/>
+              <a:t>J</a:t>
+            </a:r>
+            <a:r>
+              <a:rPr lang="en-US" sz="1200" dirty="0"/>
+              <a:t>. </a:t>
+            </a:r>
+            <a:r>
+              <a:rPr lang="en-US" sz="1200" dirty="0" err="1"/>
+              <a:t>Salamon</a:t>
+            </a:r>
+            <a:r>
+              <a:rPr lang="en-US" sz="1200" dirty="0"/>
+              <a:t>, C. Jacoby, and J. Bello. A dataset and taxonomy for urban sound research. </a:t>
+            </a:r>
+            <a:endParaRPr lang="en-US" sz="1200" dirty="0" smtClean="0"/>
+          </a:p>
+          <a:p>
+            <a:pPr algn="r"/>
+            <a:r>
+              <a:rPr lang="en-US" sz="1200" dirty="0" smtClean="0"/>
+              <a:t>In </a:t>
+            </a:r>
+            <a:r>
+              <a:rPr lang="en-US" sz="1200" i="1" dirty="0"/>
+              <a:t>22nd ACM international conference on Multimedia</a:t>
+            </a:r>
+            <a:r>
+              <a:rPr lang="en-US" sz="1200" dirty="0"/>
+              <a:t>, 2014</a:t>
+            </a:r>
+            <a:r>
+              <a:rPr lang="en-US" sz="1200" dirty="0" smtClean="0"/>
+              <a:t>.</a:t>
+            </a:r>
+            <a:endParaRPr lang="en-US" sz="1200" dirty="0"/>
+          </a:p>
+        </p:txBody>
+      </p:sp>
+    </p:spTree>
+    <p:extLst>
+      <p:ext uri="{BB962C8B-B14F-4D97-AF65-F5344CB8AC3E}">
+        <p14:creationId xmlns:p14="http://schemas.microsoft.com/office/powerpoint/2010/main" val="310661730"/>
+      </p:ext>
+    </p:extLst>
+  </p:cSld>
+  <p:clrMapOvr>
+    <a:masterClrMapping/>
+  </p:clrMapOvr>
+  <p:timing>
+    <p:tnLst>
+      <p:par>
+        <p:cTn id="1" dur="indefinite" restart="never" nodeType="tmRoot"/>
+      </p:par>
+    </p:tnLst>
+  </p:timing>
+</p:sld>
+</file>
+
+<file path=ppt/slides/slide17.xml><?xml version="1.0" encoding="utf-8"?>
+<p:sld xmlns:a="http://schemas.openxmlformats.org/drawingml/2006/main" xmlns:r="http://schemas.openxmlformats.org/officeDocument/2006/relationships" xmlns:p="http://schemas.openxmlformats.org/presentationml/2006/main">
+  <p:cSld>
+    <p:spTree>
+      <p:nvGrpSpPr>
+        <p:cNvPr id="1" name=""/>
+        <p:cNvGrpSpPr/>
+        <p:nvPr/>
+      </p:nvGrpSpPr>
+      <p:grpSpPr>
+        <a:xfrm>
+          <a:off x="0" y="0"/>
+          <a:ext cx="0" cy="0"/>
+          <a:chOff x="0" y="0"/>
+          <a:chExt cx="0" cy="0"/>
+        </a:xfrm>
+      </p:grpSpPr>
+      <p:sp>
+        <p:nvSpPr>
+          <p:cNvPr id="4" name="Rectangle 3"/>
+          <p:cNvSpPr/>
+          <p:nvPr/>
+        </p:nvSpPr>
+        <p:spPr>
+          <a:xfrm>
+            <a:off x="0" y="1"/>
+            <a:ext cx="9144000" cy="1079157"/>
+          </a:xfrm>
+          <a:prstGeom prst="rect">
+            <a:avLst/>
+          </a:prstGeom>
+        </p:spPr>
+        <p:style>
+          <a:lnRef idx="2">
+            <a:schemeClr val="dk1">
+              <a:shade val="50000"/>
+            </a:schemeClr>
+          </a:lnRef>
+          <a:fillRef idx="1">
+            <a:schemeClr val="dk1"/>
+          </a:fillRef>
+          <a:effectRef idx="0">
+            <a:schemeClr val="dk1"/>
+          </a:effectRef>
+          <a:fontRef idx="minor">
+            <a:schemeClr val="lt1"/>
+          </a:fontRef>
+        </p:style>
+        <p:txBody>
+          <a:bodyPr rot="0" spcFirstLastPara="0" vertOverflow="overflow" horzOverflow="overflow" vert="horz" wrap="square" lIns="91440" tIns="45720" rIns="91440" bIns="45720" numCol="1" spcCol="0" rtlCol="0" fromWordArt="0" anchor="ctr" anchorCtr="0" forceAA="0" compatLnSpc="1">
+            <a:prstTxWarp prst="textNoShape">
+              <a:avLst/>
+            </a:prstTxWarp>
+            <a:noAutofit/>
+          </a:bodyPr>
+          <a:lstStyle/>
+          <a:p>
+            <a:pPr algn="ctr"/>
+            <a:endParaRPr lang="fr-FR"/>
+          </a:p>
+        </p:txBody>
+      </p:sp>
+      <p:sp>
+        <p:nvSpPr>
+          <p:cNvPr id="5" name="Rectangle 4"/>
+          <p:cNvSpPr/>
+          <p:nvPr/>
+        </p:nvSpPr>
+        <p:spPr>
+          <a:xfrm>
+            <a:off x="0" y="6483178"/>
+            <a:ext cx="9144000" cy="374822"/>
+          </a:xfrm>
+          <a:prstGeom prst="rect">
+            <a:avLst/>
+          </a:prstGeom>
+        </p:spPr>
+        <p:style>
+          <a:lnRef idx="2">
+            <a:schemeClr val="dk1">
+              <a:shade val="50000"/>
+            </a:schemeClr>
+          </a:lnRef>
+          <a:fillRef idx="1">
+            <a:schemeClr val="dk1"/>
+          </a:fillRef>
+          <a:effectRef idx="0">
+            <a:schemeClr val="dk1"/>
+          </a:effectRef>
+          <a:fontRef idx="minor">
+            <a:schemeClr val="lt1"/>
+          </a:fontRef>
+        </p:style>
+        <p:txBody>
+          <a:bodyPr rot="0" spcFirstLastPara="0" vertOverflow="overflow" horzOverflow="overflow" vert="horz" wrap="square" lIns="91440" tIns="45720" rIns="91440" bIns="45720" numCol="1" spcCol="0" rtlCol="0" fromWordArt="0" anchor="ctr" anchorCtr="0" forceAA="0" compatLnSpc="1">
+            <a:prstTxWarp prst="textNoShape">
+              <a:avLst/>
+            </a:prstTxWarp>
+            <a:noAutofit/>
+          </a:bodyPr>
+          <a:lstStyle/>
+          <a:p>
+            <a:pPr algn="ctr"/>
+            <a:endParaRPr lang="fr-FR"/>
+          </a:p>
+        </p:txBody>
+      </p:sp>
+      <p:sp>
+        <p:nvSpPr>
+          <p:cNvPr id="6" name="TextBox 5"/>
+          <p:cNvSpPr txBox="1"/>
+          <p:nvPr/>
+        </p:nvSpPr>
+        <p:spPr>
+          <a:xfrm>
+            <a:off x="0" y="6483178"/>
+            <a:ext cx="4152900" cy="369332"/>
+          </a:xfrm>
+          <a:prstGeom prst="rect">
+            <a:avLst/>
+          </a:prstGeom>
+        </p:spPr>
+        <p:txBody>
+          <a:bodyPr wrap="square" rtlCol="0">
+            <a:spAutoFit/>
+          </a:bodyPr>
+          <a:lstStyle/>
+          <a:p>
+            <a:r>
+              <a:rPr lang="fr-FR" dirty="0">
+                <a:solidFill>
+                  <a:schemeClr val="bg2">
+                    <a:lumMod val="50000"/>
+                  </a:schemeClr>
+                </a:solidFill>
+              </a:rPr>
+              <a:t>Stage de Fin d’Études ESEO - LS2N</a:t>
+            </a:r>
+          </a:p>
+        </p:txBody>
+      </p:sp>
+      <p:sp>
+        <p:nvSpPr>
+          <p:cNvPr id="7" name="TextBox 6"/>
+          <p:cNvSpPr txBox="1"/>
+          <p:nvPr/>
+        </p:nvSpPr>
+        <p:spPr>
+          <a:xfrm>
+            <a:off x="6914009" y="6483178"/>
+            <a:ext cx="2229991" cy="369332"/>
+          </a:xfrm>
+          <a:prstGeom prst="rect">
+            <a:avLst/>
+          </a:prstGeom>
+          <a:noFill/>
+        </p:spPr>
+        <p:txBody>
+          <a:bodyPr wrap="square" rtlCol="0">
+            <a:spAutoFit/>
+          </a:bodyPr>
+          <a:lstStyle/>
+          <a:p>
+            <a:pPr algn="r"/>
+            <a:r>
+              <a:rPr lang="fr-FR" dirty="0" smtClean="0">
+                <a:solidFill>
+                  <a:schemeClr val="bg2">
+                    <a:lumMod val="50000"/>
+                  </a:schemeClr>
+                </a:solidFill>
+              </a:rPr>
+              <a:t>15 septembre 2017</a:t>
+            </a:r>
+            <a:endParaRPr lang="fr-FR" dirty="0">
+              <a:solidFill>
+                <a:schemeClr val="bg2">
+                  <a:lumMod val="50000"/>
+                </a:schemeClr>
+              </a:solidFill>
+            </a:endParaRPr>
+          </a:p>
+        </p:txBody>
+      </p:sp>
+      <p:sp>
+        <p:nvSpPr>
+          <p:cNvPr id="8" name="TextBox 7"/>
+          <p:cNvSpPr txBox="1"/>
+          <p:nvPr/>
+        </p:nvSpPr>
+        <p:spPr>
+          <a:xfrm>
+            <a:off x="3805881" y="6483178"/>
+            <a:ext cx="1532238" cy="369332"/>
+          </a:xfrm>
+          <a:prstGeom prst="rect">
+            <a:avLst/>
+          </a:prstGeom>
+          <a:noFill/>
+        </p:spPr>
+        <p:txBody>
+          <a:bodyPr wrap="square" rtlCol="0">
+            <a:spAutoFit/>
+          </a:bodyPr>
+          <a:lstStyle/>
+          <a:p>
+            <a:pPr algn="ctr"/>
+            <a:r>
+              <a:rPr lang="fr-FR" dirty="0" smtClean="0">
+                <a:solidFill>
+                  <a:schemeClr val="bg1"/>
+                </a:solidFill>
+              </a:rPr>
+              <a:t>17</a:t>
+            </a:r>
+            <a:endParaRPr lang="fr-FR" dirty="0">
+              <a:solidFill>
+                <a:schemeClr val="bg1"/>
+              </a:solidFill>
+            </a:endParaRPr>
+          </a:p>
+        </p:txBody>
+      </p:sp>
+      <p:sp>
+        <p:nvSpPr>
+          <p:cNvPr id="13" name="Rectangle 12"/>
+          <p:cNvSpPr/>
+          <p:nvPr/>
+        </p:nvSpPr>
+        <p:spPr>
+          <a:xfrm>
+            <a:off x="1632" y="1089561"/>
+            <a:ext cx="4717017" cy="454568"/>
+          </a:xfrm>
+          <a:prstGeom prst="rect">
+            <a:avLst/>
+          </a:prstGeom>
+        </p:spPr>
+        <p:style>
+          <a:lnRef idx="2">
+            <a:schemeClr val="dk1">
+              <a:shade val="50000"/>
+            </a:schemeClr>
+          </a:lnRef>
+          <a:fillRef idx="1">
+            <a:schemeClr val="dk1"/>
+          </a:fillRef>
+          <a:effectRef idx="0">
+            <a:schemeClr val="dk1"/>
+          </a:effectRef>
+          <a:fontRef idx="minor">
+            <a:schemeClr val="lt1"/>
+          </a:fontRef>
+        </p:style>
+        <p:txBody>
+          <a:bodyPr rot="0" spcFirstLastPara="0" vertOverflow="overflow" horzOverflow="overflow" vert="horz" wrap="square" lIns="91440" tIns="45720" rIns="91440" bIns="45720" numCol="1" spcCol="0" rtlCol="0" fromWordArt="0" anchor="ctr" anchorCtr="0" forceAA="0" compatLnSpc="1">
+            <a:prstTxWarp prst="textNoShape">
+              <a:avLst/>
+            </a:prstTxWarp>
+            <a:noAutofit/>
+          </a:bodyPr>
+          <a:lstStyle/>
+          <a:p>
+            <a:pPr algn="ctr"/>
+            <a:endParaRPr lang="fr-FR"/>
+          </a:p>
+        </p:txBody>
+      </p:sp>
+      <p:sp>
+        <p:nvSpPr>
+          <p:cNvPr id="14" name="TextBox 13"/>
+          <p:cNvSpPr txBox="1"/>
+          <p:nvPr/>
+        </p:nvSpPr>
+        <p:spPr>
+          <a:xfrm>
+            <a:off x="115523" y="1089561"/>
+            <a:ext cx="4499609" cy="430887"/>
+          </a:xfrm>
+          <a:prstGeom prst="rect">
+            <a:avLst/>
+          </a:prstGeom>
+          <a:noFill/>
+        </p:spPr>
+        <p:txBody>
+          <a:bodyPr wrap="square" rtlCol="0">
+            <a:spAutoFit/>
+          </a:bodyPr>
+          <a:lstStyle/>
+          <a:p>
+            <a:pPr algn="ctr"/>
+            <a:r>
+              <a:rPr lang="fr-FR" sz="2200" dirty="0" smtClean="0">
+                <a:solidFill>
+                  <a:schemeClr val="bg1"/>
+                </a:solidFill>
+                <a:latin typeface="+mj-lt"/>
+                <a:ea typeface="CMU Serif" panose="02000603000000000000" pitchFamily="2" charset="0"/>
+                <a:cs typeface="CMU Serif" panose="02000603000000000000" pitchFamily="2" charset="0"/>
+              </a:rPr>
+              <a:t>Reconnaissance d’évènements</a:t>
+            </a:r>
+            <a:endParaRPr lang="fr-FR" sz="2200" dirty="0">
+              <a:solidFill>
+                <a:schemeClr val="bg1"/>
+              </a:solidFill>
+              <a:latin typeface="+mj-lt"/>
+              <a:ea typeface="CMU Serif" panose="02000603000000000000" pitchFamily="2" charset="0"/>
+              <a:cs typeface="CMU Serif" panose="02000603000000000000" pitchFamily="2" charset="0"/>
+            </a:endParaRPr>
+          </a:p>
+        </p:txBody>
+      </p:sp>
+      <p:sp>
+        <p:nvSpPr>
           <p:cNvPr id="12" name="TextBox 11"/>
           <p:cNvSpPr txBox="1"/>
           <p:nvPr/>
@@ -11302,7 +9785,7 @@
         <p:spPr>
           <a:xfrm>
             <a:off x="535853" y="1870330"/>
-            <a:ext cx="8484578" cy="1323439"/>
+            <a:ext cx="8484578" cy="1446550"/>
           </a:xfrm>
           <a:prstGeom prst="rect">
             <a:avLst/>
@@ -11333,14 +9816,7 @@
               <a:buFont typeface="Arial" panose="020B0604020202020204" pitchFamily="34" charset="0"/>
               <a:buChar char="•"/>
             </a:pPr>
-            <a:r>
-              <a:rPr lang="fr-FR" sz="2000" dirty="0"/>
-              <a:t>Efficacité des Mel et tiers d’octave </a:t>
-            </a:r>
-            <a:r>
-              <a:rPr lang="fr-FR" sz="2000" dirty="0" smtClean="0"/>
-              <a:t>similaires</a:t>
-            </a:r>
+            <a:endParaRPr lang="fr-FR" sz="1400" dirty="0" smtClean="0"/>
           </a:p>
           <a:p>
             <a:pPr marL="342900" indent="-342900">
@@ -11349,19 +9825,32 @@
             </a:pPr>
             <a:r>
               <a:rPr lang="fr-FR" sz="2000" dirty="0"/>
-              <a:t>Possibilité de réduire la résolution temporelle d’analyse sans effet </a:t>
+              <a:t>Efficacité des Mel et tiers d’octave </a:t>
             </a:r>
             <a:r>
               <a:rPr lang="fr-FR" sz="2000" dirty="0" smtClean="0"/>
-              <a:t>majeur </a:t>
-            </a:r>
+              <a:t>similaires</a:t>
+            </a:r>
+          </a:p>
+          <a:p>
+            <a:pPr marL="342900" indent="-342900">
+              <a:buFont typeface="Arial" panose="020B0604020202020204" pitchFamily="34" charset="0"/>
+              <a:buChar char="•"/>
+            </a:pPr>
+            <a:endParaRPr lang="fr-FR" sz="1400" dirty="0" smtClean="0"/>
+          </a:p>
+          <a:p>
+            <a:pPr marL="342900" indent="-342900">
+              <a:buFont typeface="Arial" panose="020B0604020202020204" pitchFamily="34" charset="0"/>
+              <a:buChar char="•"/>
+            </a:pPr>
             <a:r>
               <a:rPr lang="fr-FR" sz="2000" dirty="0"/>
-              <a:t>sur les </a:t>
+              <a:t>Possibilité de réduire la résolution </a:t>
             </a:r>
             <a:r>
               <a:rPr lang="fr-FR" sz="2000" dirty="0" smtClean="0"/>
-              <a:t>performances</a:t>
+              <a:t>temporelle</a:t>
             </a:r>
             <a:endParaRPr lang="fr-FR" sz="2000" dirty="0"/>
           </a:p>
@@ -11376,7 +9865,7 @@
           <p:nvPr/>
         </p:nvPicPr>
         <p:blipFill>
-          <a:blip r:embed="rId6">
+          <a:blip r:embed="rId4">
             <a:extLst>
               <a:ext uri="{28A0092B-C50C-407E-A947-70E740481C1C}">
                 <a14:useLocalDpi xmlns:a14="http://schemas.microsoft.com/office/drawing/2010/main" val="0"/>
@@ -11389,7 +9878,7 @@
         </p:blipFill>
         <p:spPr>
           <a:xfrm>
-            <a:off x="115523" y="4922832"/>
+            <a:off x="279423" y="4922832"/>
             <a:ext cx="5029200" cy="1095375"/>
           </a:xfrm>
           <a:prstGeom prst="rect">
@@ -11419,12 +9908,12 @@
           <a:graphicData uri="http://schemas.openxmlformats.org/presentationml/2006/ole">
             <mc:AlternateContent xmlns:mc="http://schemas.openxmlformats.org/markup-compatibility/2006">
               <mc:Choice xmlns:v="urn:schemas-microsoft-com:vml" Requires="v">
-                <p:oleObj spid="_x0000_s14452" name="Acrobat Document" r:id="rId7" imgW="4000380" imgH="2999976" progId="AcroExch.Document.DC">
+                <p:oleObj spid="_x0000_s14543" name="Acrobat Document" r:id="rId5" imgW="4000380" imgH="2999976" progId="AcroExch.Document.DC">
                   <p:embed/>
                 </p:oleObj>
               </mc:Choice>
               <mc:Fallback>
-                <p:oleObj name="Acrobat Document" r:id="rId7" imgW="4000380" imgH="2999976" progId="AcroExch.Document.DC">
+                <p:oleObj name="Acrobat Document" r:id="rId5" imgW="4000380" imgH="2999976" progId="AcroExch.Document.DC">
                   <p:embed/>
                   <p:pic>
                     <p:nvPicPr>
@@ -11433,7 +9922,7 @@
                       <p:nvPr/>
                     </p:nvPicPr>
                     <p:blipFill>
-                      <a:blip r:embed="rId8"/>
+                      <a:blip r:embed="rId6"/>
                       <a:stretch>
                         <a:fillRect/>
                       </a:stretch>
@@ -11462,7 +9951,7 @@
         </p:nvSpPr>
         <p:spPr>
           <a:xfrm>
-            <a:off x="889903" y="4457861"/>
+            <a:off x="1053803" y="4457861"/>
             <a:ext cx="3480440" cy="461665"/>
           </a:xfrm>
           <a:prstGeom prst="rect">
@@ -11530,7 +10019,6 @@
               <a:rPr lang="fr-FR" sz="1200" dirty="0" smtClean="0"/>
               <a:t>à base tiers d’octave, en fonction du pas de quantification.</a:t>
             </a:r>
-            <a:endParaRPr lang="fr-FR" sz="1200" dirty="0" smtClean="0"/>
           </a:p>
         </p:txBody>
       </p:sp>
@@ -11570,6 +10058,50 @@
           </a:fontRef>
         </p:style>
       </p:cxnSp>
+      <p:sp>
+        <p:nvSpPr>
+          <p:cNvPr id="21" name="TextBox 20"/>
+          <p:cNvSpPr txBox="1"/>
+          <p:nvPr/>
+        </p:nvSpPr>
+        <p:spPr>
+          <a:xfrm>
+            <a:off x="361418" y="247191"/>
+            <a:ext cx="4459857" cy="584775"/>
+          </a:xfrm>
+          <a:prstGeom prst="rect">
+            <a:avLst/>
+          </a:prstGeom>
+          <a:noFill/>
+        </p:spPr>
+        <p:txBody>
+          <a:bodyPr wrap="square" rtlCol="0">
+            <a:spAutoFit/>
+          </a:bodyPr>
+          <a:lstStyle/>
+          <a:p>
+            <a:r>
+              <a:rPr lang="fr-FR" sz="3200" dirty="0" smtClean="0">
+                <a:solidFill>
+                  <a:schemeClr val="bg1"/>
+                </a:solidFill>
+                <a:latin typeface="+mj-lt"/>
+                <a:ea typeface="CMU Serif" panose="02000603000000000000" pitchFamily="2" charset="0"/>
+                <a:cs typeface="CMU Serif" panose="02000603000000000000" pitchFamily="2" charset="0"/>
+              </a:rPr>
+              <a:t>Validation</a:t>
+            </a:r>
+            <a:endParaRPr lang="fr-FR" sz="3200" dirty="0">
+              <a:solidFill>
+                <a:schemeClr val="bg1"/>
+              </a:solidFill>
+              <a:latin typeface="+mj-lt"/>
+              <a:ea typeface="CMU Serif" panose="02000603000000000000" pitchFamily="2" charset="0"/>
+              <a:cs typeface="CMU Serif" panose="02000603000000000000" pitchFamily="2" charset="0"/>
+            </a:endParaRPr>
+          </a:p>
+        </p:txBody>
+      </p:sp>
     </p:spTree>
     <p:extLst>
       <p:ext uri="{BB962C8B-B14F-4D97-AF65-F5344CB8AC3E}">
@@ -11590,30 +10122,9 @@
 </p:sld>
 </file>
 
-<file path=ppt/slides/slide19.xml><?xml version="1.0" encoding="utf-8"?>
+<file path=ppt/slides/slide18.xml><?xml version="1.0" encoding="utf-8"?>
 <p:sld xmlns:a="http://schemas.openxmlformats.org/drawingml/2006/main" xmlns:r="http://schemas.openxmlformats.org/officeDocument/2006/relationships" xmlns:p="http://schemas.openxmlformats.org/presentationml/2006/main">
   <p:cSld>
-    <p:bg>
-      <p:bgPr>
-        <a:gradFill>
-          <a:gsLst>
-            <a:gs pos="100000">
-              <a:schemeClr val="bg2">
-                <a:lumMod val="90000"/>
-              </a:schemeClr>
-            </a:gs>
-            <a:gs pos="55500">
-              <a:srgbClr val="F0F0F0"/>
-            </a:gs>
-            <a:gs pos="11000">
-              <a:schemeClr val="bg1"/>
-            </a:gs>
-          </a:gsLst>
-          <a:lin ang="5400000" scaled="1"/>
-        </a:gradFill>
-        <a:effectLst/>
-      </p:bgPr>
-    </p:bg>
     <p:spTree>
       <p:nvGrpSpPr>
         <p:cNvPr id="1" name=""/>
@@ -11749,13 +10260,6 @@
               </a:rPr>
               <a:t>Stage de Fin d’Études ESEO - LS2N</a:t>
             </a:r>
-            <a:endParaRPr lang="fr-FR" dirty="0">
-              <a:solidFill>
-                <a:schemeClr val="bg2">
-                  <a:lumMod val="50000"/>
-                </a:schemeClr>
-              </a:solidFill>
-            </a:endParaRPr>
           </a:p>
         </p:txBody>
       </p:sp>
@@ -11831,116 +10335,12 @@
                   <a:schemeClr val="bg1"/>
                 </a:solidFill>
               </a:rPr>
-              <a:t>19</a:t>
+              <a:t>18</a:t>
             </a:r>
             <a:endParaRPr lang="fr-FR" dirty="0">
               <a:solidFill>
                 <a:schemeClr val="bg1"/>
               </a:solidFill>
-            </a:endParaRPr>
-          </a:p>
-        </p:txBody>
-      </p:sp>
-      <p:pic>
-        <p:nvPicPr>
-          <p:cNvPr id="9" name="Picture 8"/>
-          <p:cNvPicPr>
-            <a:picLocks noChangeAspect="1"/>
-          </p:cNvPicPr>
-          <p:nvPr/>
-        </p:nvPicPr>
-        <p:blipFill>
-          <a:blip r:embed="rId4" cstate="print">
-            <a:extLst>
-              <a:ext uri="{28A0092B-C50C-407E-A947-70E740481C1C}">
-                <a14:useLocalDpi xmlns:a14="http://schemas.microsoft.com/office/drawing/2010/main" val="0"/>
-              </a:ext>
-            </a:extLst>
-          </a:blip>
-          <a:stretch>
-            <a:fillRect/>
-          </a:stretch>
-        </p:blipFill>
-        <p:spPr>
-          <a:xfrm>
-            <a:off x="127160" y="79873"/>
-            <a:ext cx="1285179" cy="924798"/>
-          </a:xfrm>
-          <a:prstGeom prst="rect">
-            <a:avLst/>
-          </a:prstGeom>
-        </p:spPr>
-      </p:pic>
-      <p:pic>
-        <p:nvPicPr>
-          <p:cNvPr id="10" name="Picture 9"/>
-          <p:cNvPicPr>
-            <a:picLocks noChangeAspect="1"/>
-          </p:cNvPicPr>
-          <p:nvPr/>
-        </p:nvPicPr>
-        <p:blipFill>
-          <a:blip r:embed="rId5" cstate="print">
-            <a:extLst>
-              <a:ext uri="{28A0092B-C50C-407E-A947-70E740481C1C}">
-                <a14:useLocalDpi xmlns:a14="http://schemas.microsoft.com/office/drawing/2010/main" val="0"/>
-              </a:ext>
-            </a:extLst>
-          </a:blip>
-          <a:stretch>
-            <a:fillRect/>
-          </a:stretch>
-        </p:blipFill>
-        <p:spPr>
-          <a:xfrm>
-            <a:off x="7837418" y="79872"/>
-            <a:ext cx="1183013" cy="929817"/>
-          </a:xfrm>
-          <a:prstGeom prst="rect">
-            <a:avLst/>
-          </a:prstGeom>
-        </p:spPr>
-      </p:pic>
-      <p:sp>
-        <p:nvSpPr>
-          <p:cNvPr id="2" name="TextBox 1"/>
-          <p:cNvSpPr txBox="1"/>
-          <p:nvPr/>
-        </p:nvSpPr>
-        <p:spPr>
-          <a:xfrm>
-            <a:off x="1539499" y="247191"/>
-            <a:ext cx="4459857" cy="584775"/>
-          </a:xfrm>
-          <a:prstGeom prst="rect">
-            <a:avLst/>
-          </a:prstGeom>
-          <a:noFill/>
-        </p:spPr>
-        <p:txBody>
-          <a:bodyPr wrap="square" rtlCol="0">
-            <a:spAutoFit/>
-          </a:bodyPr>
-          <a:lstStyle/>
-          <a:p>
-            <a:r>
-              <a:rPr lang="fr-FR" sz="3200" dirty="0" smtClean="0">
-                <a:solidFill>
-                  <a:schemeClr val="bg1"/>
-                </a:solidFill>
-                <a:latin typeface="+mj-lt"/>
-                <a:ea typeface="CMU Serif" panose="02000603000000000000" pitchFamily="2" charset="0"/>
-                <a:cs typeface="CMU Serif" panose="02000603000000000000" pitchFamily="2" charset="0"/>
-              </a:rPr>
-              <a:t>Résultats</a:t>
-            </a:r>
-            <a:endParaRPr lang="fr-FR" sz="3200" dirty="0">
-              <a:solidFill>
-                <a:schemeClr val="bg1"/>
-              </a:solidFill>
-              <a:latin typeface="+mj-lt"/>
-              <a:ea typeface="CMU Serif" panose="02000603000000000000" pitchFamily="2" charset="0"/>
-              <a:cs typeface="CMU Serif" panose="02000603000000000000" pitchFamily="2" charset="0"/>
             </a:endParaRPr>
           </a:p>
         </p:txBody>
@@ -12057,12 +10457,12 @@
           <a:graphicData uri="http://schemas.openxmlformats.org/presentationml/2006/ole">
             <mc:AlternateContent xmlns:mc="http://schemas.openxmlformats.org/markup-compatibility/2006">
               <mc:Choice xmlns:v="urn:schemas-microsoft-com:vml" Requires="v">
-                <p:oleObj spid="_x0000_s15578" name="Acrobat Document" r:id="rId6" imgW="4000380" imgH="2999976" progId="AcroExch.Document.DC">
+                <p:oleObj spid="_x0000_s15760" name="Acrobat Document" r:id="rId4" imgW="4000380" imgH="2999976" progId="AcroExch.Document.DC">
                   <p:embed/>
                 </p:oleObj>
               </mc:Choice>
               <mc:Fallback>
-                <p:oleObj name="Acrobat Document" r:id="rId6" imgW="4000380" imgH="2999976" progId="AcroExch.Document.DC">
+                <p:oleObj name="Acrobat Document" r:id="rId4" imgW="4000380" imgH="2999976" progId="AcroExch.Document.DC">
                   <p:embed/>
                   <p:pic>
                     <p:nvPicPr>
@@ -12071,7 +10471,7 @@
                       <p:nvPr/>
                     </p:nvPicPr>
                     <p:blipFill>
-                      <a:blip r:embed="rId7"/>
+                      <a:blip r:embed="rId5"/>
                       <a:stretch>
                         <a:fillRect/>
                       </a:stretch>
@@ -12114,12 +10514,12 @@
           <a:graphicData uri="http://schemas.openxmlformats.org/presentationml/2006/ole">
             <mc:AlternateContent xmlns:mc="http://schemas.openxmlformats.org/markup-compatibility/2006">
               <mc:Choice xmlns:v="urn:schemas-microsoft-com:vml" Requires="v">
-                <p:oleObj spid="_x0000_s15579" name="Acrobat Document" r:id="rId8" imgW="4000380" imgH="2999976" progId="AcroExch.Document.DC">
+                <p:oleObj spid="_x0000_s15761" name="Acrobat Document" r:id="rId6" imgW="4000380" imgH="2999976" progId="AcroExch.Document.DC">
                   <p:embed/>
                 </p:oleObj>
               </mc:Choice>
               <mc:Fallback>
-                <p:oleObj name="Acrobat Document" r:id="rId8" imgW="4000380" imgH="2999976" progId="AcroExch.Document.DC">
+                <p:oleObj name="Acrobat Document" r:id="rId6" imgW="4000380" imgH="2999976" progId="AcroExch.Document.DC">
                   <p:embed/>
                   <p:pic>
                     <p:nvPicPr>
@@ -12128,7 +10528,7 @@
                       <p:nvPr/>
                     </p:nvPicPr>
                     <p:blipFill>
-                      <a:blip r:embed="rId9"/>
+                      <a:blip r:embed="rId7"/>
                       <a:stretch>
                         <a:fillRect/>
                       </a:stretch>
@@ -12158,7 +10558,7 @@
         <p:spPr>
           <a:xfrm>
             <a:off x="535853" y="1870330"/>
-            <a:ext cx="8484578" cy="707886"/>
+            <a:ext cx="8484578" cy="923330"/>
           </a:xfrm>
           <a:prstGeom prst="rect">
             <a:avLst/>
@@ -12177,7 +10577,11 @@
             </a:pPr>
             <a:r>
               <a:rPr lang="fr-FR" sz="2000" dirty="0" smtClean="0"/>
-              <a:t>Relation simple entre débit et dimensions de l’analyse</a:t>
+              <a:t>Relation simple entre débit et dimensions de </a:t>
+            </a:r>
+            <a:r>
+              <a:rPr lang="fr-FR" sz="2000" dirty="0" smtClean="0"/>
+              <a:t>l’analyse</a:t>
             </a:r>
           </a:p>
           <a:p>
@@ -12185,6 +10589,13 @@
               <a:buFont typeface="Arial" panose="020B0604020202020204" pitchFamily="34" charset="0"/>
               <a:buChar char="•"/>
             </a:pPr>
+            <a:endParaRPr lang="fr-FR" sz="1400" dirty="0" smtClean="0"/>
+          </a:p>
+          <a:p>
+            <a:pPr marL="342900" indent="-342900">
+              <a:buFont typeface="Arial" panose="020B0604020202020204" pitchFamily="34" charset="0"/>
+              <a:buChar char="•"/>
+            </a:pPr>
             <a:r>
               <a:rPr lang="fr-FR" sz="2000" dirty="0" smtClean="0"/>
               <a:t>Débit acceptable (&lt;1.5 kbps) jusqu’à 8 fenêtres par seconde</a:t>
@@ -12249,6 +10660,50 @@
               <a:rPr lang="fr-FR" sz="1200" dirty="0" smtClean="0"/>
               <a:t>Débit de sortie en fonction du pas de quantification.</a:t>
             </a:r>
+          </a:p>
+        </p:txBody>
+      </p:sp>
+      <p:sp>
+        <p:nvSpPr>
+          <p:cNvPr id="20" name="TextBox 19"/>
+          <p:cNvSpPr txBox="1"/>
+          <p:nvPr/>
+        </p:nvSpPr>
+        <p:spPr>
+          <a:xfrm>
+            <a:off x="361418" y="247191"/>
+            <a:ext cx="4459857" cy="584775"/>
+          </a:xfrm>
+          <a:prstGeom prst="rect">
+            <a:avLst/>
+          </a:prstGeom>
+          <a:noFill/>
+        </p:spPr>
+        <p:txBody>
+          <a:bodyPr wrap="square" rtlCol="0">
+            <a:spAutoFit/>
+          </a:bodyPr>
+          <a:lstStyle/>
+          <a:p>
+            <a:r>
+              <a:rPr lang="fr-FR" sz="3200" dirty="0" smtClean="0">
+                <a:solidFill>
+                  <a:schemeClr val="bg1"/>
+                </a:solidFill>
+                <a:latin typeface="+mj-lt"/>
+                <a:ea typeface="CMU Serif" panose="02000603000000000000" pitchFamily="2" charset="0"/>
+                <a:cs typeface="CMU Serif" panose="02000603000000000000" pitchFamily="2" charset="0"/>
+              </a:rPr>
+              <a:t>Validation</a:t>
+            </a:r>
+            <a:endParaRPr lang="fr-FR" sz="3200" dirty="0">
+              <a:solidFill>
+                <a:schemeClr val="bg1"/>
+              </a:solidFill>
+              <a:latin typeface="+mj-lt"/>
+              <a:ea typeface="CMU Serif" panose="02000603000000000000" pitchFamily="2" charset="0"/>
+              <a:cs typeface="CMU Serif" panose="02000603000000000000" pitchFamily="2" charset="0"/>
+            </a:endParaRPr>
           </a:p>
         </p:txBody>
       </p:sp>
@@ -12272,30 +10727,9 @@
 </p:sld>
 </file>
 
-<file path=ppt/slides/slide2.xml><?xml version="1.0" encoding="utf-8"?>
+<file path=ppt/slides/slide19.xml><?xml version="1.0" encoding="utf-8"?>
 <p:sld xmlns:a="http://schemas.openxmlformats.org/drawingml/2006/main" xmlns:r="http://schemas.openxmlformats.org/officeDocument/2006/relationships" xmlns:p="http://schemas.openxmlformats.org/presentationml/2006/main">
   <p:cSld>
-    <p:bg>
-      <p:bgPr>
-        <a:gradFill>
-          <a:gsLst>
-            <a:gs pos="100000">
-              <a:schemeClr val="bg2">
-                <a:lumMod val="90000"/>
-              </a:schemeClr>
-            </a:gs>
-            <a:gs pos="55500">
-              <a:srgbClr val="F0F0F0"/>
-            </a:gs>
-            <a:gs pos="11000">
-              <a:schemeClr val="bg1"/>
-            </a:gs>
-          </a:gsLst>
-          <a:lin ang="5400000" scaled="1"/>
-        </a:gradFill>
-        <a:effectLst/>
-      </p:bgPr>
-    </p:bg>
     <p:spTree>
       <p:nvGrpSpPr>
         <p:cNvPr id="1" name=""/>
@@ -12431,13 +10865,6 @@
               </a:rPr>
               <a:t>Stage de Fin d’Études ESEO - LS2N</a:t>
             </a:r>
-            <a:endParaRPr lang="fr-FR" dirty="0">
-              <a:solidFill>
-                <a:schemeClr val="bg2">
-                  <a:lumMod val="50000"/>
-                </a:schemeClr>
-              </a:solidFill>
-            </a:endParaRPr>
           </a:p>
         </p:txBody>
       </p:sp>
@@ -12513,7 +10940,7 @@
                   <a:schemeClr val="bg1"/>
                 </a:solidFill>
               </a:rPr>
-              <a:t>2</a:t>
+              <a:t>19</a:t>
             </a:r>
             <a:endParaRPr lang="fr-FR" dirty="0">
               <a:solidFill>
@@ -12523,66 +10950,6 @@
           </a:p>
         </p:txBody>
       </p:sp>
-      <p:pic>
-        <p:nvPicPr>
-          <p:cNvPr id="9" name="Picture 8"/>
-          <p:cNvPicPr>
-            <a:picLocks noChangeAspect="1"/>
-          </p:cNvPicPr>
-          <p:nvPr/>
-        </p:nvPicPr>
-        <p:blipFill>
-          <a:blip r:embed="rId3" cstate="print">
-            <a:extLst>
-              <a:ext uri="{28A0092B-C50C-407E-A947-70E740481C1C}">
-                <a14:useLocalDpi xmlns:a14="http://schemas.microsoft.com/office/drawing/2010/main" val="0"/>
-              </a:ext>
-            </a:extLst>
-          </a:blip>
-          <a:stretch>
-            <a:fillRect/>
-          </a:stretch>
-        </p:blipFill>
-        <p:spPr>
-          <a:xfrm>
-            <a:off x="127160" y="79873"/>
-            <a:ext cx="1285179" cy="924798"/>
-          </a:xfrm>
-          <a:prstGeom prst="rect">
-            <a:avLst/>
-          </a:prstGeom>
-        </p:spPr>
-      </p:pic>
-      <p:pic>
-        <p:nvPicPr>
-          <p:cNvPr id="10" name="Picture 9"/>
-          <p:cNvPicPr>
-            <a:picLocks noChangeAspect="1"/>
-          </p:cNvPicPr>
-          <p:nvPr/>
-        </p:nvPicPr>
-        <p:blipFill>
-          <a:blip r:embed="rId4" cstate="print">
-            <a:extLst>
-              <a:ext uri="{28A0092B-C50C-407E-A947-70E740481C1C}">
-                <a14:useLocalDpi xmlns:a14="http://schemas.microsoft.com/office/drawing/2010/main" val="0"/>
-              </a:ext>
-            </a:extLst>
-          </a:blip>
-          <a:stretch>
-            <a:fillRect/>
-          </a:stretch>
-        </p:blipFill>
-        <p:spPr>
-          <a:xfrm>
-            <a:off x="7837418" y="79872"/>
-            <a:ext cx="1183013" cy="929817"/>
-          </a:xfrm>
-          <a:prstGeom prst="rect">
-            <a:avLst/>
-          </a:prstGeom>
-        </p:spPr>
-      </p:pic>
       <p:sp>
         <p:nvSpPr>
           <p:cNvPr id="2" name="TextBox 1"/>
@@ -12591,7 +10958,542 @@
         </p:nvSpPr>
         <p:spPr>
           <a:xfrm>
-            <a:off x="1539499" y="247191"/>
+            <a:off x="361418" y="247191"/>
+            <a:ext cx="4459857" cy="584775"/>
+          </a:xfrm>
+          <a:prstGeom prst="rect">
+            <a:avLst/>
+          </a:prstGeom>
+          <a:noFill/>
+        </p:spPr>
+        <p:txBody>
+          <a:bodyPr wrap="square" rtlCol="0">
+            <a:spAutoFit/>
+          </a:bodyPr>
+          <a:lstStyle/>
+          <a:p>
+            <a:r>
+              <a:rPr lang="fr-FR" sz="3200" dirty="0" smtClean="0">
+                <a:solidFill>
+                  <a:schemeClr val="bg1"/>
+                </a:solidFill>
+                <a:latin typeface="+mj-lt"/>
+                <a:ea typeface="CMU Serif" panose="02000603000000000000" pitchFamily="2" charset="0"/>
+                <a:cs typeface="CMU Serif" panose="02000603000000000000" pitchFamily="2" charset="0"/>
+              </a:rPr>
+              <a:t>Validation</a:t>
+            </a:r>
+            <a:endParaRPr lang="fr-FR" sz="3200" dirty="0">
+              <a:solidFill>
+                <a:schemeClr val="bg1"/>
+              </a:solidFill>
+              <a:latin typeface="+mj-lt"/>
+              <a:ea typeface="CMU Serif" panose="02000603000000000000" pitchFamily="2" charset="0"/>
+              <a:cs typeface="CMU Serif" panose="02000603000000000000" pitchFamily="2" charset="0"/>
+            </a:endParaRPr>
+          </a:p>
+        </p:txBody>
+      </p:sp>
+      <p:sp>
+        <p:nvSpPr>
+          <p:cNvPr id="11" name="Rectangle 10"/>
+          <p:cNvSpPr/>
+          <p:nvPr/>
+        </p:nvSpPr>
+        <p:spPr>
+          <a:xfrm>
+            <a:off x="1632" y="1089561"/>
+            <a:ext cx="2284367" cy="454568"/>
+          </a:xfrm>
+          <a:prstGeom prst="rect">
+            <a:avLst/>
+          </a:prstGeom>
+        </p:spPr>
+        <p:style>
+          <a:lnRef idx="2">
+            <a:schemeClr val="dk1">
+              <a:shade val="50000"/>
+            </a:schemeClr>
+          </a:lnRef>
+          <a:fillRef idx="1">
+            <a:schemeClr val="dk1"/>
+          </a:fillRef>
+          <a:effectRef idx="0">
+            <a:schemeClr val="dk1"/>
+          </a:effectRef>
+          <a:fontRef idx="minor">
+            <a:schemeClr val="lt1"/>
+          </a:fontRef>
+        </p:style>
+        <p:txBody>
+          <a:bodyPr rot="0" spcFirstLastPara="0" vertOverflow="overflow" horzOverflow="overflow" vert="horz" wrap="square" lIns="91440" tIns="45720" rIns="91440" bIns="45720" numCol="1" spcCol="0" rtlCol="0" fromWordArt="0" anchor="ctr" anchorCtr="0" forceAA="0" compatLnSpc="1">
+            <a:prstTxWarp prst="textNoShape">
+              <a:avLst/>
+            </a:prstTxWarp>
+            <a:noAutofit/>
+          </a:bodyPr>
+          <a:lstStyle/>
+          <a:p>
+            <a:pPr algn="ctr"/>
+            <a:endParaRPr lang="fr-FR"/>
+          </a:p>
+        </p:txBody>
+      </p:sp>
+      <p:sp>
+        <p:nvSpPr>
+          <p:cNvPr id="12" name="TextBox 11"/>
+          <p:cNvSpPr txBox="1"/>
+          <p:nvPr/>
+        </p:nvSpPr>
+        <p:spPr>
+          <a:xfrm>
+            <a:off x="115524" y="1089561"/>
+            <a:ext cx="2066960" cy="430887"/>
+          </a:xfrm>
+          <a:prstGeom prst="rect">
+            <a:avLst/>
+          </a:prstGeom>
+          <a:noFill/>
+        </p:spPr>
+        <p:txBody>
+          <a:bodyPr wrap="square" rtlCol="0">
+            <a:spAutoFit/>
+          </a:bodyPr>
+          <a:lstStyle/>
+          <a:p>
+            <a:pPr algn="ctr"/>
+            <a:r>
+              <a:rPr lang="fr-FR" sz="2200" dirty="0" smtClean="0">
+                <a:solidFill>
+                  <a:schemeClr val="bg1"/>
+                </a:solidFill>
+                <a:latin typeface="+mj-lt"/>
+                <a:ea typeface="CMU Serif" panose="02000603000000000000" pitchFamily="2" charset="0"/>
+                <a:cs typeface="CMU Serif" panose="02000603000000000000" pitchFamily="2" charset="0"/>
+              </a:rPr>
+              <a:t>Intelligibilité</a:t>
+            </a:r>
+            <a:endParaRPr lang="fr-FR" sz="2200" dirty="0">
+              <a:solidFill>
+                <a:schemeClr val="bg1"/>
+              </a:solidFill>
+              <a:latin typeface="+mj-lt"/>
+              <a:ea typeface="CMU Serif" panose="02000603000000000000" pitchFamily="2" charset="0"/>
+              <a:cs typeface="CMU Serif" panose="02000603000000000000" pitchFamily="2" charset="0"/>
+            </a:endParaRPr>
+          </a:p>
+        </p:txBody>
+      </p:sp>
+      <p:sp>
+        <p:nvSpPr>
+          <p:cNvPr id="13" name="TextBox 12"/>
+          <p:cNvSpPr txBox="1"/>
+          <p:nvPr/>
+        </p:nvSpPr>
+        <p:spPr>
+          <a:xfrm>
+            <a:off x="535853" y="2120827"/>
+            <a:ext cx="8484578" cy="3508653"/>
+          </a:xfrm>
+          <a:prstGeom prst="rect">
+            <a:avLst/>
+          </a:prstGeom>
+          <a:noFill/>
+        </p:spPr>
+        <p:txBody>
+          <a:bodyPr wrap="square" rtlCol="0">
+            <a:spAutoFit/>
+          </a:bodyPr>
+          <a:lstStyle/>
+          <a:p>
+            <a:pPr marL="285750" indent="-285750">
+              <a:buFont typeface="Arial" panose="020B0604020202020204" pitchFamily="34" charset="0"/>
+              <a:buChar char="•"/>
+            </a:pPr>
+            <a:r>
+              <a:rPr lang="fr-FR" sz="2000" b="1" dirty="0" smtClean="0"/>
+              <a:t>Indicateurs objectifs: CSII et </a:t>
+            </a:r>
+            <a:r>
+              <a:rPr lang="fr-FR" sz="2000" b="1" dirty="0" err="1" smtClean="0"/>
+              <a:t>fwSNRseg</a:t>
+            </a:r>
+            <a:endParaRPr lang="fr-FR" sz="2000" b="1" dirty="0" smtClean="0"/>
+          </a:p>
+          <a:p>
+            <a:r>
+              <a:rPr lang="fr-FR" dirty="0"/>
+              <a:t>	</a:t>
+            </a:r>
+            <a:r>
+              <a:rPr lang="fr-FR" dirty="0" smtClean="0"/>
+              <a:t>→ Comparaison signal original – signal décodé</a:t>
+            </a:r>
+          </a:p>
+          <a:p>
+            <a:r>
+              <a:rPr lang="fr-FR" dirty="0"/>
+              <a:t>	</a:t>
+            </a:r>
+            <a:r>
+              <a:rPr lang="fr-FR" dirty="0" smtClean="0"/>
+              <a:t>→ Utilisation des spectrogrammes</a:t>
+            </a:r>
+          </a:p>
+          <a:p>
+            <a:r>
+              <a:rPr lang="fr-FR" dirty="0"/>
+              <a:t>	</a:t>
+            </a:r>
+            <a:r>
+              <a:rPr lang="fr-FR" dirty="0" smtClean="0"/>
+              <a:t>→ Corrélation démontrée avec l’intelligibilité subjective</a:t>
+            </a:r>
+          </a:p>
+          <a:p>
+            <a:r>
+              <a:rPr lang="fr-FR" dirty="0"/>
+              <a:t>	</a:t>
+            </a:r>
+            <a:r>
+              <a:rPr lang="fr-FR" dirty="0" smtClean="0"/>
+              <a:t>→ Uniquement testé pour de faibles distorsions</a:t>
+            </a:r>
+          </a:p>
+          <a:p>
+            <a:endParaRPr lang="fr-FR" dirty="0" smtClean="0"/>
+          </a:p>
+          <a:p>
+            <a:pPr marL="285750" indent="-285750">
+              <a:buFont typeface="Arial" panose="020B0604020202020204" pitchFamily="34" charset="0"/>
+              <a:buChar char="•"/>
+            </a:pPr>
+            <a:r>
+              <a:rPr lang="fr-FR" sz="2000" b="1" dirty="0" smtClean="0"/>
+              <a:t>Test perceptif</a:t>
+            </a:r>
+          </a:p>
+          <a:p>
+            <a:r>
+              <a:rPr lang="fr-FR" sz="2000" b="1" dirty="0" smtClean="0"/>
+              <a:t>	</a:t>
+            </a:r>
+            <a:r>
+              <a:rPr lang="fr-FR" dirty="0" smtClean="0"/>
+              <a:t>→ 12 participants, 18 phrases avec différents paramètres d’encodage</a:t>
+            </a:r>
+          </a:p>
+          <a:p>
+            <a:r>
+              <a:rPr lang="fr-FR" dirty="0"/>
+              <a:t>	</a:t>
+            </a:r>
+            <a:r>
+              <a:rPr lang="fr-FR" dirty="0" smtClean="0"/>
+              <a:t>→ </a:t>
+            </a:r>
+            <a:r>
+              <a:rPr lang="fr-FR" dirty="0" err="1" smtClean="0"/>
+              <a:t>Intelligibility</a:t>
+            </a:r>
+            <a:r>
+              <a:rPr lang="fr-FR" dirty="0" smtClean="0"/>
+              <a:t> Ratio (IR)</a:t>
+            </a:r>
+          </a:p>
+          <a:p>
+            <a:r>
+              <a:rPr lang="fr-FR" dirty="0"/>
+              <a:t>	</a:t>
+            </a:r>
+            <a:r>
+              <a:rPr lang="fr-FR" dirty="0" smtClean="0"/>
+              <a:t>→ </a:t>
+            </a:r>
+            <a:r>
+              <a:rPr lang="fr-FR" dirty="0" err="1" smtClean="0"/>
+              <a:t>Average</a:t>
+            </a:r>
+            <a:r>
+              <a:rPr lang="fr-FR" dirty="0" smtClean="0"/>
+              <a:t> </a:t>
+            </a:r>
+            <a:r>
+              <a:rPr lang="fr-FR" dirty="0" err="1" smtClean="0"/>
+              <a:t>Intelligibility</a:t>
+            </a:r>
+            <a:r>
+              <a:rPr lang="fr-FR" dirty="0" smtClean="0"/>
+              <a:t> Score (AIS)</a:t>
+            </a:r>
+          </a:p>
+          <a:p>
+            <a:endParaRPr lang="fr-FR" dirty="0"/>
+          </a:p>
+          <a:p>
+            <a:pPr marL="342900" indent="-342900">
+              <a:buFont typeface="Arial" panose="020B0604020202020204" pitchFamily="34" charset="0"/>
+              <a:buChar char="•"/>
+            </a:pPr>
+            <a:r>
+              <a:rPr lang="fr-FR" sz="2000" b="1" dirty="0" smtClean="0"/>
+              <a:t>Base de données de voix</a:t>
+            </a:r>
+          </a:p>
+        </p:txBody>
+      </p:sp>
+    </p:spTree>
+    <p:extLst>
+      <p:ext uri="{BB962C8B-B14F-4D97-AF65-F5344CB8AC3E}">
+        <p14:creationId xmlns:p14="http://schemas.microsoft.com/office/powerpoint/2010/main" val="1067981477"/>
+      </p:ext>
+    </p:extLst>
+  </p:cSld>
+  <p:clrMapOvr>
+    <a:masterClrMapping/>
+  </p:clrMapOvr>
+  <p:timing>
+    <p:tnLst>
+      <p:par>
+        <p:cTn id="1" dur="indefinite" restart="never" nodeType="tmRoot"/>
+      </p:par>
+    </p:tnLst>
+  </p:timing>
+</p:sld>
+</file>
+
+<file path=ppt/slides/slide2.xml><?xml version="1.0" encoding="utf-8"?>
+<p:sld xmlns:a="http://schemas.openxmlformats.org/drawingml/2006/main" xmlns:r="http://schemas.openxmlformats.org/officeDocument/2006/relationships" xmlns:p="http://schemas.openxmlformats.org/presentationml/2006/main">
+  <p:cSld>
+    <p:spTree>
+      <p:nvGrpSpPr>
+        <p:cNvPr id="1" name=""/>
+        <p:cNvGrpSpPr/>
+        <p:nvPr/>
+      </p:nvGrpSpPr>
+      <p:grpSpPr>
+        <a:xfrm>
+          <a:off x="0" y="0"/>
+          <a:ext cx="0" cy="0"/>
+          <a:chOff x="0" y="0"/>
+          <a:chExt cx="0" cy="0"/>
+        </a:xfrm>
+      </p:grpSpPr>
+      <p:sp>
+        <p:nvSpPr>
+          <p:cNvPr id="4" name="Rectangle 3"/>
+          <p:cNvSpPr/>
+          <p:nvPr/>
+        </p:nvSpPr>
+        <p:spPr>
+          <a:xfrm>
+            <a:off x="0" y="1"/>
+            <a:ext cx="9144000" cy="1079157"/>
+          </a:xfrm>
+          <a:prstGeom prst="rect">
+            <a:avLst/>
+          </a:prstGeom>
+        </p:spPr>
+        <p:style>
+          <a:lnRef idx="2">
+            <a:schemeClr val="dk1">
+              <a:shade val="50000"/>
+            </a:schemeClr>
+          </a:lnRef>
+          <a:fillRef idx="1">
+            <a:schemeClr val="dk1"/>
+          </a:fillRef>
+          <a:effectRef idx="0">
+            <a:schemeClr val="dk1"/>
+          </a:effectRef>
+          <a:fontRef idx="minor">
+            <a:schemeClr val="lt1"/>
+          </a:fontRef>
+        </p:style>
+        <p:txBody>
+          <a:bodyPr rot="0" spcFirstLastPara="0" vertOverflow="overflow" horzOverflow="overflow" vert="horz" wrap="square" lIns="91440" tIns="45720" rIns="91440" bIns="45720" numCol="1" spcCol="0" rtlCol="0" fromWordArt="0" anchor="ctr" anchorCtr="0" forceAA="0" compatLnSpc="1">
+            <a:prstTxWarp prst="textNoShape">
+              <a:avLst/>
+            </a:prstTxWarp>
+            <a:noAutofit/>
+          </a:bodyPr>
+          <a:lstStyle/>
+          <a:p>
+            <a:pPr algn="ctr"/>
+            <a:endParaRPr lang="fr-FR"/>
+          </a:p>
+        </p:txBody>
+      </p:sp>
+      <p:sp>
+        <p:nvSpPr>
+          <p:cNvPr id="5" name="Rectangle 4"/>
+          <p:cNvSpPr/>
+          <p:nvPr/>
+        </p:nvSpPr>
+        <p:spPr>
+          <a:xfrm>
+            <a:off x="0" y="6483178"/>
+            <a:ext cx="9144000" cy="374822"/>
+          </a:xfrm>
+          <a:prstGeom prst="rect">
+            <a:avLst/>
+          </a:prstGeom>
+        </p:spPr>
+        <p:style>
+          <a:lnRef idx="2">
+            <a:schemeClr val="dk1">
+              <a:shade val="50000"/>
+            </a:schemeClr>
+          </a:lnRef>
+          <a:fillRef idx="1">
+            <a:schemeClr val="dk1"/>
+          </a:fillRef>
+          <a:effectRef idx="0">
+            <a:schemeClr val="dk1"/>
+          </a:effectRef>
+          <a:fontRef idx="minor">
+            <a:schemeClr val="lt1"/>
+          </a:fontRef>
+        </p:style>
+        <p:txBody>
+          <a:bodyPr rot="0" spcFirstLastPara="0" vertOverflow="overflow" horzOverflow="overflow" vert="horz" wrap="square" lIns="91440" tIns="45720" rIns="91440" bIns="45720" numCol="1" spcCol="0" rtlCol="0" fromWordArt="0" anchor="ctr" anchorCtr="0" forceAA="0" compatLnSpc="1">
+            <a:prstTxWarp prst="textNoShape">
+              <a:avLst/>
+            </a:prstTxWarp>
+            <a:noAutofit/>
+          </a:bodyPr>
+          <a:lstStyle/>
+          <a:p>
+            <a:pPr algn="ctr"/>
+            <a:endParaRPr lang="fr-FR"/>
+          </a:p>
+        </p:txBody>
+      </p:sp>
+      <p:sp>
+        <p:nvSpPr>
+          <p:cNvPr id="6" name="TextBox 5"/>
+          <p:cNvSpPr txBox="1"/>
+          <p:nvPr/>
+        </p:nvSpPr>
+        <p:spPr>
+          <a:xfrm>
+            <a:off x="0" y="6483178"/>
+            <a:ext cx="4152900" cy="369332"/>
+          </a:xfrm>
+          <a:prstGeom prst="rect">
+            <a:avLst/>
+          </a:prstGeom>
+        </p:spPr>
+        <p:txBody>
+          <a:bodyPr wrap="square" rtlCol="0">
+            <a:spAutoFit/>
+          </a:bodyPr>
+          <a:lstStyle/>
+          <a:p>
+            <a:r>
+              <a:rPr lang="fr-FR" dirty="0">
+                <a:solidFill>
+                  <a:schemeClr val="bg2">
+                    <a:lumMod val="50000"/>
+                  </a:schemeClr>
+                </a:solidFill>
+              </a:rPr>
+              <a:t>Stage de Fin d’Études ESEO - LS2N</a:t>
+            </a:r>
+          </a:p>
+        </p:txBody>
+      </p:sp>
+      <p:sp>
+        <p:nvSpPr>
+          <p:cNvPr id="7" name="TextBox 6"/>
+          <p:cNvSpPr txBox="1"/>
+          <p:nvPr/>
+        </p:nvSpPr>
+        <p:spPr>
+          <a:xfrm>
+            <a:off x="6914009" y="6483178"/>
+            <a:ext cx="2229991" cy="369332"/>
+          </a:xfrm>
+          <a:prstGeom prst="rect">
+            <a:avLst/>
+          </a:prstGeom>
+          <a:noFill/>
+        </p:spPr>
+        <p:txBody>
+          <a:bodyPr wrap="square" rtlCol="0">
+            <a:spAutoFit/>
+          </a:bodyPr>
+          <a:lstStyle/>
+          <a:p>
+            <a:pPr algn="r"/>
+            <a:r>
+              <a:rPr lang="fr-FR" dirty="0" smtClean="0">
+                <a:solidFill>
+                  <a:schemeClr val="bg2">
+                    <a:lumMod val="50000"/>
+                  </a:schemeClr>
+                </a:solidFill>
+              </a:rPr>
+              <a:t>15 septembre 2017</a:t>
+            </a:r>
+            <a:endParaRPr lang="fr-FR" dirty="0">
+              <a:solidFill>
+                <a:schemeClr val="bg2">
+                  <a:lumMod val="50000"/>
+                </a:schemeClr>
+              </a:solidFill>
+            </a:endParaRPr>
+          </a:p>
+        </p:txBody>
+      </p:sp>
+      <p:sp>
+        <p:nvSpPr>
+          <p:cNvPr id="8" name="TextBox 7"/>
+          <p:cNvSpPr txBox="1"/>
+          <p:nvPr/>
+        </p:nvSpPr>
+        <p:spPr>
+          <a:xfrm>
+            <a:off x="3805881" y="6483178"/>
+            <a:ext cx="1532238" cy="369332"/>
+          </a:xfrm>
+          <a:prstGeom prst="rect">
+            <a:avLst/>
+          </a:prstGeom>
+          <a:noFill/>
+        </p:spPr>
+        <p:txBody>
+          <a:bodyPr wrap="square" rtlCol="0">
+            <a:spAutoFit/>
+          </a:bodyPr>
+          <a:lstStyle/>
+          <a:p>
+            <a:pPr algn="ctr"/>
+            <a:r>
+              <a:rPr lang="fr-FR" dirty="0" smtClean="0">
+                <a:solidFill>
+                  <a:schemeClr val="bg1"/>
+                </a:solidFill>
+              </a:rPr>
+              <a:t>2</a:t>
+            </a:r>
+            <a:endParaRPr lang="fr-FR" dirty="0">
+              <a:solidFill>
+                <a:schemeClr val="bg1"/>
+              </a:solidFill>
+            </a:endParaRPr>
+          </a:p>
+        </p:txBody>
+      </p:sp>
+      <p:sp>
+        <p:nvSpPr>
+          <p:cNvPr id="2" name="TextBox 1"/>
+          <p:cNvSpPr txBox="1"/>
+          <p:nvPr/>
+        </p:nvSpPr>
+        <p:spPr>
+          <a:xfrm>
+            <a:off x="340429" y="247191"/>
             <a:ext cx="4459857" cy="584775"/>
           </a:xfrm>
           <a:prstGeom prst="rect">
@@ -12636,7 +11538,7 @@
         <p:spPr>
           <a:xfrm>
             <a:off x="0" y="2442340"/>
-            <a:ext cx="9144000" cy="2677656"/>
+            <a:ext cx="9144000" cy="2246769"/>
           </a:xfrm>
           <a:prstGeom prst="rect">
             <a:avLst/>
@@ -12686,16 +11588,6 @@
             <a:r>
               <a:rPr lang="fr-FR" sz="2800" b="1" dirty="0" smtClean="0"/>
               <a:t>Validation</a:t>
-            </a:r>
-          </a:p>
-          <a:p>
-            <a:pPr marL="2286000" lvl="4" indent="-457200">
-              <a:buFont typeface="+mj-lt"/>
-              <a:buAutoNum type="arabicPeriod"/>
-            </a:pPr>
-            <a:r>
-              <a:rPr lang="fr-FR" sz="2800" b="1" dirty="0" smtClean="0"/>
-              <a:t>Résultats</a:t>
             </a:r>
           </a:p>
           <a:p>
@@ -12733,27 +11625,6 @@
 <file path=ppt/slides/slide20.xml><?xml version="1.0" encoding="utf-8"?>
 <p:sld xmlns:a="http://schemas.openxmlformats.org/drawingml/2006/main" xmlns:r="http://schemas.openxmlformats.org/officeDocument/2006/relationships" xmlns:p="http://schemas.openxmlformats.org/presentationml/2006/main">
   <p:cSld>
-    <p:bg>
-      <p:bgPr>
-        <a:gradFill>
-          <a:gsLst>
-            <a:gs pos="100000">
-              <a:schemeClr val="bg2">
-                <a:lumMod val="90000"/>
-              </a:schemeClr>
-            </a:gs>
-            <a:gs pos="55500">
-              <a:srgbClr val="F0F0F0"/>
-            </a:gs>
-            <a:gs pos="11000">
-              <a:schemeClr val="bg1"/>
-            </a:gs>
-          </a:gsLst>
-          <a:lin ang="5400000" scaled="1"/>
-        </a:gradFill>
-        <a:effectLst/>
-      </p:bgPr>
-    </p:bg>
     <p:spTree>
       <p:nvGrpSpPr>
         <p:cNvPr id="1" name=""/>
@@ -12889,13 +11760,6 @@
               </a:rPr>
               <a:t>Stage de Fin d’Études ESEO - LS2N</a:t>
             </a:r>
-            <a:endParaRPr lang="fr-FR" dirty="0">
-              <a:solidFill>
-                <a:schemeClr val="bg2">
-                  <a:lumMod val="50000"/>
-                </a:schemeClr>
-              </a:solidFill>
-            </a:endParaRPr>
           </a:p>
         </p:txBody>
       </p:sp>
@@ -12977,110 +11841,6 @@
               <a:solidFill>
                 <a:schemeClr val="bg1"/>
               </a:solidFill>
-            </a:endParaRPr>
-          </a:p>
-        </p:txBody>
-      </p:sp>
-      <p:pic>
-        <p:nvPicPr>
-          <p:cNvPr id="9" name="Picture 8"/>
-          <p:cNvPicPr>
-            <a:picLocks noChangeAspect="1"/>
-          </p:cNvPicPr>
-          <p:nvPr/>
-        </p:nvPicPr>
-        <p:blipFill>
-          <a:blip r:embed="rId4" cstate="print">
-            <a:extLst>
-              <a:ext uri="{28A0092B-C50C-407E-A947-70E740481C1C}">
-                <a14:useLocalDpi xmlns:a14="http://schemas.microsoft.com/office/drawing/2010/main" val="0"/>
-              </a:ext>
-            </a:extLst>
-          </a:blip>
-          <a:stretch>
-            <a:fillRect/>
-          </a:stretch>
-        </p:blipFill>
-        <p:spPr>
-          <a:xfrm>
-            <a:off x="127160" y="79873"/>
-            <a:ext cx="1285179" cy="924798"/>
-          </a:xfrm>
-          <a:prstGeom prst="rect">
-            <a:avLst/>
-          </a:prstGeom>
-        </p:spPr>
-      </p:pic>
-      <p:pic>
-        <p:nvPicPr>
-          <p:cNvPr id="10" name="Picture 9"/>
-          <p:cNvPicPr>
-            <a:picLocks noChangeAspect="1"/>
-          </p:cNvPicPr>
-          <p:nvPr/>
-        </p:nvPicPr>
-        <p:blipFill>
-          <a:blip r:embed="rId5" cstate="print">
-            <a:extLst>
-              <a:ext uri="{28A0092B-C50C-407E-A947-70E740481C1C}">
-                <a14:useLocalDpi xmlns:a14="http://schemas.microsoft.com/office/drawing/2010/main" val="0"/>
-              </a:ext>
-            </a:extLst>
-          </a:blip>
-          <a:stretch>
-            <a:fillRect/>
-          </a:stretch>
-        </p:blipFill>
-        <p:spPr>
-          <a:xfrm>
-            <a:off x="7837418" y="79872"/>
-            <a:ext cx="1183013" cy="929817"/>
-          </a:xfrm>
-          <a:prstGeom prst="rect">
-            <a:avLst/>
-          </a:prstGeom>
-        </p:spPr>
-      </p:pic>
-      <p:sp>
-        <p:nvSpPr>
-          <p:cNvPr id="2" name="TextBox 1"/>
-          <p:cNvSpPr txBox="1"/>
-          <p:nvPr/>
-        </p:nvSpPr>
-        <p:spPr>
-          <a:xfrm>
-            <a:off x="1539499" y="247191"/>
-            <a:ext cx="4459857" cy="584775"/>
-          </a:xfrm>
-          <a:prstGeom prst="rect">
-            <a:avLst/>
-          </a:prstGeom>
-          <a:noFill/>
-        </p:spPr>
-        <p:txBody>
-          <a:bodyPr wrap="square" rtlCol="0">
-            <a:spAutoFit/>
-          </a:bodyPr>
-          <a:lstStyle/>
-          <a:p>
-            <a:r>
-              <a:rPr lang="fr-FR" sz="3200" dirty="0" smtClean="0">
-                <a:solidFill>
-                  <a:schemeClr val="bg1"/>
-                </a:solidFill>
-                <a:latin typeface="+mj-lt"/>
-                <a:ea typeface="CMU Serif" panose="02000603000000000000" pitchFamily="2" charset="0"/>
-                <a:cs typeface="CMU Serif" panose="02000603000000000000" pitchFamily="2" charset="0"/>
-              </a:rPr>
-              <a:t>Résultats</a:t>
-            </a:r>
-            <a:endParaRPr lang="fr-FR" sz="3200" dirty="0">
-              <a:solidFill>
-                <a:schemeClr val="bg1"/>
-              </a:solidFill>
-              <a:latin typeface="+mj-lt"/>
-              <a:ea typeface="CMU Serif" panose="02000603000000000000" pitchFamily="2" charset="0"/>
-              <a:cs typeface="CMU Serif" panose="02000603000000000000" pitchFamily="2" charset="0"/>
             </a:endParaRPr>
           </a:p>
         </p:txBody>
@@ -13184,7 +11944,7 @@
         <p:spPr>
           <a:xfrm>
             <a:off x="535853" y="1870330"/>
-            <a:ext cx="8484578" cy="1508105"/>
+            <a:ext cx="8484578" cy="1231106"/>
           </a:xfrm>
           <a:prstGeom prst="rect">
             <a:avLst/>
@@ -13233,16 +11993,13 @@
             </a:r>
             <a:r>
               <a:rPr lang="fr-FR" dirty="0" smtClean="0"/>
-              <a:t>→ Intelligibilité faible pour une analyse « </a:t>
-            </a:r>
-            <a:r>
-              <a:rPr lang="fr-FR" dirty="0" err="1" smtClean="0"/>
-              <a:t>fast</a:t>
+              <a:t>→ Intelligibilité faible pour </a:t>
             </a:r>
             <a:r>
               <a:rPr lang="fr-FR" dirty="0" smtClean="0"/>
-              <a:t> » avec 8 fenêtres par 	seconde</a:t>
-            </a:r>
+              <a:t>les paramètres envisagés</a:t>
+            </a:r>
+            <a:endParaRPr lang="fr-FR" dirty="0" smtClean="0"/>
           </a:p>
         </p:txBody>
       </p:sp>
@@ -13268,12 +12025,12 @@
           <a:graphicData uri="http://schemas.openxmlformats.org/presentationml/2006/ole">
             <mc:AlternateContent xmlns:mc="http://schemas.openxmlformats.org/markup-compatibility/2006">
               <mc:Choice xmlns:v="urn:schemas-microsoft-com:vml" Requires="v">
-                <p:oleObj spid="_x0000_s16479" name="Acrobat Document" r:id="rId6" imgW="4000380" imgH="2999976" progId="AcroExch.Document.DC">
+                <p:oleObj spid="_x0000_s16570" name="Acrobat Document" r:id="rId4" imgW="4000380" imgH="2999976" progId="AcroExch.Document.DC">
                   <p:embed/>
                 </p:oleObj>
               </mc:Choice>
               <mc:Fallback>
-                <p:oleObj name="Acrobat Document" r:id="rId6" imgW="4000380" imgH="2999976" progId="AcroExch.Document.DC">
+                <p:oleObj name="Acrobat Document" r:id="rId4" imgW="4000380" imgH="2999976" progId="AcroExch.Document.DC">
                   <p:embed/>
                   <p:pic>
                     <p:nvPicPr>
@@ -13282,7 +12039,7 @@
                       <p:nvPr/>
                     </p:nvPicPr>
                     <p:blipFill>
-                      <a:blip r:embed="rId7"/>
+                      <a:blip r:embed="rId5"/>
                       <a:stretch>
                         <a:fillRect/>
                       </a:stretch>
@@ -13330,6 +12087,50 @@
               <a:rPr lang="fr-FR" sz="1200" dirty="0" smtClean="0"/>
               <a:t>Indicateurs AIS et IR en fonction du nombre de fenêtres d’analyse par seconde</a:t>
             </a:r>
+          </a:p>
+        </p:txBody>
+      </p:sp>
+      <p:sp>
+        <p:nvSpPr>
+          <p:cNvPr id="17" name="TextBox 16"/>
+          <p:cNvSpPr txBox="1"/>
+          <p:nvPr/>
+        </p:nvSpPr>
+        <p:spPr>
+          <a:xfrm>
+            <a:off x="361418" y="247191"/>
+            <a:ext cx="4459857" cy="584775"/>
+          </a:xfrm>
+          <a:prstGeom prst="rect">
+            <a:avLst/>
+          </a:prstGeom>
+          <a:noFill/>
+        </p:spPr>
+        <p:txBody>
+          <a:bodyPr wrap="square" rtlCol="0">
+            <a:spAutoFit/>
+          </a:bodyPr>
+          <a:lstStyle/>
+          <a:p>
+            <a:r>
+              <a:rPr lang="fr-FR" sz="3200" dirty="0" smtClean="0">
+                <a:solidFill>
+                  <a:schemeClr val="bg1"/>
+                </a:solidFill>
+                <a:latin typeface="+mj-lt"/>
+                <a:ea typeface="CMU Serif" panose="02000603000000000000" pitchFamily="2" charset="0"/>
+                <a:cs typeface="CMU Serif" panose="02000603000000000000" pitchFamily="2" charset="0"/>
+              </a:rPr>
+              <a:t>Validation</a:t>
+            </a:r>
+            <a:endParaRPr lang="fr-FR" sz="3200" dirty="0">
+              <a:solidFill>
+                <a:schemeClr val="bg1"/>
+              </a:solidFill>
+              <a:latin typeface="+mj-lt"/>
+              <a:ea typeface="CMU Serif" panose="02000603000000000000" pitchFamily="2" charset="0"/>
+              <a:cs typeface="CMU Serif" panose="02000603000000000000" pitchFamily="2" charset="0"/>
+            </a:endParaRPr>
           </a:p>
         </p:txBody>
       </p:sp>
@@ -13356,27 +12157,6 @@
 <file path=ppt/slides/slide21.xml><?xml version="1.0" encoding="utf-8"?>
 <p:sld xmlns:a="http://schemas.openxmlformats.org/drawingml/2006/main" xmlns:r="http://schemas.openxmlformats.org/officeDocument/2006/relationships" xmlns:p="http://schemas.openxmlformats.org/presentationml/2006/main">
   <p:cSld>
-    <p:bg>
-      <p:bgPr>
-        <a:gradFill>
-          <a:gsLst>
-            <a:gs pos="100000">
-              <a:schemeClr val="bg2">
-                <a:lumMod val="90000"/>
-              </a:schemeClr>
-            </a:gs>
-            <a:gs pos="55500">
-              <a:srgbClr val="F0F0F0"/>
-            </a:gs>
-            <a:gs pos="11000">
-              <a:schemeClr val="bg1"/>
-            </a:gs>
-          </a:gsLst>
-          <a:lin ang="5400000" scaled="1"/>
-        </a:gradFill>
-        <a:effectLst/>
-      </p:bgPr>
-    </p:bg>
     <p:spTree>
       <p:nvGrpSpPr>
         <p:cNvPr id="1" name=""/>
@@ -13512,13 +12292,6 @@
               </a:rPr>
               <a:t>Stage de Fin d’Études ESEO - LS2N</a:t>
             </a:r>
-            <a:endParaRPr lang="fr-FR" dirty="0">
-              <a:solidFill>
-                <a:schemeClr val="bg2">
-                  <a:lumMod val="50000"/>
-                </a:schemeClr>
-              </a:solidFill>
-            </a:endParaRPr>
           </a:p>
         </p:txBody>
       </p:sp>
@@ -13600,110 +12373,6 @@
               <a:solidFill>
                 <a:schemeClr val="bg1"/>
               </a:solidFill>
-            </a:endParaRPr>
-          </a:p>
-        </p:txBody>
-      </p:sp>
-      <p:pic>
-        <p:nvPicPr>
-          <p:cNvPr id="9" name="Picture 8"/>
-          <p:cNvPicPr>
-            <a:picLocks noChangeAspect="1"/>
-          </p:cNvPicPr>
-          <p:nvPr/>
-        </p:nvPicPr>
-        <p:blipFill>
-          <a:blip r:embed="rId4" cstate="print">
-            <a:extLst>
-              <a:ext uri="{28A0092B-C50C-407E-A947-70E740481C1C}">
-                <a14:useLocalDpi xmlns:a14="http://schemas.microsoft.com/office/drawing/2010/main" val="0"/>
-              </a:ext>
-            </a:extLst>
-          </a:blip>
-          <a:stretch>
-            <a:fillRect/>
-          </a:stretch>
-        </p:blipFill>
-        <p:spPr>
-          <a:xfrm>
-            <a:off x="127160" y="79873"/>
-            <a:ext cx="1285179" cy="924798"/>
-          </a:xfrm>
-          <a:prstGeom prst="rect">
-            <a:avLst/>
-          </a:prstGeom>
-        </p:spPr>
-      </p:pic>
-      <p:pic>
-        <p:nvPicPr>
-          <p:cNvPr id="10" name="Picture 9"/>
-          <p:cNvPicPr>
-            <a:picLocks noChangeAspect="1"/>
-          </p:cNvPicPr>
-          <p:nvPr/>
-        </p:nvPicPr>
-        <p:blipFill>
-          <a:blip r:embed="rId5" cstate="print">
-            <a:extLst>
-              <a:ext uri="{28A0092B-C50C-407E-A947-70E740481C1C}">
-                <a14:useLocalDpi xmlns:a14="http://schemas.microsoft.com/office/drawing/2010/main" val="0"/>
-              </a:ext>
-            </a:extLst>
-          </a:blip>
-          <a:stretch>
-            <a:fillRect/>
-          </a:stretch>
-        </p:blipFill>
-        <p:spPr>
-          <a:xfrm>
-            <a:off x="7837418" y="79872"/>
-            <a:ext cx="1183013" cy="929817"/>
-          </a:xfrm>
-          <a:prstGeom prst="rect">
-            <a:avLst/>
-          </a:prstGeom>
-        </p:spPr>
-      </p:pic>
-      <p:sp>
-        <p:nvSpPr>
-          <p:cNvPr id="2" name="TextBox 1"/>
-          <p:cNvSpPr txBox="1"/>
-          <p:nvPr/>
-        </p:nvSpPr>
-        <p:spPr>
-          <a:xfrm>
-            <a:off x="1539499" y="247191"/>
-            <a:ext cx="4459857" cy="584775"/>
-          </a:xfrm>
-          <a:prstGeom prst="rect">
-            <a:avLst/>
-          </a:prstGeom>
-          <a:noFill/>
-        </p:spPr>
-        <p:txBody>
-          <a:bodyPr wrap="square" rtlCol="0">
-            <a:spAutoFit/>
-          </a:bodyPr>
-          <a:lstStyle/>
-          <a:p>
-            <a:r>
-              <a:rPr lang="fr-FR" sz="3200" dirty="0" smtClean="0">
-                <a:solidFill>
-                  <a:schemeClr val="bg1"/>
-                </a:solidFill>
-                <a:latin typeface="+mj-lt"/>
-                <a:ea typeface="CMU Serif" panose="02000603000000000000" pitchFamily="2" charset="0"/>
-                <a:cs typeface="CMU Serif" panose="02000603000000000000" pitchFamily="2" charset="0"/>
-              </a:rPr>
-              <a:t>Résultats</a:t>
-            </a:r>
-            <a:endParaRPr lang="fr-FR" sz="3200" dirty="0">
-              <a:solidFill>
-                <a:schemeClr val="bg1"/>
-              </a:solidFill>
-              <a:latin typeface="+mj-lt"/>
-              <a:ea typeface="CMU Serif" panose="02000603000000000000" pitchFamily="2" charset="0"/>
-              <a:cs typeface="CMU Serif" panose="02000603000000000000" pitchFamily="2" charset="0"/>
             </a:endParaRPr>
           </a:p>
         </p:txBody>
@@ -13851,12 +12520,8 @@
           </a:p>
           <a:p>
             <a:r>
-              <a:rPr lang="fr-FR" dirty="0"/>
-              <a:t>	</a:t>
-            </a:r>
-            <a:r>
               <a:rPr lang="fr-FR" dirty="0" smtClean="0"/>
-              <a:t>→ Comparaison point par point des spectrogrammes</a:t>
+              <a:t>	→ Comparaison point par point des spectrogrammes</a:t>
             </a:r>
           </a:p>
           <a:p>
@@ -13869,7 +12534,7 @@
             </a:pPr>
             <a:r>
               <a:rPr lang="fr-FR" dirty="0" smtClean="0"/>
-              <a:t>Distorsions trop importantes pour que ces indicateurs soient efficaces</a:t>
+              <a:t>Distorsions trop importantes pour que ces indicateurs soient pertinents</a:t>
             </a:r>
           </a:p>
         </p:txBody>
@@ -13896,12 +12561,12 @@
           <a:graphicData uri="http://schemas.openxmlformats.org/presentationml/2006/ole">
             <mc:AlternateContent xmlns:mc="http://schemas.openxmlformats.org/markup-compatibility/2006">
               <mc:Choice xmlns:v="urn:schemas-microsoft-com:vml" Requires="v">
-                <p:oleObj spid="_x0000_s17597" name="Acrobat Document" r:id="rId6" imgW="4000380" imgH="2999976" progId="AcroExch.Document.DC">
+                <p:oleObj spid="_x0000_s17779" name="Acrobat Document" r:id="rId4" imgW="4000380" imgH="2999976" progId="AcroExch.Document.DC">
                   <p:embed/>
                 </p:oleObj>
               </mc:Choice>
               <mc:Fallback>
-                <p:oleObj name="Acrobat Document" r:id="rId6" imgW="4000380" imgH="2999976" progId="AcroExch.Document.DC">
+                <p:oleObj name="Acrobat Document" r:id="rId4" imgW="4000380" imgH="2999976" progId="AcroExch.Document.DC">
                   <p:embed/>
                   <p:pic>
                     <p:nvPicPr>
@@ -13910,7 +12575,7 @@
                       <p:nvPr/>
                     </p:nvPicPr>
                     <p:blipFill>
-                      <a:blip r:embed="rId7"/>
+                      <a:blip r:embed="rId5"/>
                       <a:stretch>
                         <a:fillRect/>
                       </a:stretch>
@@ -13953,12 +12618,12 @@
           <a:graphicData uri="http://schemas.openxmlformats.org/presentationml/2006/ole">
             <mc:AlternateContent xmlns:mc="http://schemas.openxmlformats.org/markup-compatibility/2006">
               <mc:Choice xmlns:v="urn:schemas-microsoft-com:vml" Requires="v">
-                <p:oleObj spid="_x0000_s17598" name="Acrobat Document" r:id="rId8" imgW="4000380" imgH="2999976" progId="AcroExch.Document.DC">
+                <p:oleObj spid="_x0000_s17780" name="Acrobat Document" r:id="rId6" imgW="4000380" imgH="2999976" progId="AcroExch.Document.DC">
                   <p:embed/>
                 </p:oleObj>
               </mc:Choice>
               <mc:Fallback>
-                <p:oleObj name="Acrobat Document" r:id="rId8" imgW="4000380" imgH="2999976" progId="AcroExch.Document.DC">
+                <p:oleObj name="Acrobat Document" r:id="rId6" imgW="4000380" imgH="2999976" progId="AcroExch.Document.DC">
                   <p:embed/>
                   <p:pic>
                     <p:nvPicPr>
@@ -13967,7 +12632,7 @@
                       <p:nvPr/>
                     </p:nvPicPr>
                     <p:blipFill>
-                      <a:blip r:embed="rId9"/>
+                      <a:blip r:embed="rId7"/>
                       <a:stretch>
                         <a:fillRect/>
                       </a:stretch>
@@ -14072,6 +12737,50 @@
           </a:fontRef>
         </p:style>
       </p:cxnSp>
+      <p:sp>
+        <p:nvSpPr>
+          <p:cNvPr id="19" name="TextBox 18"/>
+          <p:cNvSpPr txBox="1"/>
+          <p:nvPr/>
+        </p:nvSpPr>
+        <p:spPr>
+          <a:xfrm>
+            <a:off x="361418" y="247191"/>
+            <a:ext cx="4459857" cy="584775"/>
+          </a:xfrm>
+          <a:prstGeom prst="rect">
+            <a:avLst/>
+          </a:prstGeom>
+          <a:noFill/>
+        </p:spPr>
+        <p:txBody>
+          <a:bodyPr wrap="square" rtlCol="0">
+            <a:spAutoFit/>
+          </a:bodyPr>
+          <a:lstStyle/>
+          <a:p>
+            <a:r>
+              <a:rPr lang="fr-FR" sz="3200" dirty="0" smtClean="0">
+                <a:solidFill>
+                  <a:schemeClr val="bg1"/>
+                </a:solidFill>
+                <a:latin typeface="+mj-lt"/>
+                <a:ea typeface="CMU Serif" panose="02000603000000000000" pitchFamily="2" charset="0"/>
+                <a:cs typeface="CMU Serif" panose="02000603000000000000" pitchFamily="2" charset="0"/>
+              </a:rPr>
+              <a:t>Validation</a:t>
+            </a:r>
+            <a:endParaRPr lang="fr-FR" sz="3200" dirty="0">
+              <a:solidFill>
+                <a:schemeClr val="bg1"/>
+              </a:solidFill>
+              <a:latin typeface="+mj-lt"/>
+              <a:ea typeface="CMU Serif" panose="02000603000000000000" pitchFamily="2" charset="0"/>
+              <a:cs typeface="CMU Serif" panose="02000603000000000000" pitchFamily="2" charset="0"/>
+            </a:endParaRPr>
+          </a:p>
+        </p:txBody>
+      </p:sp>
     </p:spTree>
     <p:extLst>
       <p:ext uri="{BB962C8B-B14F-4D97-AF65-F5344CB8AC3E}">
@@ -14095,27 +12804,6 @@
 <file path=ppt/slides/slide22.xml><?xml version="1.0" encoding="utf-8"?>
 <p:sld xmlns:a="http://schemas.openxmlformats.org/drawingml/2006/main" xmlns:r="http://schemas.openxmlformats.org/officeDocument/2006/relationships" xmlns:p="http://schemas.openxmlformats.org/presentationml/2006/main">
   <p:cSld>
-    <p:bg>
-      <p:bgPr>
-        <a:gradFill>
-          <a:gsLst>
-            <a:gs pos="100000">
-              <a:schemeClr val="bg2">
-                <a:lumMod val="90000"/>
-              </a:schemeClr>
-            </a:gs>
-            <a:gs pos="55500">
-              <a:srgbClr val="F0F0F0"/>
-            </a:gs>
-            <a:gs pos="11000">
-              <a:schemeClr val="bg1"/>
-            </a:gs>
-          </a:gsLst>
-          <a:lin ang="5400000" scaled="1"/>
-        </a:gradFill>
-        <a:effectLst/>
-      </p:bgPr>
-    </p:bg>
     <p:spTree>
       <p:nvGrpSpPr>
         <p:cNvPr id="1" name=""/>
@@ -14251,13 +12939,6 @@
               </a:rPr>
               <a:t>Stage de Fin d’Études ESEO - LS2N</a:t>
             </a:r>
-            <a:endParaRPr lang="fr-FR" dirty="0">
-              <a:solidFill>
-                <a:schemeClr val="bg2">
-                  <a:lumMod val="50000"/>
-                </a:schemeClr>
-              </a:solidFill>
-            </a:endParaRPr>
           </a:p>
         </p:txBody>
       </p:sp>
@@ -14343,66 +13024,6 @@
           </a:p>
         </p:txBody>
       </p:sp>
-      <p:pic>
-        <p:nvPicPr>
-          <p:cNvPr id="9" name="Picture 8"/>
-          <p:cNvPicPr>
-            <a:picLocks noChangeAspect="1"/>
-          </p:cNvPicPr>
-          <p:nvPr/>
-        </p:nvPicPr>
-        <p:blipFill>
-          <a:blip r:embed="rId3" cstate="print">
-            <a:extLst>
-              <a:ext uri="{28A0092B-C50C-407E-A947-70E740481C1C}">
-                <a14:useLocalDpi xmlns:a14="http://schemas.microsoft.com/office/drawing/2010/main" val="0"/>
-              </a:ext>
-            </a:extLst>
-          </a:blip>
-          <a:stretch>
-            <a:fillRect/>
-          </a:stretch>
-        </p:blipFill>
-        <p:spPr>
-          <a:xfrm>
-            <a:off x="127160" y="79873"/>
-            <a:ext cx="1285179" cy="924798"/>
-          </a:xfrm>
-          <a:prstGeom prst="rect">
-            <a:avLst/>
-          </a:prstGeom>
-        </p:spPr>
-      </p:pic>
-      <p:pic>
-        <p:nvPicPr>
-          <p:cNvPr id="10" name="Picture 9"/>
-          <p:cNvPicPr>
-            <a:picLocks noChangeAspect="1"/>
-          </p:cNvPicPr>
-          <p:nvPr/>
-        </p:nvPicPr>
-        <p:blipFill>
-          <a:blip r:embed="rId4" cstate="print">
-            <a:extLst>
-              <a:ext uri="{28A0092B-C50C-407E-A947-70E740481C1C}">
-                <a14:useLocalDpi xmlns:a14="http://schemas.microsoft.com/office/drawing/2010/main" val="0"/>
-              </a:ext>
-            </a:extLst>
-          </a:blip>
-          <a:stretch>
-            <a:fillRect/>
-          </a:stretch>
-        </p:blipFill>
-        <p:spPr>
-          <a:xfrm>
-            <a:off x="7837418" y="79872"/>
-            <a:ext cx="1183013" cy="929817"/>
-          </a:xfrm>
-          <a:prstGeom prst="rect">
-            <a:avLst/>
-          </a:prstGeom>
-        </p:spPr>
-      </p:pic>
       <p:sp>
         <p:nvSpPr>
           <p:cNvPr id="2" name="TextBox 1"/>
@@ -14411,7 +13032,7 @@
         </p:nvSpPr>
         <p:spPr>
           <a:xfrm>
-            <a:off x="1539499" y="247191"/>
+            <a:off x="318285" y="247191"/>
             <a:ext cx="4459857" cy="584775"/>
           </a:xfrm>
           <a:prstGeom prst="rect">
@@ -14456,7 +13077,7 @@
         <p:spPr>
           <a:xfrm>
             <a:off x="535853" y="1870330"/>
-            <a:ext cx="8484578" cy="2862322"/>
+            <a:ext cx="8484578" cy="3293209"/>
           </a:xfrm>
           <a:prstGeom prst="rect">
             <a:avLst/>
@@ -14475,7 +13096,7 @@
             </a:pPr>
             <a:r>
               <a:rPr lang="fr-FR" sz="2000" b="1" dirty="0" smtClean="0"/>
-              <a:t>Le codeur proposé permet de répondre aux problématiques exposées, avec un compromis entre complexité, débit de données et conservation de l’information.</a:t>
+              <a:t>Le codeur proposé permet de répondre aux problématiques exposées, avec un bon compromis entre complexité, débit de données et conservation de l’information d’intérêt.</a:t>
             </a:r>
           </a:p>
           <a:p>
@@ -14483,22 +13104,7 @@
               <a:buFont typeface="Wingdings" panose="05000000000000000000" pitchFamily="2" charset="2"/>
               <a:buChar char="Ø"/>
             </a:pPr>
-            <a:r>
-              <a:rPr lang="fr-FR" sz="2000" b="1" dirty="0"/>
-              <a:t>Les paramètres restent à définir lors de l’implémentation sur les capteurs</a:t>
-            </a:r>
-            <a:r>
-              <a:rPr lang="fr-FR" sz="2000" b="1" dirty="0" smtClean="0"/>
-              <a:t>. Le développement futur </a:t>
-            </a:r>
-            <a:r>
-              <a:rPr lang="fr-FR" sz="2000" b="1" dirty="0"/>
-              <a:t>de cette partie du projet sera </a:t>
-            </a:r>
-            <a:r>
-              <a:rPr lang="fr-FR" sz="2000" b="1" dirty="0" smtClean="0"/>
-              <a:t>suivi avec intérêt.</a:t>
-            </a:r>
+            <a:endParaRPr lang="fr-FR" sz="1400" b="1" dirty="0" smtClean="0"/>
           </a:p>
           <a:p>
             <a:pPr marL="342900" indent="-342900">
@@ -14506,9 +13112,75 @@
               <a:buChar char="Ø"/>
             </a:pPr>
             <a:r>
+              <a:rPr lang="fr-FR" sz="2000" b="1" dirty="0"/>
+              <a:t>Les paramètres restent à définir lors de l’implémentation sur les capteurs</a:t>
+            </a:r>
+            <a:r>
               <a:rPr lang="fr-FR" sz="2000" b="1" dirty="0" smtClean="0"/>
-              <a:t>Un article scientifique a été écrit et sera proposé à la publication dans les prochains mois, ainsi que les ressources nécessaires à la reproduction.</a:t>
-            </a:r>
+              <a:t>. Le développement futur </a:t>
+            </a:r>
+            <a:r>
+              <a:rPr lang="fr-FR" sz="2000" b="1" dirty="0"/>
+              <a:t>de cette partie du projet sera </a:t>
+            </a:r>
+            <a:r>
+              <a:rPr lang="fr-FR" sz="2000" b="1" dirty="0" smtClean="0"/>
+              <a:t>suivi avec intérêt.</a:t>
+            </a:r>
+          </a:p>
+          <a:p>
+            <a:pPr marL="342900" indent="-342900">
+              <a:buFont typeface="Wingdings" panose="05000000000000000000" pitchFamily="2" charset="2"/>
+              <a:buChar char="Ø"/>
+            </a:pPr>
+            <a:endParaRPr lang="fr-FR" sz="1400" b="1" dirty="0" smtClean="0"/>
+          </a:p>
+          <a:p>
+            <a:pPr marL="342900" indent="-342900">
+              <a:buFont typeface="Wingdings" panose="05000000000000000000" pitchFamily="2" charset="2"/>
+              <a:buChar char="Ø"/>
+            </a:pPr>
+            <a:r>
+              <a:rPr lang="fr-FR" sz="2000" b="1" dirty="0" smtClean="0"/>
+              <a:t>Un article scientifique a été écrit et sera proposé à la publication dans </a:t>
+            </a:r>
+            <a:r>
+              <a:rPr lang="fr-FR" sz="2000" b="1" dirty="0"/>
+              <a:t>l'édition spéciale "Smart Communication </a:t>
+            </a:r>
+            <a:r>
+              <a:rPr lang="fr-FR" sz="2000" b="1" dirty="0" err="1"/>
+              <a:t>Protocols</a:t>
+            </a:r>
+            <a:r>
+              <a:rPr lang="fr-FR" sz="2000" b="1" dirty="0"/>
+              <a:t> and </a:t>
+            </a:r>
+            <a:r>
+              <a:rPr lang="fr-FR" sz="2000" b="1" dirty="0" err="1"/>
+              <a:t>Algorithms</a:t>
+            </a:r>
+            <a:r>
+              <a:rPr lang="fr-FR" sz="2000" b="1" dirty="0"/>
+              <a:t> for </a:t>
+            </a:r>
+            <a:r>
+              <a:rPr lang="fr-FR" sz="2000" b="1" dirty="0" err="1"/>
+              <a:t>Sensor</a:t>
+            </a:r>
+            <a:r>
+              <a:rPr lang="fr-FR" sz="2000" b="1" dirty="0"/>
+              <a:t> Networks" du journal MDPI </a:t>
+            </a:r>
+            <a:r>
+              <a:rPr lang="fr-FR" sz="2000" b="1" dirty="0" err="1" smtClean="0"/>
+              <a:t>Sensors</a:t>
+            </a:r>
+            <a:r>
+              <a:rPr lang="fr-FR" sz="2000" b="1" dirty="0"/>
+              <a:t>.</a:t>
+            </a:r>
+            <a:endParaRPr lang="fr-FR" sz="2000" b="1" dirty="0" smtClean="0"/>
           </a:p>
         </p:txBody>
       </p:sp>
@@ -14535,27 +13207,6 @@
 <file path=ppt/slides/slide23.xml><?xml version="1.0" encoding="utf-8"?>
 <p:sld xmlns:a="http://schemas.openxmlformats.org/drawingml/2006/main" xmlns:r="http://schemas.openxmlformats.org/officeDocument/2006/relationships" xmlns:p="http://schemas.openxmlformats.org/presentationml/2006/main">
   <p:cSld>
-    <p:bg>
-      <p:bgPr>
-        <a:gradFill>
-          <a:gsLst>
-            <a:gs pos="100000">
-              <a:schemeClr val="bg2">
-                <a:lumMod val="90000"/>
-              </a:schemeClr>
-            </a:gs>
-            <a:gs pos="55500">
-              <a:srgbClr val="F0F0F0"/>
-            </a:gs>
-            <a:gs pos="11000">
-              <a:schemeClr val="bg1"/>
-            </a:gs>
-          </a:gsLst>
-          <a:lin ang="5400000" scaled="1"/>
-        </a:gradFill>
-        <a:effectLst/>
-      </p:bgPr>
-    </p:bg>
     <p:spTree>
       <p:nvGrpSpPr>
         <p:cNvPr id="1" name=""/>
@@ -14691,13 +13342,6 @@
               </a:rPr>
               <a:t>Stage de Fin d’Études ESEO - LS2N</a:t>
             </a:r>
-            <a:endParaRPr lang="fr-FR" dirty="0">
-              <a:solidFill>
-                <a:schemeClr val="bg2">
-                  <a:lumMod val="50000"/>
-                </a:schemeClr>
-              </a:solidFill>
-            </a:endParaRPr>
           </a:p>
         </p:txBody>
       </p:sp>
@@ -14783,66 +13427,6 @@
           </a:p>
         </p:txBody>
       </p:sp>
-      <p:pic>
-        <p:nvPicPr>
-          <p:cNvPr id="9" name="Picture 8"/>
-          <p:cNvPicPr>
-            <a:picLocks noChangeAspect="1"/>
-          </p:cNvPicPr>
-          <p:nvPr/>
-        </p:nvPicPr>
-        <p:blipFill>
-          <a:blip r:embed="rId3" cstate="print">
-            <a:extLst>
-              <a:ext uri="{28A0092B-C50C-407E-A947-70E740481C1C}">
-                <a14:useLocalDpi xmlns:a14="http://schemas.microsoft.com/office/drawing/2010/main" val="0"/>
-              </a:ext>
-            </a:extLst>
-          </a:blip>
-          <a:stretch>
-            <a:fillRect/>
-          </a:stretch>
-        </p:blipFill>
-        <p:spPr>
-          <a:xfrm>
-            <a:off x="127160" y="79873"/>
-            <a:ext cx="1285179" cy="924798"/>
-          </a:xfrm>
-          <a:prstGeom prst="rect">
-            <a:avLst/>
-          </a:prstGeom>
-        </p:spPr>
-      </p:pic>
-      <p:pic>
-        <p:nvPicPr>
-          <p:cNvPr id="10" name="Picture 9"/>
-          <p:cNvPicPr>
-            <a:picLocks noChangeAspect="1"/>
-          </p:cNvPicPr>
-          <p:nvPr/>
-        </p:nvPicPr>
-        <p:blipFill>
-          <a:blip r:embed="rId4" cstate="print">
-            <a:extLst>
-              <a:ext uri="{28A0092B-C50C-407E-A947-70E740481C1C}">
-                <a14:useLocalDpi xmlns:a14="http://schemas.microsoft.com/office/drawing/2010/main" val="0"/>
-              </a:ext>
-            </a:extLst>
-          </a:blip>
-          <a:stretch>
-            <a:fillRect/>
-          </a:stretch>
-        </p:blipFill>
-        <p:spPr>
-          <a:xfrm>
-            <a:off x="7837418" y="79872"/>
-            <a:ext cx="1183013" cy="929817"/>
-          </a:xfrm>
-          <a:prstGeom prst="rect">
-            <a:avLst/>
-          </a:prstGeom>
-        </p:spPr>
-      </p:pic>
       <p:sp>
         <p:nvSpPr>
           <p:cNvPr id="2" name="TextBox 1"/>
@@ -14851,7 +13435,7 @@
         </p:nvSpPr>
         <p:spPr>
           <a:xfrm>
-            <a:off x="1539499" y="247191"/>
+            <a:off x="318285" y="247191"/>
             <a:ext cx="4459857" cy="584775"/>
           </a:xfrm>
           <a:prstGeom prst="rect">
@@ -15132,11 +13716,7 @@
             </a:r>
             <a:r>
               <a:rPr lang="en-US" sz="1400" dirty="0"/>
-              <a:t>short-time </a:t>
-            </a:r>
-            <a:r>
-              <a:rPr lang="en-US" sz="1400" dirty="0"/>
-              <a:t>F</a:t>
+              <a:t>short-time F</a:t>
             </a:r>
             <a:r>
               <a:rPr lang="en-US" sz="1400" dirty="0" smtClean="0"/>
@@ -15329,27 +13909,6 @@
 <file path=ppt/slides/slide3.xml><?xml version="1.0" encoding="utf-8"?>
 <p:sld xmlns:a="http://schemas.openxmlformats.org/drawingml/2006/main" xmlns:r="http://schemas.openxmlformats.org/officeDocument/2006/relationships" xmlns:p="http://schemas.openxmlformats.org/presentationml/2006/main">
   <p:cSld>
-    <p:bg>
-      <p:bgPr>
-        <a:gradFill>
-          <a:gsLst>
-            <a:gs pos="100000">
-              <a:schemeClr val="bg2">
-                <a:lumMod val="90000"/>
-              </a:schemeClr>
-            </a:gs>
-            <a:gs pos="55500">
-              <a:srgbClr val="F0F0F0"/>
-            </a:gs>
-            <a:gs pos="11000">
-              <a:schemeClr val="bg1"/>
-            </a:gs>
-          </a:gsLst>
-          <a:lin ang="5400000" scaled="1"/>
-        </a:gradFill>
-        <a:effectLst/>
-      </p:bgPr>
-    </p:bg>
     <p:spTree>
       <p:nvGrpSpPr>
         <p:cNvPr id="1" name=""/>
@@ -15485,13 +14044,6 @@
               </a:rPr>
               <a:t>Stage de Fin d’Études ESEO - LS2N</a:t>
             </a:r>
-            <a:endParaRPr lang="fr-FR" dirty="0">
-              <a:solidFill>
-                <a:schemeClr val="bg2">
-                  <a:lumMod val="50000"/>
-                </a:schemeClr>
-              </a:solidFill>
-            </a:endParaRPr>
           </a:p>
         </p:txBody>
       </p:sp>
@@ -15577,66 +14129,6 @@
           </a:p>
         </p:txBody>
       </p:sp>
-      <p:pic>
-        <p:nvPicPr>
-          <p:cNvPr id="9" name="Picture 8"/>
-          <p:cNvPicPr>
-            <a:picLocks noChangeAspect="1"/>
-          </p:cNvPicPr>
-          <p:nvPr/>
-        </p:nvPicPr>
-        <p:blipFill>
-          <a:blip r:embed="rId3" cstate="print">
-            <a:extLst>
-              <a:ext uri="{28A0092B-C50C-407E-A947-70E740481C1C}">
-                <a14:useLocalDpi xmlns:a14="http://schemas.microsoft.com/office/drawing/2010/main" val="0"/>
-              </a:ext>
-            </a:extLst>
-          </a:blip>
-          <a:stretch>
-            <a:fillRect/>
-          </a:stretch>
-        </p:blipFill>
-        <p:spPr>
-          <a:xfrm>
-            <a:off x="127160" y="79873"/>
-            <a:ext cx="1285179" cy="924798"/>
-          </a:xfrm>
-          <a:prstGeom prst="rect">
-            <a:avLst/>
-          </a:prstGeom>
-        </p:spPr>
-      </p:pic>
-      <p:pic>
-        <p:nvPicPr>
-          <p:cNvPr id="10" name="Picture 9"/>
-          <p:cNvPicPr>
-            <a:picLocks noChangeAspect="1"/>
-          </p:cNvPicPr>
-          <p:nvPr/>
-        </p:nvPicPr>
-        <p:blipFill>
-          <a:blip r:embed="rId4" cstate="print">
-            <a:extLst>
-              <a:ext uri="{28A0092B-C50C-407E-A947-70E740481C1C}">
-                <a14:useLocalDpi xmlns:a14="http://schemas.microsoft.com/office/drawing/2010/main" val="0"/>
-              </a:ext>
-            </a:extLst>
-          </a:blip>
-          <a:stretch>
-            <a:fillRect/>
-          </a:stretch>
-        </p:blipFill>
-        <p:spPr>
-          <a:xfrm>
-            <a:off x="7837418" y="79872"/>
-            <a:ext cx="1183013" cy="929817"/>
-          </a:xfrm>
-          <a:prstGeom prst="rect">
-            <a:avLst/>
-          </a:prstGeom>
-        </p:spPr>
-      </p:pic>
       <p:sp>
         <p:nvSpPr>
           <p:cNvPr id="2" name="TextBox 1"/>
@@ -15645,7 +14137,7 @@
         </p:nvSpPr>
         <p:spPr>
           <a:xfrm>
-            <a:off x="1539499" y="247191"/>
+            <a:off x="320987" y="247191"/>
             <a:ext cx="4459857" cy="584775"/>
           </a:xfrm>
           <a:prstGeom prst="rect">
@@ -15780,7 +14272,7 @@
         <p:spPr>
           <a:xfrm>
             <a:off x="805886" y="2053087"/>
-            <a:ext cx="7794649" cy="3724096"/>
+            <a:ext cx="7794649" cy="3108543"/>
           </a:xfrm>
           <a:prstGeom prst="rect">
             <a:avLst/>
@@ -15833,31 +14325,10 @@
             </a:pPr>
             <a:r>
               <a:rPr lang="fr-FR" sz="2000" b="1" dirty="0" smtClean="0"/>
-              <a:t>Supervision: CNRS, Université de Nantes, IMT Atlantique, École Centrale de Nantes.</a:t>
-            </a:r>
-          </a:p>
-          <a:p>
-            <a:pPr marL="342900" indent="-342900">
-              <a:buFont typeface="Arial" panose="020B0604020202020204" pitchFamily="34" charset="0"/>
-              <a:buChar char="•"/>
-            </a:pPr>
-            <a:endParaRPr lang="fr-FR" sz="1200" b="1" dirty="0" smtClean="0"/>
-          </a:p>
-          <a:p>
-            <a:pPr marL="342900" indent="-342900">
-              <a:buFont typeface="Arial" panose="020B0604020202020204" pitchFamily="34" charset="0"/>
-              <a:buChar char="•"/>
-            </a:pPr>
-            <a:r>
-              <a:rPr lang="fr-FR" sz="2000" b="1" dirty="0" smtClean="0"/>
-              <a:t>Installé à Nantes sur cinq sites différents (direction à l’ECN)</a:t>
-            </a:r>
-          </a:p>
-          <a:p>
-            <a:pPr marL="342900" indent="-342900">
-              <a:buFont typeface="Arial" panose="020B0604020202020204" pitchFamily="34" charset="0"/>
-              <a:buChar char="•"/>
-            </a:pPr>
+              <a:t>Tutelles : CNRS, Université de Nantes, IMT Atlantique, École Centrale de Nantes.</a:t>
+            </a:r>
+          </a:p>
+          <a:p>
             <a:endParaRPr lang="fr-FR" sz="1200" b="1" dirty="0" smtClean="0"/>
           </a:p>
           <a:p>
@@ -15895,7 +14366,7 @@
           <p:nvPr/>
         </p:nvPicPr>
         <p:blipFill>
-          <a:blip r:embed="rId5" cstate="print">
+          <a:blip r:embed="rId3" cstate="print">
             <a:extLst>
               <a:ext uri="{28A0092B-C50C-407E-A947-70E740481C1C}">
                 <a14:useLocalDpi xmlns:a14="http://schemas.microsoft.com/office/drawing/2010/main" val="0"/>
@@ -15939,27 +14410,6 @@
 <file path=ppt/slides/slide4.xml><?xml version="1.0" encoding="utf-8"?>
 <p:sld xmlns:a="http://schemas.openxmlformats.org/drawingml/2006/main" xmlns:r="http://schemas.openxmlformats.org/officeDocument/2006/relationships" xmlns:p="http://schemas.openxmlformats.org/presentationml/2006/main">
   <p:cSld>
-    <p:bg>
-      <p:bgPr>
-        <a:gradFill>
-          <a:gsLst>
-            <a:gs pos="100000">
-              <a:schemeClr val="bg2">
-                <a:lumMod val="90000"/>
-              </a:schemeClr>
-            </a:gs>
-            <a:gs pos="55500">
-              <a:srgbClr val="F0F0F0"/>
-            </a:gs>
-            <a:gs pos="11000">
-              <a:schemeClr val="bg1"/>
-            </a:gs>
-          </a:gsLst>
-          <a:lin ang="5400000" scaled="1"/>
-        </a:gradFill>
-        <a:effectLst/>
-      </p:bgPr>
-    </p:bg>
     <p:spTree>
       <p:nvGrpSpPr>
         <p:cNvPr id="1" name=""/>
@@ -16095,13 +14545,6 @@
               </a:rPr>
               <a:t>Stage de Fin d’Études ESEO - LS2N</a:t>
             </a:r>
-            <a:endParaRPr lang="fr-FR" dirty="0">
-              <a:solidFill>
-                <a:schemeClr val="bg2">
-                  <a:lumMod val="50000"/>
-                </a:schemeClr>
-              </a:solidFill>
-            </a:endParaRPr>
           </a:p>
         </p:txBody>
       </p:sp>
@@ -16187,66 +14630,6 @@
           </a:p>
         </p:txBody>
       </p:sp>
-      <p:pic>
-        <p:nvPicPr>
-          <p:cNvPr id="9" name="Picture 8"/>
-          <p:cNvPicPr>
-            <a:picLocks noChangeAspect="1"/>
-          </p:cNvPicPr>
-          <p:nvPr/>
-        </p:nvPicPr>
-        <p:blipFill>
-          <a:blip r:embed="rId3" cstate="print">
-            <a:extLst>
-              <a:ext uri="{28A0092B-C50C-407E-A947-70E740481C1C}">
-                <a14:useLocalDpi xmlns:a14="http://schemas.microsoft.com/office/drawing/2010/main" val="0"/>
-              </a:ext>
-            </a:extLst>
-          </a:blip>
-          <a:stretch>
-            <a:fillRect/>
-          </a:stretch>
-        </p:blipFill>
-        <p:spPr>
-          <a:xfrm>
-            <a:off x="127160" y="79873"/>
-            <a:ext cx="1285179" cy="924798"/>
-          </a:xfrm>
-          <a:prstGeom prst="rect">
-            <a:avLst/>
-          </a:prstGeom>
-        </p:spPr>
-      </p:pic>
-      <p:pic>
-        <p:nvPicPr>
-          <p:cNvPr id="10" name="Picture 9"/>
-          <p:cNvPicPr>
-            <a:picLocks noChangeAspect="1"/>
-          </p:cNvPicPr>
-          <p:nvPr/>
-        </p:nvPicPr>
-        <p:blipFill>
-          <a:blip r:embed="rId4" cstate="print">
-            <a:extLst>
-              <a:ext uri="{28A0092B-C50C-407E-A947-70E740481C1C}">
-                <a14:useLocalDpi xmlns:a14="http://schemas.microsoft.com/office/drawing/2010/main" val="0"/>
-              </a:ext>
-            </a:extLst>
-          </a:blip>
-          <a:stretch>
-            <a:fillRect/>
-          </a:stretch>
-        </p:blipFill>
-        <p:spPr>
-          <a:xfrm>
-            <a:off x="7837418" y="79872"/>
-            <a:ext cx="1183013" cy="929817"/>
-          </a:xfrm>
-          <a:prstGeom prst="rect">
-            <a:avLst/>
-          </a:prstGeom>
-        </p:spPr>
-      </p:pic>
       <p:sp>
         <p:nvSpPr>
           <p:cNvPr id="2" name="TextBox 1"/>
@@ -16255,7 +14638,7 @@
         </p:nvSpPr>
         <p:spPr>
           <a:xfrm>
-            <a:off x="1539499" y="247191"/>
+            <a:off x="318285" y="247191"/>
             <a:ext cx="4459857" cy="584775"/>
           </a:xfrm>
           <a:prstGeom prst="rect">
@@ -16390,7 +14773,7 @@
           <p:nvPr/>
         </p:nvPicPr>
         <p:blipFill>
-          <a:blip r:embed="rId5">
+          <a:blip r:embed="rId3">
             <a:extLst>
               <a:ext uri="{28A0092B-C50C-407E-A947-70E740481C1C}">
                 <a14:useLocalDpi xmlns:a14="http://schemas.microsoft.com/office/drawing/2010/main" val="0"/>
@@ -16517,6 +14900,66 @@
       <p:pic>
         <p:nvPicPr>
           <p:cNvPr id="15" name="Picture 14"/>
+          <p:cNvPicPr>
+            <a:picLocks noChangeAspect="1"/>
+          </p:cNvPicPr>
+          <p:nvPr/>
+        </p:nvPicPr>
+        <p:blipFill>
+          <a:blip r:embed="rId4" cstate="print">
+            <a:extLst>
+              <a:ext uri="{28A0092B-C50C-407E-A947-70E740481C1C}">
+                <a14:useLocalDpi xmlns:a14="http://schemas.microsoft.com/office/drawing/2010/main" val="0"/>
+              </a:ext>
+            </a:extLst>
+          </a:blip>
+          <a:stretch>
+            <a:fillRect/>
+          </a:stretch>
+        </p:blipFill>
+        <p:spPr>
+          <a:xfrm>
+            <a:off x="7571765" y="2978937"/>
+            <a:ext cx="1226428" cy="873730"/>
+          </a:xfrm>
+          <a:prstGeom prst="rect">
+            <a:avLst/>
+          </a:prstGeom>
+        </p:spPr>
+      </p:pic>
+      <p:pic>
+        <p:nvPicPr>
+          <p:cNvPr id="16" name="Picture 15"/>
+          <p:cNvPicPr>
+            <a:picLocks noChangeAspect="1"/>
+          </p:cNvPicPr>
+          <p:nvPr/>
+        </p:nvPicPr>
+        <p:blipFill>
+          <a:blip r:embed="rId5" cstate="print">
+            <a:extLst>
+              <a:ext uri="{28A0092B-C50C-407E-A947-70E740481C1C}">
+                <a14:useLocalDpi xmlns:a14="http://schemas.microsoft.com/office/drawing/2010/main" val="0"/>
+              </a:ext>
+            </a:extLst>
+          </a:blip>
+          <a:stretch>
+            <a:fillRect/>
+          </a:stretch>
+        </p:blipFill>
+        <p:spPr>
+          <a:xfrm>
+            <a:off x="6692839" y="2221806"/>
+            <a:ext cx="2171997" cy="647187"/>
+          </a:xfrm>
+          <a:prstGeom prst="rect">
+            <a:avLst/>
+          </a:prstGeom>
+        </p:spPr>
+      </p:pic>
+      <p:pic>
+        <p:nvPicPr>
+          <p:cNvPr id="17" name="Picture 16"/>
           <p:cNvPicPr>
             <a:picLocks noChangeAspect="1"/>
           </p:cNvPicPr>
@@ -16536,8 +14979,8 @@
         </p:blipFill>
         <p:spPr>
           <a:xfrm>
-            <a:off x="7415790" y="1902780"/>
-            <a:ext cx="1226428" cy="873730"/>
+            <a:off x="7349527" y="1290587"/>
+            <a:ext cx="1670904" cy="684027"/>
           </a:xfrm>
           <a:prstGeom prst="rect">
             <a:avLst/>
@@ -16567,27 +15010,6 @@
 <file path=ppt/slides/slide5.xml><?xml version="1.0" encoding="utf-8"?>
 <p:sld xmlns:a="http://schemas.openxmlformats.org/drawingml/2006/main" xmlns:r="http://schemas.openxmlformats.org/officeDocument/2006/relationships" xmlns:p="http://schemas.openxmlformats.org/presentationml/2006/main">
   <p:cSld>
-    <p:bg>
-      <p:bgPr>
-        <a:gradFill>
-          <a:gsLst>
-            <a:gs pos="100000">
-              <a:schemeClr val="bg2">
-                <a:lumMod val="90000"/>
-              </a:schemeClr>
-            </a:gs>
-            <a:gs pos="55500">
-              <a:srgbClr val="F0F0F0"/>
-            </a:gs>
-            <a:gs pos="11000">
-              <a:schemeClr val="bg1"/>
-            </a:gs>
-          </a:gsLst>
-          <a:lin ang="5400000" scaled="1"/>
-        </a:gradFill>
-        <a:effectLst/>
-      </p:bgPr>
-    </p:bg>
     <p:spTree>
       <p:nvGrpSpPr>
         <p:cNvPr id="1" name=""/>
@@ -16723,13 +15145,6 @@
               </a:rPr>
               <a:t>Stage de Fin d’Études ESEO - LS2N</a:t>
             </a:r>
-            <a:endParaRPr lang="fr-FR" dirty="0">
-              <a:solidFill>
-                <a:schemeClr val="bg2">
-                  <a:lumMod val="50000"/>
-                </a:schemeClr>
-              </a:solidFill>
-            </a:endParaRPr>
           </a:p>
         </p:txBody>
       </p:sp>
@@ -16815,66 +15230,6 @@
           </a:p>
         </p:txBody>
       </p:sp>
-      <p:pic>
-        <p:nvPicPr>
-          <p:cNvPr id="9" name="Picture 8"/>
-          <p:cNvPicPr>
-            <a:picLocks noChangeAspect="1"/>
-          </p:cNvPicPr>
-          <p:nvPr/>
-        </p:nvPicPr>
-        <p:blipFill>
-          <a:blip r:embed="rId3" cstate="print">
-            <a:extLst>
-              <a:ext uri="{28A0092B-C50C-407E-A947-70E740481C1C}">
-                <a14:useLocalDpi xmlns:a14="http://schemas.microsoft.com/office/drawing/2010/main" val="0"/>
-              </a:ext>
-            </a:extLst>
-          </a:blip>
-          <a:stretch>
-            <a:fillRect/>
-          </a:stretch>
-        </p:blipFill>
-        <p:spPr>
-          <a:xfrm>
-            <a:off x="127160" y="79873"/>
-            <a:ext cx="1285179" cy="924798"/>
-          </a:xfrm>
-          <a:prstGeom prst="rect">
-            <a:avLst/>
-          </a:prstGeom>
-        </p:spPr>
-      </p:pic>
-      <p:pic>
-        <p:nvPicPr>
-          <p:cNvPr id="10" name="Picture 9"/>
-          <p:cNvPicPr>
-            <a:picLocks noChangeAspect="1"/>
-          </p:cNvPicPr>
-          <p:nvPr/>
-        </p:nvPicPr>
-        <p:blipFill>
-          <a:blip r:embed="rId4" cstate="print">
-            <a:extLst>
-              <a:ext uri="{28A0092B-C50C-407E-A947-70E740481C1C}">
-                <a14:useLocalDpi xmlns:a14="http://schemas.microsoft.com/office/drawing/2010/main" val="0"/>
-              </a:ext>
-            </a:extLst>
-          </a:blip>
-          <a:stretch>
-            <a:fillRect/>
-          </a:stretch>
-        </p:blipFill>
-        <p:spPr>
-          <a:xfrm>
-            <a:off x="7837418" y="79872"/>
-            <a:ext cx="1183013" cy="929817"/>
-          </a:xfrm>
-          <a:prstGeom prst="rect">
-            <a:avLst/>
-          </a:prstGeom>
-        </p:spPr>
-      </p:pic>
       <p:sp>
         <p:nvSpPr>
           <p:cNvPr id="2" name="TextBox 1"/>
@@ -16883,7 +15238,7 @@
         </p:nvSpPr>
         <p:spPr>
           <a:xfrm>
-            <a:off x="1539499" y="247191"/>
+            <a:off x="326911" y="247191"/>
             <a:ext cx="4459857" cy="584775"/>
           </a:xfrm>
           <a:prstGeom prst="rect">
@@ -17018,7 +15373,7 @@
         <p:spPr>
           <a:xfrm>
             <a:off x="535853" y="1982328"/>
-            <a:ext cx="8484578" cy="4062651"/>
+            <a:ext cx="8484578" cy="2677656"/>
           </a:xfrm>
           <a:prstGeom prst="rect">
             <a:avLst/>
@@ -17037,18 +15392,50 @@
             </a:pPr>
             <a:r>
               <a:rPr lang="fr-FR" sz="2000" b="1" dirty="0" smtClean="0"/>
-              <a:t>Sujet</a:t>
-            </a:r>
-          </a:p>
-          <a:p>
-            <a:r>
-              <a:rPr lang="fr-FR" sz="2000" b="1" dirty="0" smtClean="0"/>
+              <a:t>Problème</a:t>
+            </a:r>
+          </a:p>
+          <a:p>
+            <a:r>
+              <a:rPr lang="fr-FR" b="1" dirty="0" smtClean="0"/>
               <a:t>	</a:t>
             </a:r>
             <a:r>
               <a:rPr lang="fr-FR" dirty="0" smtClean="0"/>
-              <a:t>Coder des enregistrements sonores urbains pour en permettre la 	transmission dans un réseau à large échelle en conservant l’information.</a:t>
-            </a:r>
+              <a:t>→ Nature et nombre des capteurs acoustiques</a:t>
+            </a:r>
+            <a:endParaRPr lang="fr-FR" dirty="0"/>
+          </a:p>
+          <a:p>
+            <a:r>
+              <a:rPr lang="fr-FR" b="1" dirty="0" smtClean="0"/>
+              <a:t>	</a:t>
+            </a:r>
+            <a:r>
+              <a:rPr lang="fr-FR" dirty="0" smtClean="0"/>
+              <a:t>→ Transmission directe de l’audio impossible</a:t>
+            </a:r>
+          </a:p>
+          <a:p>
+            <a:r>
+              <a:rPr lang="fr-FR" b="1" dirty="0"/>
+              <a:t>	</a:t>
+            </a:r>
+            <a:r>
+              <a:rPr lang="fr-FR" dirty="0" smtClean="0"/>
+              <a:t>→ </a:t>
+            </a:r>
+            <a:r>
+              <a:rPr lang="fr-FR" dirty="0"/>
+              <a:t>Besoin </a:t>
+            </a:r>
+            <a:r>
+              <a:rPr lang="fr-FR" dirty="0" smtClean="0"/>
+              <a:t>d’information pour le traitement</a:t>
+            </a:r>
+          </a:p>
+          <a:p>
+            <a:endParaRPr lang="fr-FR" b="1" dirty="0"/>
           </a:p>
           <a:p>
             <a:endParaRPr lang="fr-FR" b="1" dirty="0" smtClean="0"/>
@@ -17060,90 +15447,18 @@
             </a:pPr>
             <a:r>
               <a:rPr lang="fr-FR" sz="2000" b="1" dirty="0" smtClean="0"/>
-              <a:t>Contraintes multiples</a:t>
-            </a:r>
-            <a:endParaRPr lang="fr-FR" b="1" dirty="0"/>
-          </a:p>
-          <a:p>
+              <a:t>Sujet</a:t>
+            </a:r>
+            <a:endParaRPr lang="fr-FR" sz="2000" b="1" dirty="0" smtClean="0"/>
+          </a:p>
+          <a:p>
+            <a:r>
+              <a:rPr lang="fr-FR" sz="2000" b="1" dirty="0" smtClean="0"/>
+              <a:t>	</a:t>
+            </a:r>
             <a:r>
               <a:rPr lang="fr-FR" dirty="0" smtClean="0"/>
-              <a:t>	Enregistrements simultanés à large échelle</a:t>
-            </a:r>
-          </a:p>
-          <a:p>
-            <a:r>
-              <a:rPr lang="fr-FR" dirty="0" smtClean="0"/>
-              <a:t>		→ Faible débit de données (1.4 kbps)</a:t>
-            </a:r>
-          </a:p>
-          <a:p>
-            <a:r>
-              <a:rPr lang="fr-FR" dirty="0"/>
-              <a:t>	</a:t>
-            </a:r>
-            <a:r>
-              <a:rPr lang="fr-FR" dirty="0" smtClean="0"/>
-              <a:t>Réseau de capteurs bas coût</a:t>
-            </a:r>
-          </a:p>
-          <a:p>
-            <a:r>
-              <a:rPr lang="fr-FR" dirty="0"/>
-              <a:t>	</a:t>
-            </a:r>
-            <a:r>
-              <a:rPr lang="fr-FR" dirty="0" smtClean="0"/>
-              <a:t>	→ Faible complexité en mémoire/calcul</a:t>
-            </a:r>
-          </a:p>
-          <a:p>
-            <a:r>
-              <a:rPr lang="fr-FR" dirty="0"/>
-              <a:t>	</a:t>
-            </a:r>
-            <a:r>
-              <a:rPr lang="fr-FR" dirty="0" smtClean="0"/>
-              <a:t>Traitement des données acquises</a:t>
-            </a:r>
-          </a:p>
-          <a:p>
-            <a:r>
-              <a:rPr lang="fr-FR" dirty="0"/>
-              <a:t>	</a:t>
-            </a:r>
-            <a:r>
-              <a:rPr lang="fr-FR" dirty="0" smtClean="0"/>
-              <a:t>	→ Calcul d’indicateurs acoustiques</a:t>
-            </a:r>
-          </a:p>
-          <a:p>
-            <a:r>
-              <a:rPr lang="fr-FR" dirty="0"/>
-              <a:t>	</a:t>
-            </a:r>
-            <a:r>
-              <a:rPr lang="fr-FR" dirty="0" smtClean="0"/>
-              <a:t>	→ Reconnaissance d’évènements</a:t>
-            </a:r>
-          </a:p>
-          <a:p>
-            <a:r>
-              <a:rPr lang="fr-FR" dirty="0"/>
-              <a:t>	</a:t>
-            </a:r>
-            <a:r>
-              <a:rPr lang="fr-FR" dirty="0" smtClean="0"/>
-              <a:t>Respect de la vie privée</a:t>
-            </a:r>
-          </a:p>
-          <a:p>
-            <a:r>
-              <a:rPr lang="fr-FR" dirty="0"/>
-              <a:t>	</a:t>
-            </a:r>
-            <a:r>
-              <a:rPr lang="fr-FR" dirty="0" smtClean="0"/>
-              <a:t>	→ Intelligibilité réduite des extraits de voix</a:t>
+              <a:t>Coder des enregistrements sonores urbains pour en permettre la 	transmission dans un réseau à large échelle en conservant l’information.</a:t>
             </a:r>
           </a:p>
         </p:txBody>
@@ -17171,27 +15486,6 @@
 <file path=ppt/slides/slide6.xml><?xml version="1.0" encoding="utf-8"?>
 <p:sld xmlns:a="http://schemas.openxmlformats.org/drawingml/2006/main" xmlns:r="http://schemas.openxmlformats.org/officeDocument/2006/relationships" xmlns:p="http://schemas.openxmlformats.org/presentationml/2006/main">
   <p:cSld>
-    <p:bg>
-      <p:bgPr>
-        <a:gradFill>
-          <a:gsLst>
-            <a:gs pos="100000">
-              <a:schemeClr val="bg2">
-                <a:lumMod val="90000"/>
-              </a:schemeClr>
-            </a:gs>
-            <a:gs pos="55500">
-              <a:srgbClr val="F0F0F0"/>
-            </a:gs>
-            <a:gs pos="11000">
-              <a:schemeClr val="bg1"/>
-            </a:gs>
-          </a:gsLst>
-          <a:lin ang="5400000" scaled="1"/>
-        </a:gradFill>
-        <a:effectLst/>
-      </p:bgPr>
-    </p:bg>
     <p:spTree>
       <p:nvGrpSpPr>
         <p:cNvPr id="1" name=""/>
@@ -17327,13 +15621,6 @@
               </a:rPr>
               <a:t>Stage de Fin d’Études ESEO - LS2N</a:t>
             </a:r>
-            <a:endParaRPr lang="fr-FR" dirty="0">
-              <a:solidFill>
-                <a:schemeClr val="bg2">
-                  <a:lumMod val="50000"/>
-                </a:schemeClr>
-              </a:solidFill>
-            </a:endParaRPr>
           </a:p>
         </p:txBody>
       </p:sp>
@@ -17419,66 +15706,6 @@
           </a:p>
         </p:txBody>
       </p:sp>
-      <p:pic>
-        <p:nvPicPr>
-          <p:cNvPr id="9" name="Picture 8"/>
-          <p:cNvPicPr>
-            <a:picLocks noChangeAspect="1"/>
-          </p:cNvPicPr>
-          <p:nvPr/>
-        </p:nvPicPr>
-        <p:blipFill>
-          <a:blip r:embed="rId3" cstate="print">
-            <a:extLst>
-              <a:ext uri="{28A0092B-C50C-407E-A947-70E740481C1C}">
-                <a14:useLocalDpi xmlns:a14="http://schemas.microsoft.com/office/drawing/2010/main" val="0"/>
-              </a:ext>
-            </a:extLst>
-          </a:blip>
-          <a:stretch>
-            <a:fillRect/>
-          </a:stretch>
-        </p:blipFill>
-        <p:spPr>
-          <a:xfrm>
-            <a:off x="127160" y="79873"/>
-            <a:ext cx="1285179" cy="924798"/>
-          </a:xfrm>
-          <a:prstGeom prst="rect">
-            <a:avLst/>
-          </a:prstGeom>
-        </p:spPr>
-      </p:pic>
-      <p:pic>
-        <p:nvPicPr>
-          <p:cNvPr id="10" name="Picture 9"/>
-          <p:cNvPicPr>
-            <a:picLocks noChangeAspect="1"/>
-          </p:cNvPicPr>
-          <p:nvPr/>
-        </p:nvPicPr>
-        <p:blipFill>
-          <a:blip r:embed="rId4" cstate="print">
-            <a:extLst>
-              <a:ext uri="{28A0092B-C50C-407E-A947-70E740481C1C}">
-                <a14:useLocalDpi xmlns:a14="http://schemas.microsoft.com/office/drawing/2010/main" val="0"/>
-              </a:ext>
-            </a:extLst>
-          </a:blip>
-          <a:stretch>
-            <a:fillRect/>
-          </a:stretch>
-        </p:blipFill>
-        <p:spPr>
-          <a:xfrm>
-            <a:off x="7837418" y="79872"/>
-            <a:ext cx="1183013" cy="929817"/>
-          </a:xfrm>
-          <a:prstGeom prst="rect">
-            <a:avLst/>
-          </a:prstGeom>
-        </p:spPr>
-      </p:pic>
       <p:sp>
         <p:nvSpPr>
           <p:cNvPr id="2" name="TextBox 1"/>
@@ -17487,7 +15714,7 @@
         </p:nvSpPr>
         <p:spPr>
           <a:xfrm>
-            <a:off x="1539499" y="247191"/>
+            <a:off x="326911" y="247191"/>
             <a:ext cx="4459857" cy="584775"/>
           </a:xfrm>
           <a:prstGeom prst="rect">
@@ -17531,8 +15758,8 @@
         </p:nvSpPr>
         <p:spPr>
           <a:xfrm>
-            <a:off x="1632" y="1089561"/>
-            <a:ext cx="3431681" cy="454568"/>
+            <a:off x="1633" y="1089561"/>
+            <a:ext cx="2129092" cy="454568"/>
           </a:xfrm>
           <a:prstGeom prst="rect">
             <a:avLst/>
@@ -17576,6 +15803,518 @@
         </p:nvSpPr>
         <p:spPr>
           <a:xfrm>
+            <a:off x="229418" y="1089561"/>
+            <a:ext cx="1694274" cy="430887"/>
+          </a:xfrm>
+          <a:prstGeom prst="rect">
+            <a:avLst/>
+          </a:prstGeom>
+          <a:noFill/>
+        </p:spPr>
+        <p:txBody>
+          <a:bodyPr wrap="square" rtlCol="0">
+            <a:spAutoFit/>
+          </a:bodyPr>
+          <a:lstStyle/>
+          <a:p>
+            <a:pPr algn="ctr"/>
+            <a:r>
+              <a:rPr lang="fr-FR" sz="2200" dirty="0" smtClean="0">
+                <a:solidFill>
+                  <a:schemeClr val="bg1"/>
+                </a:solidFill>
+                <a:latin typeface="+mj-lt"/>
+                <a:ea typeface="CMU Serif" panose="02000603000000000000" pitchFamily="2" charset="0"/>
+                <a:cs typeface="CMU Serif" panose="02000603000000000000" pitchFamily="2" charset="0"/>
+              </a:rPr>
+              <a:t>Contraintes</a:t>
+            </a:r>
+            <a:endParaRPr lang="fr-FR" sz="2200" dirty="0">
+              <a:solidFill>
+                <a:schemeClr val="bg1"/>
+              </a:solidFill>
+              <a:latin typeface="+mj-lt"/>
+              <a:ea typeface="CMU Serif" panose="02000603000000000000" pitchFamily="2" charset="0"/>
+              <a:cs typeface="CMU Serif" panose="02000603000000000000" pitchFamily="2" charset="0"/>
+            </a:endParaRPr>
+          </a:p>
+        </p:txBody>
+      </p:sp>
+      <p:sp>
+        <p:nvSpPr>
+          <p:cNvPr id="13" name="TextBox 12"/>
+          <p:cNvSpPr txBox="1"/>
+          <p:nvPr/>
+        </p:nvSpPr>
+        <p:spPr>
+          <a:xfrm>
+            <a:off x="535853" y="1982328"/>
+            <a:ext cx="8484578" cy="3724096"/>
+          </a:xfrm>
+          <a:prstGeom prst="rect">
+            <a:avLst/>
+          </a:prstGeom>
+          <a:noFill/>
+        </p:spPr>
+        <p:txBody>
+          <a:bodyPr wrap="square" rtlCol="0">
+            <a:spAutoFit/>
+          </a:bodyPr>
+          <a:lstStyle/>
+          <a:p>
+            <a:pPr marL="285750" indent="-285750">
+              <a:buFont typeface="Arial" panose="020B0604020202020204" pitchFamily="34" charset="0"/>
+              <a:buChar char="•"/>
+            </a:pPr>
+            <a:r>
+              <a:rPr lang="fr-FR" sz="2000" b="1" dirty="0" smtClean="0"/>
+              <a:t>Objectif principal</a:t>
+            </a:r>
+          </a:p>
+          <a:p>
+            <a:r>
+              <a:rPr lang="fr-FR" sz="2000" b="1" dirty="0"/>
+              <a:t>	</a:t>
+            </a:r>
+            <a:r>
+              <a:rPr lang="fr-FR" dirty="0" smtClean="0"/>
+              <a:t>Surveillance acoustique</a:t>
+            </a:r>
+          </a:p>
+          <a:p>
+            <a:r>
+              <a:rPr lang="fr-FR" dirty="0"/>
+              <a:t>		→ Calcul d’indicateurs acoustiques</a:t>
+            </a:r>
+          </a:p>
+          <a:p>
+            <a:r>
+              <a:rPr lang="fr-FR" b="1" dirty="0" smtClean="0"/>
+              <a:t>	</a:t>
+            </a:r>
+            <a:r>
+              <a:rPr lang="fr-FR" dirty="0" smtClean="0"/>
+              <a:t>Identification de sources sonores</a:t>
+            </a:r>
+          </a:p>
+          <a:p>
+            <a:r>
+              <a:rPr lang="fr-FR" dirty="0"/>
+              <a:t>		→ Reconnaissance </a:t>
+            </a:r>
+            <a:r>
+              <a:rPr lang="fr-FR" dirty="0" smtClean="0"/>
+              <a:t>d’évènements</a:t>
+            </a:r>
+          </a:p>
+          <a:p>
+            <a:endParaRPr lang="fr-FR" sz="1400" b="1" dirty="0" smtClean="0"/>
+          </a:p>
+          <a:p>
+            <a:pPr marL="285750" indent="-285750">
+              <a:buFont typeface="Arial" panose="020B0604020202020204" pitchFamily="34" charset="0"/>
+              <a:buChar char="•"/>
+            </a:pPr>
+            <a:r>
+              <a:rPr lang="fr-FR" sz="2000" b="1" dirty="0" smtClean="0"/>
+              <a:t>Contraintes additionnelles</a:t>
+            </a:r>
+            <a:endParaRPr lang="fr-FR" b="1" dirty="0"/>
+          </a:p>
+          <a:p>
+            <a:r>
+              <a:rPr lang="fr-FR" dirty="0" smtClean="0"/>
+              <a:t>	Enregistrements simultanés à large échelle</a:t>
+            </a:r>
+          </a:p>
+          <a:p>
+            <a:r>
+              <a:rPr lang="fr-FR" dirty="0" smtClean="0"/>
+              <a:t>		→ Faible débit de données (1.4 kbps)</a:t>
+            </a:r>
+          </a:p>
+          <a:p>
+            <a:r>
+              <a:rPr lang="fr-FR" dirty="0"/>
+              <a:t>	</a:t>
+            </a:r>
+            <a:r>
+              <a:rPr lang="fr-FR" dirty="0" smtClean="0"/>
+              <a:t>Réseau de capteurs bas coût</a:t>
+            </a:r>
+          </a:p>
+          <a:p>
+            <a:r>
+              <a:rPr lang="fr-FR" dirty="0"/>
+              <a:t>	</a:t>
+            </a:r>
+            <a:r>
+              <a:rPr lang="fr-FR" dirty="0" smtClean="0"/>
+              <a:t>	→ Faible complexité en mémoire/calcul</a:t>
+            </a:r>
+          </a:p>
+          <a:p>
+            <a:r>
+              <a:rPr lang="fr-FR" dirty="0"/>
+              <a:t>	</a:t>
+            </a:r>
+            <a:r>
+              <a:rPr lang="fr-FR" dirty="0" smtClean="0"/>
+              <a:t>Respect de la vie privée</a:t>
+            </a:r>
+          </a:p>
+          <a:p>
+            <a:r>
+              <a:rPr lang="fr-FR" dirty="0"/>
+              <a:t>	</a:t>
+            </a:r>
+            <a:r>
+              <a:rPr lang="fr-FR" dirty="0" smtClean="0"/>
+              <a:t>	→ Intelligibilité réduite des extraits de voix</a:t>
+            </a:r>
+          </a:p>
+        </p:txBody>
+      </p:sp>
+    </p:spTree>
+    <p:extLst>
+      <p:ext uri="{BB962C8B-B14F-4D97-AF65-F5344CB8AC3E}">
+        <p14:creationId xmlns:p14="http://schemas.microsoft.com/office/powerpoint/2010/main" val="612765173"/>
+      </p:ext>
+    </p:extLst>
+  </p:cSld>
+  <p:clrMapOvr>
+    <a:masterClrMapping/>
+  </p:clrMapOvr>
+  <p:timing>
+    <p:tnLst>
+      <p:par>
+        <p:cTn id="1" dur="indefinite" restart="never" nodeType="tmRoot"/>
+      </p:par>
+    </p:tnLst>
+  </p:timing>
+</p:sld>
+</file>
+
+<file path=ppt/slides/slide7.xml><?xml version="1.0" encoding="utf-8"?>
+<p:sld xmlns:a="http://schemas.openxmlformats.org/drawingml/2006/main" xmlns:r="http://schemas.openxmlformats.org/officeDocument/2006/relationships" xmlns:p="http://schemas.openxmlformats.org/presentationml/2006/main">
+  <p:cSld>
+    <p:spTree>
+      <p:nvGrpSpPr>
+        <p:cNvPr id="1" name=""/>
+        <p:cNvGrpSpPr/>
+        <p:nvPr/>
+      </p:nvGrpSpPr>
+      <p:grpSpPr>
+        <a:xfrm>
+          <a:off x="0" y="0"/>
+          <a:ext cx="0" cy="0"/>
+          <a:chOff x="0" y="0"/>
+          <a:chExt cx="0" cy="0"/>
+        </a:xfrm>
+      </p:grpSpPr>
+      <p:sp>
+        <p:nvSpPr>
+          <p:cNvPr id="4" name="Rectangle 3"/>
+          <p:cNvSpPr/>
+          <p:nvPr/>
+        </p:nvSpPr>
+        <p:spPr>
+          <a:xfrm>
+            <a:off x="0" y="1"/>
+            <a:ext cx="9144000" cy="1079157"/>
+          </a:xfrm>
+          <a:prstGeom prst="rect">
+            <a:avLst/>
+          </a:prstGeom>
+        </p:spPr>
+        <p:style>
+          <a:lnRef idx="2">
+            <a:schemeClr val="dk1">
+              <a:shade val="50000"/>
+            </a:schemeClr>
+          </a:lnRef>
+          <a:fillRef idx="1">
+            <a:schemeClr val="dk1"/>
+          </a:fillRef>
+          <a:effectRef idx="0">
+            <a:schemeClr val="dk1"/>
+          </a:effectRef>
+          <a:fontRef idx="minor">
+            <a:schemeClr val="lt1"/>
+          </a:fontRef>
+        </p:style>
+        <p:txBody>
+          <a:bodyPr rot="0" spcFirstLastPara="0" vertOverflow="overflow" horzOverflow="overflow" vert="horz" wrap="square" lIns="91440" tIns="45720" rIns="91440" bIns="45720" numCol="1" spcCol="0" rtlCol="0" fromWordArt="0" anchor="ctr" anchorCtr="0" forceAA="0" compatLnSpc="1">
+            <a:prstTxWarp prst="textNoShape">
+              <a:avLst/>
+            </a:prstTxWarp>
+            <a:noAutofit/>
+          </a:bodyPr>
+          <a:lstStyle/>
+          <a:p>
+            <a:pPr algn="ctr"/>
+            <a:endParaRPr lang="fr-FR"/>
+          </a:p>
+        </p:txBody>
+      </p:sp>
+      <p:sp>
+        <p:nvSpPr>
+          <p:cNvPr id="5" name="Rectangle 4"/>
+          <p:cNvSpPr/>
+          <p:nvPr/>
+        </p:nvSpPr>
+        <p:spPr>
+          <a:xfrm>
+            <a:off x="0" y="6483178"/>
+            <a:ext cx="9144000" cy="374822"/>
+          </a:xfrm>
+          <a:prstGeom prst="rect">
+            <a:avLst/>
+          </a:prstGeom>
+        </p:spPr>
+        <p:style>
+          <a:lnRef idx="2">
+            <a:schemeClr val="dk1">
+              <a:shade val="50000"/>
+            </a:schemeClr>
+          </a:lnRef>
+          <a:fillRef idx="1">
+            <a:schemeClr val="dk1"/>
+          </a:fillRef>
+          <a:effectRef idx="0">
+            <a:schemeClr val="dk1"/>
+          </a:effectRef>
+          <a:fontRef idx="minor">
+            <a:schemeClr val="lt1"/>
+          </a:fontRef>
+        </p:style>
+        <p:txBody>
+          <a:bodyPr rot="0" spcFirstLastPara="0" vertOverflow="overflow" horzOverflow="overflow" vert="horz" wrap="square" lIns="91440" tIns="45720" rIns="91440" bIns="45720" numCol="1" spcCol="0" rtlCol="0" fromWordArt="0" anchor="ctr" anchorCtr="0" forceAA="0" compatLnSpc="1">
+            <a:prstTxWarp prst="textNoShape">
+              <a:avLst/>
+            </a:prstTxWarp>
+            <a:noAutofit/>
+          </a:bodyPr>
+          <a:lstStyle/>
+          <a:p>
+            <a:pPr algn="ctr"/>
+            <a:endParaRPr lang="fr-FR"/>
+          </a:p>
+        </p:txBody>
+      </p:sp>
+      <p:sp>
+        <p:nvSpPr>
+          <p:cNvPr id="6" name="TextBox 5"/>
+          <p:cNvSpPr txBox="1"/>
+          <p:nvPr/>
+        </p:nvSpPr>
+        <p:spPr>
+          <a:xfrm>
+            <a:off x="0" y="6483178"/>
+            <a:ext cx="4152900" cy="369332"/>
+          </a:xfrm>
+          <a:prstGeom prst="rect">
+            <a:avLst/>
+          </a:prstGeom>
+        </p:spPr>
+        <p:txBody>
+          <a:bodyPr wrap="square" rtlCol="0">
+            <a:spAutoFit/>
+          </a:bodyPr>
+          <a:lstStyle/>
+          <a:p>
+            <a:r>
+              <a:rPr lang="fr-FR" dirty="0">
+                <a:solidFill>
+                  <a:schemeClr val="bg2">
+                    <a:lumMod val="50000"/>
+                  </a:schemeClr>
+                </a:solidFill>
+              </a:rPr>
+              <a:t>Stage de Fin d’Études ESEO - LS2N</a:t>
+            </a:r>
+          </a:p>
+        </p:txBody>
+      </p:sp>
+      <p:sp>
+        <p:nvSpPr>
+          <p:cNvPr id="7" name="TextBox 6"/>
+          <p:cNvSpPr txBox="1"/>
+          <p:nvPr/>
+        </p:nvSpPr>
+        <p:spPr>
+          <a:xfrm>
+            <a:off x="6914009" y="6483178"/>
+            <a:ext cx="2229991" cy="369332"/>
+          </a:xfrm>
+          <a:prstGeom prst="rect">
+            <a:avLst/>
+          </a:prstGeom>
+          <a:noFill/>
+        </p:spPr>
+        <p:txBody>
+          <a:bodyPr wrap="square" rtlCol="0">
+            <a:spAutoFit/>
+          </a:bodyPr>
+          <a:lstStyle/>
+          <a:p>
+            <a:pPr algn="r"/>
+            <a:r>
+              <a:rPr lang="fr-FR" dirty="0" smtClean="0">
+                <a:solidFill>
+                  <a:schemeClr val="bg2">
+                    <a:lumMod val="50000"/>
+                  </a:schemeClr>
+                </a:solidFill>
+              </a:rPr>
+              <a:t>15 septembre 2017</a:t>
+            </a:r>
+            <a:endParaRPr lang="fr-FR" dirty="0">
+              <a:solidFill>
+                <a:schemeClr val="bg2">
+                  <a:lumMod val="50000"/>
+                </a:schemeClr>
+              </a:solidFill>
+            </a:endParaRPr>
+          </a:p>
+        </p:txBody>
+      </p:sp>
+      <p:sp>
+        <p:nvSpPr>
+          <p:cNvPr id="8" name="TextBox 7"/>
+          <p:cNvSpPr txBox="1"/>
+          <p:nvPr/>
+        </p:nvSpPr>
+        <p:spPr>
+          <a:xfrm>
+            <a:off x="3805881" y="6483178"/>
+            <a:ext cx="1532238" cy="369332"/>
+          </a:xfrm>
+          <a:prstGeom prst="rect">
+            <a:avLst/>
+          </a:prstGeom>
+          <a:noFill/>
+        </p:spPr>
+        <p:txBody>
+          <a:bodyPr wrap="square" rtlCol="0">
+            <a:spAutoFit/>
+          </a:bodyPr>
+          <a:lstStyle/>
+          <a:p>
+            <a:pPr algn="ctr"/>
+            <a:r>
+              <a:rPr lang="fr-FR" dirty="0" smtClean="0">
+                <a:solidFill>
+                  <a:schemeClr val="bg1"/>
+                </a:solidFill>
+              </a:rPr>
+              <a:t>7</a:t>
+            </a:r>
+            <a:endParaRPr lang="fr-FR" dirty="0">
+              <a:solidFill>
+                <a:schemeClr val="bg1"/>
+              </a:solidFill>
+            </a:endParaRPr>
+          </a:p>
+        </p:txBody>
+      </p:sp>
+      <p:sp>
+        <p:nvSpPr>
+          <p:cNvPr id="2" name="TextBox 1"/>
+          <p:cNvSpPr txBox="1"/>
+          <p:nvPr/>
+        </p:nvSpPr>
+        <p:spPr>
+          <a:xfrm>
+            <a:off x="329711" y="247191"/>
+            <a:ext cx="4459857" cy="584775"/>
+          </a:xfrm>
+          <a:prstGeom prst="rect">
+            <a:avLst/>
+          </a:prstGeom>
+          <a:noFill/>
+        </p:spPr>
+        <p:txBody>
+          <a:bodyPr wrap="square" rtlCol="0">
+            <a:spAutoFit/>
+          </a:bodyPr>
+          <a:lstStyle/>
+          <a:p>
+            <a:r>
+              <a:rPr lang="fr-FR" sz="3200" dirty="0" smtClean="0">
+                <a:solidFill>
+                  <a:schemeClr val="bg1"/>
+                </a:solidFill>
+                <a:latin typeface="+mj-lt"/>
+                <a:ea typeface="CMU Serif" panose="02000603000000000000" pitchFamily="2" charset="0"/>
+                <a:cs typeface="CMU Serif" panose="02000603000000000000" pitchFamily="2" charset="0"/>
+              </a:rPr>
+              <a:t>Problématique</a:t>
+            </a:r>
+            <a:endParaRPr lang="fr-FR" sz="3200" dirty="0">
+              <a:solidFill>
+                <a:schemeClr val="bg1"/>
+              </a:solidFill>
+              <a:latin typeface="+mj-lt"/>
+              <a:ea typeface="CMU Serif" panose="02000603000000000000" pitchFamily="2" charset="0"/>
+              <a:cs typeface="CMU Serif" panose="02000603000000000000" pitchFamily="2" charset="0"/>
+            </a:endParaRPr>
+          </a:p>
+        </p:txBody>
+      </p:sp>
+      <p:sp>
+        <p:nvSpPr>
+          <p:cNvPr id="11" name="Rectangle 10"/>
+          <p:cNvSpPr/>
+          <p:nvPr/>
+        </p:nvSpPr>
+        <p:spPr>
+          <a:xfrm>
+            <a:off x="1632" y="1089561"/>
+            <a:ext cx="3431681" cy="454568"/>
+          </a:xfrm>
+          <a:prstGeom prst="rect">
+            <a:avLst/>
+          </a:prstGeom>
+        </p:spPr>
+        <p:style>
+          <a:lnRef idx="2">
+            <a:schemeClr val="dk1">
+              <a:shade val="50000"/>
+            </a:schemeClr>
+          </a:lnRef>
+          <a:fillRef idx="1">
+            <a:schemeClr val="dk1"/>
+          </a:fillRef>
+          <a:effectRef idx="0">
+            <a:schemeClr val="dk1"/>
+          </a:effectRef>
+          <a:fontRef idx="minor">
+            <a:schemeClr val="lt1"/>
+          </a:fontRef>
+        </p:style>
+        <p:txBody>
+          <a:bodyPr rot="0" spcFirstLastPara="0" vertOverflow="overflow" horzOverflow="overflow" vert="horz" wrap="square" lIns="91440" tIns="45720" rIns="91440" bIns="45720" numCol="1" spcCol="0" rtlCol="0" fromWordArt="0" anchor="ctr" anchorCtr="0" forceAA="0" compatLnSpc="1">
+            <a:prstTxWarp prst="textNoShape">
+              <a:avLst/>
+            </a:prstTxWarp>
+            <a:noAutofit/>
+          </a:bodyPr>
+          <a:lstStyle/>
+          <a:p>
+            <a:pPr algn="ctr"/>
+            <a:endParaRPr lang="fr-FR"/>
+          </a:p>
+        </p:txBody>
+      </p:sp>
+      <p:sp>
+        <p:nvSpPr>
+          <p:cNvPr id="12" name="TextBox 11"/>
+          <p:cNvSpPr txBox="1"/>
+          <p:nvPr/>
+        </p:nvSpPr>
+        <p:spPr>
+          <a:xfrm>
             <a:off x="115524" y="1089561"/>
             <a:ext cx="3248778" cy="430887"/>
           </a:xfrm>
@@ -17613,8 +16352,8 @@
           </a:p>
         </p:txBody>
       </p:sp>
-      <mc:AlternateContent xmlns:mc="http://schemas.openxmlformats.org/markup-compatibility/2006">
-        <mc:Choice xmlns:a14="http://schemas.microsoft.com/office/drawing/2010/main" Requires="a14">
+      <mc:AlternateContent xmlns:mc="http://schemas.openxmlformats.org/markup-compatibility/2006" xmlns:a14="http://schemas.microsoft.com/office/drawing/2010/main">
+        <mc:Choice Requires="a14">
           <p:sp>
             <p:nvSpPr>
               <p:cNvPr id="14" name="TextBox 13"/>
@@ -17744,7 +16483,7 @@
             </p:txBody>
           </p:sp>
         </mc:Choice>
-        <mc:Fallback>
+        <mc:Fallback xmlns="">
           <p:sp>
             <p:nvSpPr>
               <p:cNvPr id="14" name="TextBox 13"/>
@@ -17783,8 +16522,8 @@
           </p:sp>
         </mc:Fallback>
       </mc:AlternateContent>
-      <mc:AlternateContent xmlns:mc="http://schemas.openxmlformats.org/markup-compatibility/2006">
-        <mc:Choice xmlns:a14="http://schemas.microsoft.com/office/drawing/2010/main" Requires="a14">
+      <mc:AlternateContent xmlns:mc="http://schemas.openxmlformats.org/markup-compatibility/2006" xmlns:a14="http://schemas.microsoft.com/office/drawing/2010/main">
+        <mc:Choice Requires="a14">
           <p:sp>
             <p:nvSpPr>
               <p:cNvPr id="15" name="TextBox 14"/>
@@ -17853,7 +16592,7 @@
             </p:txBody>
           </p:sp>
         </mc:Choice>
-        <mc:Fallback>
+        <mc:Fallback xmlns="">
           <p:sp>
             <p:nvSpPr>
               <p:cNvPr id="15" name="TextBox 14"/>
@@ -17912,30 +16651,9 @@
 </p:sld>
 </file>
 
-<file path=ppt/slides/slide7.xml><?xml version="1.0" encoding="utf-8"?>
+<file path=ppt/slides/slide8.xml><?xml version="1.0" encoding="utf-8"?>
 <p:sld xmlns:a="http://schemas.openxmlformats.org/drawingml/2006/main" xmlns:r="http://schemas.openxmlformats.org/officeDocument/2006/relationships" xmlns:p="http://schemas.openxmlformats.org/presentationml/2006/main">
   <p:cSld>
-    <p:bg>
-      <p:bgPr>
-        <a:gradFill>
-          <a:gsLst>
-            <a:gs pos="100000">
-              <a:schemeClr val="bg2">
-                <a:lumMod val="90000"/>
-              </a:schemeClr>
-            </a:gs>
-            <a:gs pos="55500">
-              <a:srgbClr val="F0F0F0"/>
-            </a:gs>
-            <a:gs pos="11000">
-              <a:schemeClr val="bg1"/>
-            </a:gs>
-          </a:gsLst>
-          <a:lin ang="5400000" scaled="1"/>
-        </a:gradFill>
-        <a:effectLst/>
-      </p:bgPr>
-    </p:bg>
     <p:spTree>
       <p:nvGrpSpPr>
         <p:cNvPr id="1" name=""/>
@@ -18071,13 +16789,6 @@
               </a:rPr>
               <a:t>Stage de Fin d’Études ESEO - LS2N</a:t>
             </a:r>
-            <a:endParaRPr lang="fr-FR" dirty="0">
-              <a:solidFill>
-                <a:schemeClr val="bg2">
-                  <a:lumMod val="50000"/>
-                </a:schemeClr>
-              </a:solidFill>
-            </a:endParaRPr>
           </a:p>
         </p:txBody>
       </p:sp>
@@ -18153,7 +16864,7 @@
                   <a:schemeClr val="bg1"/>
                 </a:solidFill>
               </a:rPr>
-              <a:t>7</a:t>
+              <a:t>8</a:t>
             </a:r>
             <a:endParaRPr lang="fr-FR" dirty="0">
               <a:solidFill>
@@ -18163,66 +16874,6 @@
           </a:p>
         </p:txBody>
       </p:sp>
-      <p:pic>
-        <p:nvPicPr>
-          <p:cNvPr id="9" name="Picture 8"/>
-          <p:cNvPicPr>
-            <a:picLocks noChangeAspect="1"/>
-          </p:cNvPicPr>
-          <p:nvPr/>
-        </p:nvPicPr>
-        <p:blipFill>
-          <a:blip r:embed="rId4" cstate="print">
-            <a:extLst>
-              <a:ext uri="{28A0092B-C50C-407E-A947-70E740481C1C}">
-                <a14:useLocalDpi xmlns:a14="http://schemas.microsoft.com/office/drawing/2010/main" val="0"/>
-              </a:ext>
-            </a:extLst>
-          </a:blip>
-          <a:stretch>
-            <a:fillRect/>
-          </a:stretch>
-        </p:blipFill>
-        <p:spPr>
-          <a:xfrm>
-            <a:off x="127160" y="79873"/>
-            <a:ext cx="1285179" cy="924798"/>
-          </a:xfrm>
-          <a:prstGeom prst="rect">
-            <a:avLst/>
-          </a:prstGeom>
-        </p:spPr>
-      </p:pic>
-      <p:pic>
-        <p:nvPicPr>
-          <p:cNvPr id="10" name="Picture 9"/>
-          <p:cNvPicPr>
-            <a:picLocks noChangeAspect="1"/>
-          </p:cNvPicPr>
-          <p:nvPr/>
-        </p:nvPicPr>
-        <p:blipFill>
-          <a:blip r:embed="rId5" cstate="print">
-            <a:extLst>
-              <a:ext uri="{28A0092B-C50C-407E-A947-70E740481C1C}">
-                <a14:useLocalDpi xmlns:a14="http://schemas.microsoft.com/office/drawing/2010/main" val="0"/>
-              </a:ext>
-            </a:extLst>
-          </a:blip>
-          <a:stretch>
-            <a:fillRect/>
-          </a:stretch>
-        </p:blipFill>
-        <p:spPr>
-          <a:xfrm>
-            <a:off x="7837418" y="79872"/>
-            <a:ext cx="1183013" cy="929817"/>
-          </a:xfrm>
-          <a:prstGeom prst="rect">
-            <a:avLst/>
-          </a:prstGeom>
-        </p:spPr>
-      </p:pic>
       <p:sp>
         <p:nvSpPr>
           <p:cNvPr id="2" name="TextBox 1"/>
@@ -18231,7 +16882,7 @@
         </p:nvSpPr>
         <p:spPr>
           <a:xfrm>
-            <a:off x="1539499" y="247191"/>
+            <a:off x="332118" y="247191"/>
             <a:ext cx="4459857" cy="584775"/>
           </a:xfrm>
           <a:prstGeom prst="rect">
@@ -18357,63 +17008,6 @@
           </a:p>
         </p:txBody>
       </p:sp>
-      <p:graphicFrame>
-        <p:nvGraphicFramePr>
-          <p:cNvPr id="3" name="Object 2"/>
-          <p:cNvGraphicFramePr>
-            <a:graphicFrameLocks noChangeAspect="1"/>
-          </p:cNvGraphicFramePr>
-          <p:nvPr>
-            <p:extLst>
-              <p:ext uri="{D42A27DB-BD31-4B8C-83A1-F6EECF244321}">
-                <p14:modId xmlns:p14="http://schemas.microsoft.com/office/powerpoint/2010/main" val="3165045793"/>
-              </p:ext>
-            </p:extLst>
-          </p:nvPr>
-        </p:nvGraphicFramePr>
-        <p:xfrm>
-          <a:off x="5926346" y="4023466"/>
-          <a:ext cx="3027872" cy="2270904"/>
-        </p:xfrm>
-        <a:graphic>
-          <a:graphicData uri="http://schemas.openxmlformats.org/presentationml/2006/ole">
-            <mc:AlternateContent xmlns:mc="http://schemas.openxmlformats.org/markup-compatibility/2006">
-              <mc:Choice xmlns:v="urn:schemas-microsoft-com:vml" Requires="v">
-                <p:oleObj spid="_x0000_s18506" name="Acrobat Document" r:id="rId6" imgW="4000380" imgH="2999976" progId="AcroExch.Document.DC">
-                  <p:embed/>
-                </p:oleObj>
-              </mc:Choice>
-              <mc:Fallback>
-                <p:oleObj name="Acrobat Document" r:id="rId6" imgW="4000380" imgH="2999976" progId="AcroExch.Document.DC">
-                  <p:embed/>
-                  <p:pic>
-                    <p:nvPicPr>
-                      <p:cNvPr id="0" name=""/>
-                      <p:cNvPicPr/>
-                      <p:nvPr/>
-                    </p:nvPicPr>
-                    <p:blipFill>
-                      <a:blip r:embed="rId7"/>
-                      <a:stretch>
-                        <a:fillRect/>
-                      </a:stretch>
-                    </p:blipFill>
-                    <p:spPr>
-                      <a:xfrm>
-                        <a:off x="5926346" y="4023466"/>
-                        <a:ext cx="3027872" cy="2270904"/>
-                      </a:xfrm>
-                      <a:prstGeom prst="rect">
-                        <a:avLst/>
-                      </a:prstGeom>
-                    </p:spPr>
-                  </p:pic>
-                </p:oleObj>
-              </mc:Fallback>
-            </mc:AlternateContent>
-          </a:graphicData>
-        </a:graphic>
-      </p:graphicFrame>
       <p:sp>
         <p:nvSpPr>
           <p:cNvPr id="13" name="TextBox 12"/>
@@ -18423,7 +17017,7 @@
         <p:spPr>
           <a:xfrm>
             <a:off x="659422" y="1807383"/>
-            <a:ext cx="8484578" cy="3508653"/>
+            <a:ext cx="8484578" cy="954107"/>
           </a:xfrm>
           <a:prstGeom prst="rect">
             <a:avLst/>
@@ -18442,70 +17036,9 @@
             </a:pPr>
             <a:r>
               <a:rPr lang="fr-FR" sz="2000" b="1" dirty="0" smtClean="0"/>
-              <a:t>Méthode courante: filtrage temporel et décimations successives</a:t>
-            </a:r>
-          </a:p>
-          <a:p>
-            <a:r>
-              <a:rPr lang="fr-FR" dirty="0" smtClean="0"/>
-              <a:t>	→ Limitée par la conception de filtres dans le domaine temporel</a:t>
-            </a:r>
-          </a:p>
-          <a:p>
-            <a:r>
-              <a:rPr lang="fr-FR" dirty="0"/>
-              <a:t>	</a:t>
-            </a:r>
-            <a:r>
-              <a:rPr lang="fr-FR" dirty="0" smtClean="0"/>
-              <a:t>→ S’apparente à une transformée en ondelettes</a:t>
-            </a:r>
-          </a:p>
-          <a:p>
-            <a:pPr marL="285750" indent="-285750">
-              <a:buFont typeface="Arial" panose="020B0604020202020204" pitchFamily="34" charset="0"/>
-              <a:buChar char="•"/>
-            </a:pPr>
-            <a:r>
-              <a:rPr lang="fr-FR" sz="2000" b="1" dirty="0" smtClean="0"/>
-              <a:t>Alternative: transformation du spectre de magnitude</a:t>
-            </a:r>
-            <a:endParaRPr lang="fr-FR" b="1" dirty="0"/>
-          </a:p>
-          <a:p>
-            <a:r>
-              <a:rPr lang="fr-FR" dirty="0" smtClean="0"/>
-              <a:t>	→ Transformation linéaire dans le domaine fréquentiel</a:t>
-            </a:r>
-          </a:p>
-          <a:p>
-            <a:r>
-              <a:rPr lang="fr-FR" dirty="0" smtClean="0"/>
-              <a:t>	→ Permet des gains en fréquence plus précis</a:t>
-            </a:r>
-          </a:p>
-          <a:p>
-            <a:r>
-              <a:rPr lang="fr-FR" dirty="0"/>
-              <a:t>	</a:t>
-            </a:r>
-            <a:r>
-              <a:rPr lang="fr-FR" dirty="0" smtClean="0"/>
-              <a:t>→ Apporte des erreurs causées par la transformée de Fourier</a:t>
-            </a:r>
-          </a:p>
-          <a:p>
-            <a:endParaRPr lang="fr-FR" dirty="0" smtClean="0"/>
-          </a:p>
-          <a:p>
-            <a:pPr marL="285750" indent="-285750">
-              <a:buFont typeface="Arial" panose="020B0604020202020204" pitchFamily="34" charset="0"/>
-              <a:buChar char="•"/>
-            </a:pPr>
-            <a:r>
-              <a:rPr lang="fr-FR" sz="2000" b="1" dirty="0"/>
               <a:t>Algorithme</a:t>
             </a:r>
+            <a:endParaRPr lang="fr-FR" sz="2000" b="1" dirty="0"/>
           </a:p>
           <a:p>
             <a:pPr marL="800100" lvl="1" indent="-342900">
@@ -18514,7 +17047,7 @@
             </a:pPr>
             <a:r>
               <a:rPr lang="fr-FR" dirty="0" smtClean="0"/>
-              <a:t>Transformée de Fourier à court-terme</a:t>
+              <a:t>Transformée de Fourier à court-terme (STFT)</a:t>
             </a:r>
             <a:endParaRPr lang="fr-FR" dirty="0"/>
           </a:p>
@@ -18525,33 +17058,85 @@
             </a:pPr>
             <a:r>
               <a:rPr lang="fr-FR" dirty="0" smtClean="0"/>
-              <a:t>Analyse en tiers d’octave (multiplication</a:t>
-            </a:r>
-          </a:p>
-          <a:p>
-            <a:pPr lvl="1"/>
-            <a:r>
-              <a:rPr lang="fr-FR" dirty="0"/>
-              <a:t>m</a:t>
-            </a:r>
-            <a:r>
-              <a:rPr lang="fr-FR" dirty="0" smtClean="0"/>
-              <a:t>atricielle)</a:t>
+              <a:t>Analyse en tiers d’octave 20 Hz – 20 kHz</a:t>
             </a:r>
             <a:endParaRPr lang="fr-FR" dirty="0"/>
           </a:p>
         </p:txBody>
       </p:sp>
-      <p:sp>
-        <p:nvSpPr>
-          <p:cNvPr id="15" name="TextBox 14"/>
+      <p:pic>
+        <p:nvPicPr>
+          <p:cNvPr id="14" name="42117-8-0-14">
+            <a:hlinkClick r:id="" action="ppaction://media"/>
+          </p:cNvPr>
+          <p:cNvPicPr>
+            <a:picLocks noChangeAspect="1"/>
+          </p:cNvPicPr>
+          <p:nvPr>
+            <a:audioFile r:link="rId2"/>
+            <p:extLst>
+              <p:ext uri="{DAA4B4D4-6D71-4841-9C94-3DE7FCFB9230}">
+                <p14:media xmlns:p14="http://schemas.microsoft.com/office/powerpoint/2010/main" r:embed="rId1"/>
+              </p:ext>
+            </p:extLst>
+          </p:nvPr>
+        </p:nvPicPr>
+        <p:blipFill>
+          <a:blip r:embed="rId5"/>
+          <a:stretch>
+            <a:fillRect/>
+          </a:stretch>
+        </p:blipFill>
+        <p:spPr>
+          <a:xfrm>
+            <a:off x="1978325" y="4317534"/>
+            <a:ext cx="609600" cy="609600"/>
+          </a:xfrm>
+          <a:prstGeom prst="rect">
+            <a:avLst/>
+          </a:prstGeom>
+        </p:spPr>
+      </p:pic>
+      <p:pic>
+        <p:nvPicPr>
+          <p:cNvPr id="18" name="Picture 17"/>
+          <p:cNvPicPr>
+            <a:picLocks noChangeAspect="1"/>
+          </p:cNvPicPr>
+          <p:nvPr/>
+        </p:nvPicPr>
+        <p:blipFill>
+          <a:blip r:embed="rId6">
+            <a:extLst>
+              <a:ext uri="{28A0092B-C50C-407E-A947-70E740481C1C}">
+                <a14:useLocalDpi xmlns:a14="http://schemas.microsoft.com/office/drawing/2010/main" val="0"/>
+              </a:ext>
+            </a:extLst>
+          </a:blip>
+          <a:stretch>
+            <a:fillRect/>
+          </a:stretch>
+        </p:blipFill>
+        <p:spPr>
+          <a:xfrm>
+            <a:off x="4389740" y="3186213"/>
+            <a:ext cx="4305686" cy="3229265"/>
+          </a:xfrm>
+          <a:prstGeom prst="rect">
+            <a:avLst/>
+          </a:prstGeom>
+        </p:spPr>
+      </p:pic>
+      <p:sp>
+        <p:nvSpPr>
+          <p:cNvPr id="19" name="TextBox 18"/>
           <p:cNvSpPr txBox="1"/>
           <p:nvPr/>
         </p:nvSpPr>
         <p:spPr>
           <a:xfrm>
-            <a:off x="3196986" y="5482037"/>
-            <a:ext cx="2802370" cy="646331"/>
+            <a:off x="4523440" y="2887680"/>
+            <a:ext cx="4038285" cy="461665"/>
           </a:xfrm>
           <a:prstGeom prst="rect">
             <a:avLst/>
@@ -18567,62 +17152,19 @@
             <a:pPr algn="ctr"/>
             <a:r>
               <a:rPr lang="fr-FR" sz="1200" dirty="0" smtClean="0"/>
-              <a:t>Comparaison des gains en fréquence </a:t>
+              <a:t>Représentation en tiers d’octave d’un enregistrement.</a:t>
             </a:r>
           </a:p>
           <a:p>
             <a:pPr algn="ctr"/>
             <a:r>
               <a:rPr lang="fr-FR" sz="1200" dirty="0" smtClean="0"/>
-              <a:t>des filtres pour une implémentation </a:t>
-            </a:r>
-          </a:p>
-          <a:p>
-            <a:pPr algn="ctr"/>
-            <a:r>
-              <a:rPr lang="fr-FR" sz="1200" dirty="0" smtClean="0"/>
-              <a:t>temporelle et l’alternative proposée</a:t>
+              <a:t>(Fenêtres d’analyse de 125 ms sans recouvrement)</a:t>
             </a:r>
             <a:endParaRPr lang="fr-FR" sz="1200" dirty="0"/>
           </a:p>
         </p:txBody>
       </p:sp>
-      <p:cxnSp>
-        <p:nvCxnSpPr>
-          <p:cNvPr id="17" name="Straight Arrow Connector 16"/>
-          <p:cNvCxnSpPr/>
-          <p:nvPr/>
-        </p:nvCxnSpPr>
-        <p:spPr>
-          <a:xfrm>
-            <a:off x="5650302" y="6128368"/>
-            <a:ext cx="241539" cy="0"/>
-          </a:xfrm>
-          <a:prstGeom prst="straightConnector1">
-            <a:avLst/>
-          </a:prstGeom>
-          <a:ln>
-            <a:solidFill>
-              <a:schemeClr val="tx1"/>
-            </a:solidFill>
-            <a:tailEnd type="triangle"/>
-          </a:ln>
-        </p:spPr>
-        <p:style>
-          <a:lnRef idx="1">
-            <a:schemeClr val="accent1"/>
-          </a:lnRef>
-          <a:fillRef idx="0">
-            <a:schemeClr val="accent1"/>
-          </a:fillRef>
-          <a:effectRef idx="0">
-            <a:schemeClr val="accent1"/>
-          </a:effectRef>
-          <a:fontRef idx="minor">
-            <a:schemeClr val="tx1"/>
-          </a:fontRef>
-        </p:style>
-      </p:cxnSp>
     </p:spTree>
     <p:extLst>
       <p:ext uri="{BB962C8B-B14F-4D97-AF65-F5344CB8AC3E}">
@@ -18636,37 +17178,96 @@
   <p:timing>
     <p:tnLst>
       <p:par>
-        <p:cTn id="1" dur="indefinite" restart="never" nodeType="tmRoot"/>
+        <p:cTn id="1" dur="indefinite" restart="never" nodeType="tmRoot">
+          <p:childTnLst>
+            <p:seq concurrent="1" nextAc="seek">
+              <p:cTn id="2" restart="whenNotActive" fill="hold" evtFilter="cancelBubble" nodeType="interactiveSeq">
+                <p:stCondLst>
+                  <p:cond evt="onClick" delay="0">
+                    <p:tgtEl>
+                      <p:spTgt spid="14"/>
+                    </p:tgtEl>
+                  </p:cond>
+                </p:stCondLst>
+                <p:endSync evt="end" delay="0">
+                  <p:rtn val="all"/>
+                </p:endSync>
+                <p:childTnLst>
+                  <p:par>
+                    <p:cTn id="3" fill="hold">
+                      <p:stCondLst>
+                        <p:cond delay="0"/>
+                      </p:stCondLst>
+                      <p:childTnLst>
+                        <p:par>
+                          <p:cTn id="4" fill="hold">
+                            <p:stCondLst>
+                              <p:cond delay="0"/>
+                            </p:stCondLst>
+                            <p:childTnLst>
+                              <p:par>
+                                <p:cTn id="5" presetID="1" presetClass="mediacall" presetSubtype="0" fill="hold" nodeType="clickEffect">
+                                  <p:stCondLst>
+                                    <p:cond delay="0"/>
+                                  </p:stCondLst>
+                                  <p:childTnLst>
+                                    <p:cmd type="call" cmd="playFrom(0.0)">
+                                      <p:cBhvr>
+                                        <p:cTn id="6" dur="4000" fill="hold"/>
+                                        <p:tgtEl>
+                                          <p:spTgt spid="14"/>
+                                        </p:tgtEl>
+                                      </p:cBhvr>
+                                    </p:cmd>
+                                  </p:childTnLst>
+                                </p:cTn>
+                              </p:par>
+                            </p:childTnLst>
+                          </p:cTn>
+                        </p:par>
+                      </p:childTnLst>
+                    </p:cTn>
+                  </p:par>
+                </p:childTnLst>
+              </p:cTn>
+              <p:nextCondLst>
+                <p:cond evt="onClick" delay="0">
+                  <p:tgtEl>
+                    <p:spTgt spid="14"/>
+                  </p:tgtEl>
+                </p:cond>
+              </p:nextCondLst>
+            </p:seq>
+            <p:audio>
+              <p:cMediaNode vol="80000">
+                <p:cTn id="7" fill="hold" display="0">
+                  <p:stCondLst>
+                    <p:cond delay="indefinite"/>
+                  </p:stCondLst>
+                  <p:endCondLst>
+                    <p:cond evt="onStopAudio" delay="0">
+                      <p:tgtEl>
+                        <p:sldTgt/>
+                      </p:tgtEl>
+                    </p:cond>
+                  </p:endCondLst>
+                </p:cTn>
+                <p:tgtEl>
+                  <p:spTgt spid="14"/>
+                </p:tgtEl>
+              </p:cMediaNode>
+            </p:audio>
+          </p:childTnLst>
+        </p:cTn>
       </p:par>
     </p:tnLst>
   </p:timing>
 </p:sld>
 </file>
 
-<file path=ppt/slides/slide8.xml><?xml version="1.0" encoding="utf-8"?>
+<file path=ppt/slides/slide9.xml><?xml version="1.0" encoding="utf-8"?>
 <p:sld xmlns:a="http://schemas.openxmlformats.org/drawingml/2006/main" xmlns:r="http://schemas.openxmlformats.org/officeDocument/2006/relationships" xmlns:p="http://schemas.openxmlformats.org/presentationml/2006/main">
   <p:cSld>
-    <p:bg>
-      <p:bgPr>
-        <a:gradFill>
-          <a:gsLst>
-            <a:gs pos="100000">
-              <a:schemeClr val="bg2">
-                <a:lumMod val="90000"/>
-              </a:schemeClr>
-            </a:gs>
-            <a:gs pos="55500">
-              <a:srgbClr val="F0F0F0"/>
-            </a:gs>
-            <a:gs pos="11000">
-              <a:schemeClr val="bg1"/>
-            </a:gs>
-          </a:gsLst>
-          <a:lin ang="5400000" scaled="1"/>
-        </a:gradFill>
-        <a:effectLst/>
-      </p:bgPr>
-    </p:bg>
     <p:spTree>
       <p:nvGrpSpPr>
         <p:cNvPr id="1" name=""/>
@@ -18802,13 +17403,6 @@
               </a:rPr>
               <a:t>Stage de Fin d’Études ESEO - LS2N</a:t>
             </a:r>
-            <a:endParaRPr lang="fr-FR" dirty="0">
-              <a:solidFill>
-                <a:schemeClr val="bg2">
-                  <a:lumMod val="50000"/>
-                </a:schemeClr>
-              </a:solidFill>
-            </a:endParaRPr>
           </a:p>
         </p:txBody>
       </p:sp>
@@ -18884,7 +17478,7 @@
                   <a:schemeClr val="bg1"/>
                 </a:solidFill>
               </a:rPr>
-              <a:t>8</a:t>
+              <a:t>9</a:t>
             </a:r>
             <a:endParaRPr lang="fr-FR" dirty="0">
               <a:solidFill>
@@ -18894,66 +17488,6 @@
           </a:p>
         </p:txBody>
       </p:sp>
-      <p:pic>
-        <p:nvPicPr>
-          <p:cNvPr id="9" name="Picture 8"/>
-          <p:cNvPicPr>
-            <a:picLocks noChangeAspect="1"/>
-          </p:cNvPicPr>
-          <p:nvPr/>
-        </p:nvPicPr>
-        <p:blipFill>
-          <a:blip r:embed="rId4" cstate="print">
-            <a:extLst>
-              <a:ext uri="{28A0092B-C50C-407E-A947-70E740481C1C}">
-                <a14:useLocalDpi xmlns:a14="http://schemas.microsoft.com/office/drawing/2010/main" val="0"/>
-              </a:ext>
-            </a:extLst>
-          </a:blip>
-          <a:stretch>
-            <a:fillRect/>
-          </a:stretch>
-        </p:blipFill>
-        <p:spPr>
-          <a:xfrm>
-            <a:off x="127160" y="79873"/>
-            <a:ext cx="1285179" cy="924798"/>
-          </a:xfrm>
-          <a:prstGeom prst="rect">
-            <a:avLst/>
-          </a:prstGeom>
-        </p:spPr>
-      </p:pic>
-      <p:pic>
-        <p:nvPicPr>
-          <p:cNvPr id="10" name="Picture 9"/>
-          <p:cNvPicPr>
-            <a:picLocks noChangeAspect="1"/>
-          </p:cNvPicPr>
-          <p:nvPr/>
-        </p:nvPicPr>
-        <p:blipFill>
-          <a:blip r:embed="rId5" cstate="print">
-            <a:extLst>
-              <a:ext uri="{28A0092B-C50C-407E-A947-70E740481C1C}">
-                <a14:useLocalDpi xmlns:a14="http://schemas.microsoft.com/office/drawing/2010/main" val="0"/>
-              </a:ext>
-            </a:extLst>
-          </a:blip>
-          <a:stretch>
-            <a:fillRect/>
-          </a:stretch>
-        </p:blipFill>
-        <p:spPr>
-          <a:xfrm>
-            <a:off x="7837418" y="79872"/>
-            <a:ext cx="1183013" cy="929817"/>
-          </a:xfrm>
-          <a:prstGeom prst="rect">
-            <a:avLst/>
-          </a:prstGeom>
-        </p:spPr>
-      </p:pic>
       <p:sp>
         <p:nvSpPr>
           <p:cNvPr id="2" name="TextBox 1"/>
@@ -18962,7 +17496,7 @@
         </p:nvSpPr>
         <p:spPr>
           <a:xfrm>
-            <a:off x="1539499" y="247191"/>
+            <a:off x="329146" y="247191"/>
             <a:ext cx="4459857" cy="584775"/>
           </a:xfrm>
           <a:prstGeom prst="rect">
@@ -19097,7 +17631,7 @@
         <p:spPr>
           <a:xfrm>
             <a:off x="659422" y="2146706"/>
-            <a:ext cx="8484578" cy="2923877"/>
+            <a:ext cx="8484578" cy="2646878"/>
           </a:xfrm>
           <a:prstGeom prst="rect">
             <a:avLst/>
@@ -19116,7 +17650,7 @@
             </a:pPr>
             <a:r>
               <a:rPr lang="fr-FR" sz="2000" b="1" dirty="0" smtClean="0"/>
-              <a:t>Codage entropique: </a:t>
+              <a:t>Codage entropique : </a:t>
             </a:r>
             <a:r>
               <a:rPr lang="fr-FR" sz="2000" b="1" dirty="0" err="1" smtClean="0"/>
@@ -19127,8 +17661,9 @@
           <a:p>
             <a:r>
               <a:rPr lang="fr-FR" dirty="0" smtClean="0"/>
-              <a:t>	→ Étude de la distribution des données</a:t>
-            </a:r>
+              <a:t>	→ Symboles, Dictionnaire</a:t>
+            </a:r>
+            <a:endParaRPr lang="fr-FR" dirty="0"/>
           </a:p>
           <a:p>
             <a:r>
@@ -19137,22 +17672,14 @@
             </a:r>
             <a:r>
               <a:rPr lang="fr-FR" dirty="0" smtClean="0"/>
-              <a:t>→ Nombre et probabilité des symboles comme double </a:t>
+              <a:t>→ Distribution </a:t>
             </a:r>
             <a:r>
               <a:rPr lang="fr-FR" dirty="0"/>
-              <a:t>facteur </a:t>
-            </a:r>
-            <a:r>
-              <a:rPr lang="fr-FR" dirty="0" smtClean="0"/>
-              <a:t>		d’efficacité</a:t>
-            </a:r>
-          </a:p>
-          <a:p>
-            <a:r>
-              <a:rPr lang="fr-FR" dirty="0"/>
-              <a:t>	</a:t>
-            </a:r>
+              <a:t>des données</a:t>
+            </a:r>
+          </a:p>
+          <a:p>
             <a:endParaRPr lang="fr-FR" dirty="0" smtClean="0"/>
           </a:p>
           <a:p>
@@ -19172,7 +17699,7 @@
             </a:pPr>
             <a:r>
               <a:rPr lang="fr-FR" dirty="0" smtClean="0"/>
-              <a:t>Échelle logarithmique (dB)</a:t>
+              <a:t>Échelle logarithmique (dB SPL)</a:t>
             </a:r>
           </a:p>
           <a:p>
@@ -19217,34 +17744,94 @@
           </a:p>
         </p:txBody>
       </p:sp>
+      <p:sp>
+        <p:nvSpPr>
+          <p:cNvPr id="14" name="TextBox 13"/>
+          <p:cNvSpPr txBox="1"/>
+          <p:nvPr/>
+        </p:nvSpPr>
+        <p:spPr>
+          <a:xfrm>
+            <a:off x="5376337" y="1792787"/>
+            <a:ext cx="2935420" cy="830997"/>
+          </a:xfrm>
+          <a:prstGeom prst="rect">
+            <a:avLst/>
+          </a:prstGeom>
+          <a:noFill/>
+        </p:spPr>
+        <p:txBody>
+          <a:bodyPr wrap="none" rtlCol="0">
+            <a:spAutoFit/>
+          </a:bodyPr>
+          <a:lstStyle/>
+          <a:p>
+            <a:pPr algn="ctr"/>
+            <a:r>
+              <a:rPr lang="fr-FR" sz="1200" dirty="0" smtClean="0"/>
+              <a:t>Densités de probabilité des données</a:t>
+            </a:r>
+          </a:p>
+          <a:p>
+            <a:pPr algn="ctr"/>
+            <a:r>
+              <a:rPr lang="fr-FR" sz="1200" dirty="0" smtClean="0"/>
+              <a:t>Gauche : à l’issu de l’analyse,</a:t>
+            </a:r>
+          </a:p>
+          <a:p>
+            <a:pPr algn="ctr"/>
+            <a:r>
+              <a:rPr lang="fr-FR" sz="1200" dirty="0" smtClean="0"/>
+              <a:t>Milieu : après application du logarithme,</a:t>
+            </a:r>
+          </a:p>
+          <a:p>
+            <a:pPr algn="ctr"/>
+            <a:r>
+              <a:rPr lang="fr-FR" sz="1200" dirty="0" smtClean="0"/>
+              <a:t> Droite : après compression </a:t>
+            </a:r>
+            <a:r>
+              <a:rPr lang="el-GR" sz="1200" dirty="0" smtClean="0"/>
+              <a:t>Δ</a:t>
+            </a:r>
+            <a:r>
+              <a:rPr lang="fr-FR" sz="1200" dirty="0" smtClean="0"/>
+              <a:t>.</a:t>
+            </a:r>
+            <a:endParaRPr lang="fr-FR" sz="1200" dirty="0"/>
+          </a:p>
+        </p:txBody>
+      </p:sp>
       <p:graphicFrame>
         <p:nvGraphicFramePr>
-          <p:cNvPr id="3" name="Object 2"/>
+          <p:cNvPr id="17" name="Object 16"/>
           <p:cNvGraphicFramePr>
             <a:graphicFrameLocks noChangeAspect="1"/>
           </p:cNvGraphicFramePr>
           <p:nvPr>
             <p:extLst>
               <p:ext uri="{D42A27DB-BD31-4B8C-83A1-F6EECF244321}">
-                <p14:modId xmlns:p14="http://schemas.microsoft.com/office/powerpoint/2010/main" val="3206727263"/>
+                <p14:modId xmlns:p14="http://schemas.microsoft.com/office/powerpoint/2010/main" val="3454985846"/>
               </p:ext>
             </p:extLst>
           </p:nvPr>
         </p:nvGraphicFramePr>
         <p:xfrm>
-          <a:off x="5187967" y="3539362"/>
-          <a:ext cx="3832463" cy="2874347"/>
+          <a:off x="4745480" y="2621617"/>
+          <a:ext cx="4337057" cy="3252793"/>
         </p:xfrm>
         <a:graphic>
           <a:graphicData uri="http://schemas.openxmlformats.org/presentationml/2006/ole">
             <mc:AlternateContent xmlns:mc="http://schemas.openxmlformats.org/markup-compatibility/2006">
               <mc:Choice xmlns:v="urn:schemas-microsoft-com:vml" Requires="v">
-                <p:oleObj spid="_x0000_s10375" name="Acrobat Document" r:id="rId6" imgW="4000380" imgH="2999976" progId="AcroExch.Document.DC">
+                <p:oleObj spid="_x0000_s10466" name="Acrobat Document" r:id="rId4" imgW="4000380" imgH="2999976" progId="AcroExch.Document.DC">
                   <p:embed/>
                 </p:oleObj>
               </mc:Choice>
               <mc:Fallback>
-                <p:oleObj name="Acrobat Document" r:id="rId6" imgW="4000380" imgH="2999976" progId="AcroExch.Document.DC">
+                <p:oleObj name="Acrobat Document" r:id="rId4" imgW="4000380" imgH="2999976" progId="AcroExch.Document.DC">
                   <p:embed/>
                   <p:pic>
                     <p:nvPicPr>
@@ -19253,15 +17840,15 @@
                       <p:nvPr/>
                     </p:nvPicPr>
                     <p:blipFill>
-                      <a:blip r:embed="rId7"/>
+                      <a:blip r:embed="rId5"/>
                       <a:stretch>
                         <a:fillRect/>
                       </a:stretch>
                     </p:blipFill>
                     <p:spPr>
                       <a:xfrm>
-                        <a:off x="5187967" y="3539362"/>
-                        <a:ext cx="3832463" cy="2874347"/>
+                        <a:off x="4745480" y="2621617"/>
+                        <a:ext cx="4337057" cy="3252793"/>
                       </a:xfrm>
                       <a:prstGeom prst="rect">
                         <a:avLst/>
@@ -19274,811 +17861,10 @@
           </a:graphicData>
         </a:graphic>
       </p:graphicFrame>
-      <p:sp>
-        <p:nvSpPr>
-          <p:cNvPr id="14" name="TextBox 13"/>
-          <p:cNvSpPr txBox="1"/>
-          <p:nvPr/>
-        </p:nvSpPr>
-        <p:spPr>
-          <a:xfrm>
-            <a:off x="2226376" y="5404989"/>
-            <a:ext cx="3086101" cy="830997"/>
-          </a:xfrm>
-          <a:prstGeom prst="rect">
-            <a:avLst/>
-          </a:prstGeom>
-          <a:noFill/>
-        </p:spPr>
-        <p:txBody>
-          <a:bodyPr wrap="none" rtlCol="0">
-            <a:spAutoFit/>
-          </a:bodyPr>
-          <a:lstStyle/>
-          <a:p>
-            <a:pPr algn="ctr"/>
-            <a:r>
-              <a:rPr lang="fr-FR" sz="1200" dirty="0" smtClean="0"/>
-              <a:t>Densités de probabilité au cours de</a:t>
-            </a:r>
-          </a:p>
-          <a:p>
-            <a:pPr algn="ctr"/>
-            <a:r>
-              <a:rPr lang="fr-FR" sz="1200" dirty="0" smtClean="0"/>
-              <a:t>l’algorithme: (gauche) à l’issu de l’analyse,</a:t>
-            </a:r>
-          </a:p>
-          <a:p>
-            <a:pPr algn="ctr"/>
-            <a:r>
-              <a:rPr lang="fr-FR" sz="1200" dirty="0" smtClean="0"/>
-              <a:t>(milieu) après application du logarithme,</a:t>
-            </a:r>
-          </a:p>
-          <a:p>
-            <a:pPr algn="ctr"/>
-            <a:r>
-              <a:rPr lang="fr-FR" sz="1200" dirty="0" smtClean="0"/>
-              <a:t> (droite) après compression </a:t>
-            </a:r>
-            <a:r>
-              <a:rPr lang="el-GR" sz="1200" dirty="0" smtClean="0"/>
-              <a:t>Δ</a:t>
-            </a:r>
-            <a:r>
-              <a:rPr lang="fr-FR" sz="1200" dirty="0" smtClean="0"/>
-              <a:t>.</a:t>
-            </a:r>
-            <a:endParaRPr lang="fr-FR" sz="1200" dirty="0"/>
-          </a:p>
-        </p:txBody>
-      </p:sp>
-      <p:cxnSp>
-        <p:nvCxnSpPr>
-          <p:cNvPr id="15" name="Straight Arrow Connector 14"/>
-          <p:cNvCxnSpPr/>
-          <p:nvPr/>
-        </p:nvCxnSpPr>
-        <p:spPr>
-          <a:xfrm>
-            <a:off x="4858012" y="6235986"/>
-            <a:ext cx="241539" cy="0"/>
-          </a:xfrm>
-          <a:prstGeom prst="straightConnector1">
-            <a:avLst/>
-          </a:prstGeom>
-          <a:ln>
-            <a:solidFill>
-              <a:schemeClr val="tx1"/>
-            </a:solidFill>
-            <a:tailEnd type="triangle"/>
-          </a:ln>
-        </p:spPr>
-        <p:style>
-          <a:lnRef idx="1">
-            <a:schemeClr val="accent1"/>
-          </a:lnRef>
-          <a:fillRef idx="0">
-            <a:schemeClr val="accent1"/>
-          </a:fillRef>
-          <a:effectRef idx="0">
-            <a:schemeClr val="accent1"/>
-          </a:effectRef>
-          <a:fontRef idx="minor">
-            <a:schemeClr val="tx1"/>
-          </a:fontRef>
-        </p:style>
-      </p:cxnSp>
     </p:spTree>
     <p:extLst>
       <p:ext uri="{BB962C8B-B14F-4D97-AF65-F5344CB8AC3E}">
         <p14:creationId xmlns:p14="http://schemas.microsoft.com/office/powerpoint/2010/main" val="964728722"/>
-      </p:ext>
-    </p:extLst>
-  </p:cSld>
-  <p:clrMapOvr>
-    <a:masterClrMapping/>
-  </p:clrMapOvr>
-  <p:timing>
-    <p:tnLst>
-      <p:par>
-        <p:cTn id="1" dur="indefinite" restart="never" nodeType="tmRoot"/>
-      </p:par>
-    </p:tnLst>
-  </p:timing>
-</p:sld>
-</file>
-
-<file path=ppt/slides/slide9.xml><?xml version="1.0" encoding="utf-8"?>
-<p:sld xmlns:a="http://schemas.openxmlformats.org/drawingml/2006/main" xmlns:r="http://schemas.openxmlformats.org/officeDocument/2006/relationships" xmlns:p="http://schemas.openxmlformats.org/presentationml/2006/main">
-  <p:cSld>
-    <p:bg>
-      <p:bgPr>
-        <a:gradFill>
-          <a:gsLst>
-            <a:gs pos="100000">
-              <a:schemeClr val="bg2">
-                <a:lumMod val="90000"/>
-              </a:schemeClr>
-            </a:gs>
-            <a:gs pos="55500">
-              <a:srgbClr val="F0F0F0"/>
-            </a:gs>
-            <a:gs pos="11000">
-              <a:schemeClr val="bg1"/>
-            </a:gs>
-          </a:gsLst>
-          <a:lin ang="5400000" scaled="1"/>
-        </a:gradFill>
-        <a:effectLst/>
-      </p:bgPr>
-    </p:bg>
-    <p:spTree>
-      <p:nvGrpSpPr>
-        <p:cNvPr id="1" name=""/>
-        <p:cNvGrpSpPr/>
-        <p:nvPr/>
-      </p:nvGrpSpPr>
-      <p:grpSpPr>
-        <a:xfrm>
-          <a:off x="0" y="0"/>
-          <a:ext cx="0" cy="0"/>
-          <a:chOff x="0" y="0"/>
-          <a:chExt cx="0" cy="0"/>
-        </a:xfrm>
-      </p:grpSpPr>
-      <p:sp>
-        <p:nvSpPr>
-          <p:cNvPr id="4" name="Rectangle 3"/>
-          <p:cNvSpPr/>
-          <p:nvPr/>
-        </p:nvSpPr>
-        <p:spPr>
-          <a:xfrm>
-            <a:off x="0" y="1"/>
-            <a:ext cx="9144000" cy="1079157"/>
-          </a:xfrm>
-          <a:prstGeom prst="rect">
-            <a:avLst/>
-          </a:prstGeom>
-        </p:spPr>
-        <p:style>
-          <a:lnRef idx="2">
-            <a:schemeClr val="dk1">
-              <a:shade val="50000"/>
-            </a:schemeClr>
-          </a:lnRef>
-          <a:fillRef idx="1">
-            <a:schemeClr val="dk1"/>
-          </a:fillRef>
-          <a:effectRef idx="0">
-            <a:schemeClr val="dk1"/>
-          </a:effectRef>
-          <a:fontRef idx="minor">
-            <a:schemeClr val="lt1"/>
-          </a:fontRef>
-        </p:style>
-        <p:txBody>
-          <a:bodyPr rot="0" spcFirstLastPara="0" vertOverflow="overflow" horzOverflow="overflow" vert="horz" wrap="square" lIns="91440" tIns="45720" rIns="91440" bIns="45720" numCol="1" spcCol="0" rtlCol="0" fromWordArt="0" anchor="ctr" anchorCtr="0" forceAA="0" compatLnSpc="1">
-            <a:prstTxWarp prst="textNoShape">
-              <a:avLst/>
-            </a:prstTxWarp>
-            <a:noAutofit/>
-          </a:bodyPr>
-          <a:lstStyle/>
-          <a:p>
-            <a:pPr algn="ctr"/>
-            <a:endParaRPr lang="fr-FR"/>
-          </a:p>
-        </p:txBody>
-      </p:sp>
-      <p:sp>
-        <p:nvSpPr>
-          <p:cNvPr id="5" name="Rectangle 4"/>
-          <p:cNvSpPr/>
-          <p:nvPr/>
-        </p:nvSpPr>
-        <p:spPr>
-          <a:xfrm>
-            <a:off x="0" y="6483178"/>
-            <a:ext cx="9144000" cy="374822"/>
-          </a:xfrm>
-          <a:prstGeom prst="rect">
-            <a:avLst/>
-          </a:prstGeom>
-        </p:spPr>
-        <p:style>
-          <a:lnRef idx="2">
-            <a:schemeClr val="dk1">
-              <a:shade val="50000"/>
-            </a:schemeClr>
-          </a:lnRef>
-          <a:fillRef idx="1">
-            <a:schemeClr val="dk1"/>
-          </a:fillRef>
-          <a:effectRef idx="0">
-            <a:schemeClr val="dk1"/>
-          </a:effectRef>
-          <a:fontRef idx="minor">
-            <a:schemeClr val="lt1"/>
-          </a:fontRef>
-        </p:style>
-        <p:txBody>
-          <a:bodyPr rot="0" spcFirstLastPara="0" vertOverflow="overflow" horzOverflow="overflow" vert="horz" wrap="square" lIns="91440" tIns="45720" rIns="91440" bIns="45720" numCol="1" spcCol="0" rtlCol="0" fromWordArt="0" anchor="ctr" anchorCtr="0" forceAA="0" compatLnSpc="1">
-            <a:prstTxWarp prst="textNoShape">
-              <a:avLst/>
-            </a:prstTxWarp>
-            <a:noAutofit/>
-          </a:bodyPr>
-          <a:lstStyle/>
-          <a:p>
-            <a:pPr algn="ctr"/>
-            <a:endParaRPr lang="fr-FR"/>
-          </a:p>
-        </p:txBody>
-      </p:sp>
-      <p:sp>
-        <p:nvSpPr>
-          <p:cNvPr id="6" name="TextBox 5"/>
-          <p:cNvSpPr txBox="1"/>
-          <p:nvPr/>
-        </p:nvSpPr>
-        <p:spPr>
-          <a:xfrm>
-            <a:off x="0" y="6483178"/>
-            <a:ext cx="4152900" cy="369332"/>
-          </a:xfrm>
-          <a:prstGeom prst="rect">
-            <a:avLst/>
-          </a:prstGeom>
-        </p:spPr>
-        <p:txBody>
-          <a:bodyPr wrap="square" rtlCol="0">
-            <a:spAutoFit/>
-          </a:bodyPr>
-          <a:lstStyle/>
-          <a:p>
-            <a:r>
-              <a:rPr lang="fr-FR" dirty="0">
-                <a:solidFill>
-                  <a:schemeClr val="bg2">
-                    <a:lumMod val="50000"/>
-                  </a:schemeClr>
-                </a:solidFill>
-              </a:rPr>
-              <a:t>Stage de Fin d’Études ESEO - LS2N</a:t>
-            </a:r>
-            <a:endParaRPr lang="fr-FR" dirty="0">
-              <a:solidFill>
-                <a:schemeClr val="bg2">
-                  <a:lumMod val="50000"/>
-                </a:schemeClr>
-              </a:solidFill>
-            </a:endParaRPr>
-          </a:p>
-        </p:txBody>
-      </p:sp>
-      <p:sp>
-        <p:nvSpPr>
-          <p:cNvPr id="7" name="TextBox 6"/>
-          <p:cNvSpPr txBox="1"/>
-          <p:nvPr/>
-        </p:nvSpPr>
-        <p:spPr>
-          <a:xfrm>
-            <a:off x="6914009" y="6483178"/>
-            <a:ext cx="2229991" cy="369332"/>
-          </a:xfrm>
-          <a:prstGeom prst="rect">
-            <a:avLst/>
-          </a:prstGeom>
-          <a:noFill/>
-        </p:spPr>
-        <p:txBody>
-          <a:bodyPr wrap="square" rtlCol="0">
-            <a:spAutoFit/>
-          </a:bodyPr>
-          <a:lstStyle/>
-          <a:p>
-            <a:pPr algn="r"/>
-            <a:r>
-              <a:rPr lang="fr-FR" dirty="0" smtClean="0">
-                <a:solidFill>
-                  <a:schemeClr val="bg2">
-                    <a:lumMod val="50000"/>
-                  </a:schemeClr>
-                </a:solidFill>
-              </a:rPr>
-              <a:t>15 septembre 2017</a:t>
-            </a:r>
-            <a:endParaRPr lang="fr-FR" dirty="0">
-              <a:solidFill>
-                <a:schemeClr val="bg2">
-                  <a:lumMod val="50000"/>
-                </a:schemeClr>
-              </a:solidFill>
-            </a:endParaRPr>
-          </a:p>
-        </p:txBody>
-      </p:sp>
-      <p:sp>
-        <p:nvSpPr>
-          <p:cNvPr id="8" name="TextBox 7"/>
-          <p:cNvSpPr txBox="1"/>
-          <p:nvPr/>
-        </p:nvSpPr>
-        <p:spPr>
-          <a:xfrm>
-            <a:off x="3805881" y="6483178"/>
-            <a:ext cx="1532238" cy="369332"/>
-          </a:xfrm>
-          <a:prstGeom prst="rect">
-            <a:avLst/>
-          </a:prstGeom>
-          <a:noFill/>
-        </p:spPr>
-        <p:txBody>
-          <a:bodyPr wrap="square" rtlCol="0">
-            <a:spAutoFit/>
-          </a:bodyPr>
-          <a:lstStyle/>
-          <a:p>
-            <a:pPr algn="ctr"/>
-            <a:r>
-              <a:rPr lang="fr-FR" dirty="0" smtClean="0">
-                <a:solidFill>
-                  <a:schemeClr val="bg1"/>
-                </a:solidFill>
-              </a:rPr>
-              <a:t>9</a:t>
-            </a:r>
-            <a:endParaRPr lang="fr-FR" dirty="0">
-              <a:solidFill>
-                <a:schemeClr val="bg1"/>
-              </a:solidFill>
-            </a:endParaRPr>
-          </a:p>
-        </p:txBody>
-      </p:sp>
-      <p:pic>
-        <p:nvPicPr>
-          <p:cNvPr id="9" name="Picture 8"/>
-          <p:cNvPicPr>
-            <a:picLocks noChangeAspect="1"/>
-          </p:cNvPicPr>
-          <p:nvPr/>
-        </p:nvPicPr>
-        <p:blipFill>
-          <a:blip r:embed="rId3" cstate="print">
-            <a:extLst>
-              <a:ext uri="{28A0092B-C50C-407E-A947-70E740481C1C}">
-                <a14:useLocalDpi xmlns:a14="http://schemas.microsoft.com/office/drawing/2010/main" val="0"/>
-              </a:ext>
-            </a:extLst>
-          </a:blip>
-          <a:stretch>
-            <a:fillRect/>
-          </a:stretch>
-        </p:blipFill>
-        <p:spPr>
-          <a:xfrm>
-            <a:off x="127160" y="79873"/>
-            <a:ext cx="1285179" cy="924798"/>
-          </a:xfrm>
-          <a:prstGeom prst="rect">
-            <a:avLst/>
-          </a:prstGeom>
-        </p:spPr>
-      </p:pic>
-      <p:pic>
-        <p:nvPicPr>
-          <p:cNvPr id="10" name="Picture 9"/>
-          <p:cNvPicPr>
-            <a:picLocks noChangeAspect="1"/>
-          </p:cNvPicPr>
-          <p:nvPr/>
-        </p:nvPicPr>
-        <p:blipFill>
-          <a:blip r:embed="rId4" cstate="print">
-            <a:extLst>
-              <a:ext uri="{28A0092B-C50C-407E-A947-70E740481C1C}">
-                <a14:useLocalDpi xmlns:a14="http://schemas.microsoft.com/office/drawing/2010/main" val="0"/>
-              </a:ext>
-            </a:extLst>
-          </a:blip>
-          <a:stretch>
-            <a:fillRect/>
-          </a:stretch>
-        </p:blipFill>
-        <p:spPr>
-          <a:xfrm>
-            <a:off x="7837418" y="79872"/>
-            <a:ext cx="1183013" cy="929817"/>
-          </a:xfrm>
-          <a:prstGeom prst="rect">
-            <a:avLst/>
-          </a:prstGeom>
-        </p:spPr>
-      </p:pic>
-      <p:sp>
-        <p:nvSpPr>
-          <p:cNvPr id="2" name="TextBox 1"/>
-          <p:cNvSpPr txBox="1"/>
-          <p:nvPr/>
-        </p:nvSpPr>
-        <p:spPr>
-          <a:xfrm>
-            <a:off x="1539499" y="247191"/>
-            <a:ext cx="4459857" cy="584775"/>
-          </a:xfrm>
-          <a:prstGeom prst="rect">
-            <a:avLst/>
-          </a:prstGeom>
-          <a:noFill/>
-        </p:spPr>
-        <p:txBody>
-          <a:bodyPr wrap="square" rtlCol="0">
-            <a:spAutoFit/>
-          </a:bodyPr>
-          <a:lstStyle/>
-          <a:p>
-            <a:r>
-              <a:rPr lang="fr-FR" sz="3200" dirty="0" smtClean="0">
-                <a:solidFill>
-                  <a:schemeClr val="bg1"/>
-                </a:solidFill>
-                <a:latin typeface="+mj-lt"/>
-                <a:ea typeface="CMU Serif" panose="02000603000000000000" pitchFamily="2" charset="0"/>
-                <a:cs typeface="CMU Serif" panose="02000603000000000000" pitchFamily="2" charset="0"/>
-              </a:rPr>
-              <a:t>Méthode</a:t>
-            </a:r>
-            <a:endParaRPr lang="fr-FR" sz="3200" dirty="0">
-              <a:solidFill>
-                <a:schemeClr val="bg1"/>
-              </a:solidFill>
-              <a:latin typeface="+mj-lt"/>
-              <a:ea typeface="CMU Serif" panose="02000603000000000000" pitchFamily="2" charset="0"/>
-              <a:cs typeface="CMU Serif" panose="02000603000000000000" pitchFamily="2" charset="0"/>
-            </a:endParaRPr>
-          </a:p>
-        </p:txBody>
-      </p:sp>
-      <p:sp>
-        <p:nvSpPr>
-          <p:cNvPr id="11" name="Rectangle 10"/>
-          <p:cNvSpPr/>
-          <p:nvPr/>
-        </p:nvSpPr>
-        <p:spPr>
-          <a:xfrm>
-            <a:off x="1633" y="1089561"/>
-            <a:ext cx="2681182" cy="454568"/>
-          </a:xfrm>
-          <a:prstGeom prst="rect">
-            <a:avLst/>
-          </a:prstGeom>
-        </p:spPr>
-        <p:style>
-          <a:lnRef idx="2">
-            <a:schemeClr val="dk1">
-              <a:shade val="50000"/>
-            </a:schemeClr>
-          </a:lnRef>
-          <a:fillRef idx="1">
-            <a:schemeClr val="dk1"/>
-          </a:fillRef>
-          <a:effectRef idx="0">
-            <a:schemeClr val="dk1"/>
-          </a:effectRef>
-          <a:fontRef idx="minor">
-            <a:schemeClr val="lt1"/>
-          </a:fontRef>
-        </p:style>
-        <p:txBody>
-          <a:bodyPr rot="0" spcFirstLastPara="0" vertOverflow="overflow" horzOverflow="overflow" vert="horz" wrap="square" lIns="91440" tIns="45720" rIns="91440" bIns="45720" numCol="1" spcCol="0" rtlCol="0" fromWordArt="0" anchor="ctr" anchorCtr="0" forceAA="0" compatLnSpc="1">
-            <a:prstTxWarp prst="textNoShape">
-              <a:avLst/>
-            </a:prstTxWarp>
-            <a:noAutofit/>
-          </a:bodyPr>
-          <a:lstStyle/>
-          <a:p>
-            <a:pPr algn="ctr"/>
-            <a:endParaRPr lang="fr-FR"/>
-          </a:p>
-        </p:txBody>
-      </p:sp>
-      <p:sp>
-        <p:nvSpPr>
-          <p:cNvPr id="12" name="TextBox 11"/>
-          <p:cNvSpPr txBox="1"/>
-          <p:nvPr/>
-        </p:nvSpPr>
-        <p:spPr>
-          <a:xfrm>
-            <a:off x="115524" y="1089561"/>
-            <a:ext cx="2463773" cy="430887"/>
-          </a:xfrm>
-          <a:prstGeom prst="rect">
-            <a:avLst/>
-          </a:prstGeom>
-          <a:noFill/>
-        </p:spPr>
-        <p:txBody>
-          <a:bodyPr wrap="square" rtlCol="0">
-            <a:spAutoFit/>
-          </a:bodyPr>
-          <a:lstStyle/>
-          <a:p>
-            <a:pPr algn="ctr"/>
-            <a:r>
-              <a:rPr lang="fr-FR" sz="2200" dirty="0" smtClean="0">
-                <a:solidFill>
-                  <a:schemeClr val="bg1"/>
-                </a:solidFill>
-                <a:latin typeface="+mj-lt"/>
-                <a:ea typeface="CMU Serif" panose="02000603000000000000" pitchFamily="2" charset="0"/>
-                <a:cs typeface="CMU Serif" panose="02000603000000000000" pitchFamily="2" charset="0"/>
-              </a:rPr>
-              <a:t>Reconstruction</a:t>
-            </a:r>
-            <a:endParaRPr lang="fr-FR" sz="2200" dirty="0">
-              <a:solidFill>
-                <a:schemeClr val="bg1"/>
-              </a:solidFill>
-              <a:latin typeface="+mj-lt"/>
-              <a:ea typeface="CMU Serif" panose="02000603000000000000" pitchFamily="2" charset="0"/>
-              <a:cs typeface="CMU Serif" panose="02000603000000000000" pitchFamily="2" charset="0"/>
-            </a:endParaRPr>
-          </a:p>
-        </p:txBody>
-      </p:sp>
-      <p:sp>
-        <p:nvSpPr>
-          <p:cNvPr id="13" name="TextBox 12"/>
-          <p:cNvSpPr txBox="1"/>
-          <p:nvPr/>
-        </p:nvSpPr>
-        <p:spPr>
-          <a:xfrm>
-            <a:off x="659422" y="1956254"/>
-            <a:ext cx="8484578" cy="2911566"/>
-          </a:xfrm>
-          <a:prstGeom prst="rect">
-            <a:avLst/>
-          </a:prstGeom>
-          <a:noFill/>
-        </p:spPr>
-        <p:txBody>
-          <a:bodyPr wrap="square" rtlCol="0">
-            <a:spAutoFit/>
-          </a:bodyPr>
-          <a:lstStyle/>
-          <a:p>
-            <a:pPr marL="285750" indent="-285750">
-              <a:buFont typeface="Arial" panose="020B0604020202020204" pitchFamily="34" charset="0"/>
-              <a:buChar char="•"/>
-            </a:pPr>
-            <a:r>
-              <a:rPr lang="fr-FR" sz="2000" b="1" dirty="0" smtClean="0"/>
-              <a:t>Récupération du spectrogramme linéaire</a:t>
-            </a:r>
-          </a:p>
-          <a:p>
-            <a:r>
-              <a:rPr lang="fr-FR" dirty="0" smtClean="0"/>
-              <a:t>	→ Décodages </a:t>
-            </a:r>
-            <a:r>
-              <a:rPr lang="el-GR" dirty="0" smtClean="0"/>
-              <a:t>Δ</a:t>
-            </a:r>
-            <a:r>
-              <a:rPr lang="fr-FR" dirty="0" smtClean="0"/>
-              <a:t> et </a:t>
-            </a:r>
-            <a:r>
-              <a:rPr lang="fr-FR" dirty="0" err="1" smtClean="0"/>
-              <a:t>Huffman</a:t>
-            </a:r>
-            <a:r>
-              <a:rPr lang="fr-FR" dirty="0" smtClean="0"/>
-              <a:t> triviaux</a:t>
-            </a:r>
-          </a:p>
-          <a:p>
-            <a:r>
-              <a:rPr lang="fr-FR" dirty="0"/>
-              <a:t>	→ Opération </a:t>
-            </a:r>
-            <a:r>
-              <a:rPr lang="fr-FR" dirty="0" smtClean="0"/>
-              <a:t>directe d’analyse en tiers d’octave </a:t>
-            </a:r>
-            <a:r>
-              <a:rPr lang="fr-FR" dirty="0"/>
-              <a:t>non </a:t>
-            </a:r>
-            <a:r>
-              <a:rPr lang="fr-FR" dirty="0" smtClean="0"/>
-              <a:t>réversible</a:t>
-            </a:r>
-          </a:p>
-          <a:p>
-            <a:r>
-              <a:rPr lang="fr-FR" dirty="0"/>
-              <a:t>	</a:t>
-            </a:r>
-            <a:r>
-              <a:rPr lang="fr-FR" dirty="0" smtClean="0"/>
-              <a:t>→ Approximation: transposée de la matrice de transformation</a:t>
-            </a:r>
-          </a:p>
-          <a:p>
-            <a:r>
-              <a:rPr lang="fr-FR" dirty="0" smtClean="0"/>
-              <a:t>	→ Effet </a:t>
-            </a:r>
-            <a:r>
-              <a:rPr lang="fr-FR" dirty="0"/>
-              <a:t>de perte de résolution </a:t>
-            </a:r>
-            <a:r>
-              <a:rPr lang="fr-FR" dirty="0" smtClean="0"/>
-              <a:t>dans les hautes fréquences</a:t>
-            </a:r>
-            <a:endParaRPr lang="fr-FR" dirty="0"/>
-          </a:p>
-          <a:p>
-            <a:endParaRPr lang="fr-FR" dirty="0" smtClean="0"/>
-          </a:p>
-          <a:p>
-            <a:pPr marL="285750" indent="-285750">
-              <a:buFont typeface="Arial" panose="020B0604020202020204" pitchFamily="34" charset="0"/>
-              <a:buChar char="•"/>
-            </a:pPr>
-            <a:r>
-              <a:rPr lang="fr-FR" sz="2000" b="1" dirty="0" smtClean="0"/>
-              <a:t>Reconstruction de phase</a:t>
-            </a:r>
-          </a:p>
-          <a:p>
-            <a:r>
-              <a:rPr lang="fr-FR" b="1" dirty="0" smtClean="0"/>
-              <a:t>	</a:t>
-            </a:r>
-            <a:r>
-              <a:rPr lang="fr-FR" dirty="0" smtClean="0"/>
-              <a:t>→ Algorithme de </a:t>
-            </a:r>
-            <a:r>
-              <a:rPr lang="fr-FR" dirty="0" err="1" smtClean="0"/>
-              <a:t>Griffin&amp;Lim</a:t>
-            </a:r>
-            <a:endParaRPr lang="fr-FR" dirty="0" smtClean="0"/>
-          </a:p>
-          <a:p>
-            <a:r>
-              <a:rPr lang="fr-FR" b="1" dirty="0"/>
-              <a:t>	</a:t>
-            </a:r>
-            <a:r>
-              <a:rPr lang="fr-FR" dirty="0" smtClean="0"/>
-              <a:t>→ Spectrogramme de bruit</a:t>
-            </a:r>
-            <a:endParaRPr lang="fr-FR" b="1" dirty="0" smtClean="0"/>
-          </a:p>
-        </p:txBody>
-      </p:sp>
-      <p:pic>
-        <p:nvPicPr>
-          <p:cNvPr id="3" name="Picture 2"/>
-          <p:cNvPicPr>
-            <a:picLocks noChangeAspect="1"/>
-          </p:cNvPicPr>
-          <p:nvPr/>
-        </p:nvPicPr>
-        <p:blipFill>
-          <a:blip r:embed="rId5">
-            <a:extLst>
-              <a:ext uri="{28A0092B-C50C-407E-A947-70E740481C1C}">
-                <a14:useLocalDpi xmlns:a14="http://schemas.microsoft.com/office/drawing/2010/main" val="0"/>
-              </a:ext>
-            </a:extLst>
-          </a:blip>
-          <a:stretch>
-            <a:fillRect/>
-          </a:stretch>
-        </p:blipFill>
-        <p:spPr>
-          <a:xfrm>
-            <a:off x="5338119" y="3597587"/>
-            <a:ext cx="3667390" cy="2750543"/>
-          </a:xfrm>
-          <a:prstGeom prst="rect">
-            <a:avLst/>
-          </a:prstGeom>
-        </p:spPr>
-      </p:pic>
-      <p:sp>
-        <p:nvSpPr>
-          <p:cNvPr id="15" name="TextBox 14"/>
-          <p:cNvSpPr txBox="1"/>
-          <p:nvPr/>
-        </p:nvSpPr>
-        <p:spPr>
-          <a:xfrm>
-            <a:off x="2330958" y="5551052"/>
-            <a:ext cx="2949846" cy="461665"/>
-          </a:xfrm>
-          <a:prstGeom prst="rect">
-            <a:avLst/>
-          </a:prstGeom>
-          <a:noFill/>
-        </p:spPr>
-        <p:txBody>
-          <a:bodyPr wrap="none" rtlCol="0">
-            <a:spAutoFit/>
-          </a:bodyPr>
-          <a:lstStyle/>
-          <a:p>
-            <a:pPr algn="ctr"/>
-            <a:r>
-              <a:rPr lang="fr-FR" sz="1200" dirty="0" smtClean="0"/>
-              <a:t>Transformation liant le spectrogramme</a:t>
-            </a:r>
-          </a:p>
-          <a:p>
-            <a:pPr algn="ctr"/>
-            <a:r>
-              <a:rPr lang="fr-FR" sz="1200" dirty="0" smtClean="0"/>
-              <a:t>d’origine au spectrogramme reconstruit.</a:t>
-            </a:r>
-          </a:p>
-        </p:txBody>
-      </p:sp>
-      <p:cxnSp>
-        <p:nvCxnSpPr>
-          <p:cNvPr id="16" name="Straight Arrow Connector 15"/>
-          <p:cNvCxnSpPr/>
-          <p:nvPr/>
-        </p:nvCxnSpPr>
-        <p:spPr>
-          <a:xfrm>
-            <a:off x="4961292" y="6018207"/>
-            <a:ext cx="241539" cy="0"/>
-          </a:xfrm>
-          <a:prstGeom prst="straightConnector1">
-            <a:avLst/>
-          </a:prstGeom>
-          <a:ln>
-            <a:solidFill>
-              <a:schemeClr val="tx1"/>
-            </a:solidFill>
-            <a:tailEnd type="triangle"/>
-          </a:ln>
-        </p:spPr>
-        <p:style>
-          <a:lnRef idx="1">
-            <a:schemeClr val="accent1"/>
-          </a:lnRef>
-          <a:fillRef idx="0">
-            <a:schemeClr val="accent1"/>
-          </a:fillRef>
-          <a:effectRef idx="0">
-            <a:schemeClr val="accent1"/>
-          </a:effectRef>
-          <a:fontRef idx="minor">
-            <a:schemeClr val="tx1"/>
-          </a:fontRef>
-        </p:style>
-      </p:cxnSp>
-    </p:spTree>
-    <p:extLst>
-      <p:ext uri="{BB962C8B-B14F-4D97-AF65-F5344CB8AC3E}">
-        <p14:creationId xmlns:p14="http://schemas.microsoft.com/office/powerpoint/2010/main" val="1440005552"/>
       </p:ext>
     </p:extLst>
   </p:cSld>
